--- a/Documents/Sprint_3_Review.pptx
+++ b/Documents/Sprint_3_Review.pptx
@@ -11,7 +11,7 @@
     <p:handoutMasterId r:id="rId11"/>
   </p:handoutMasterIdLst>
   <p:sldIdLst>
-    <p:sldId id="585" r:id="rId4"/>
+    <p:sldId id="361" r:id="rId4"/>
     <p:sldId id="367" r:id="rId5"/>
     <p:sldId id="582" r:id="rId6"/>
     <p:sldId id="570" r:id="rId7"/>
@@ -137,7 +137,8 @@
 <file path=ppt/revisionInfo.xml><?xml version="1.0" encoding="utf-8"?>
 <p1510:revInfo xmlns:a="http://schemas.openxmlformats.org/drawingml/2006/main" xmlns:r="http://schemas.openxmlformats.org/officeDocument/2006/relationships" xmlns:p1510="http://schemas.microsoft.com/office/powerpoint/2015/10/main">
   <p1510:revLst>
-    <p1510:client id="{513794D7-0B92-472A-8EA0-64CE16C7D60E}" v="33" dt="2024-05-29T05:46:17.558"/>
+    <p1510:client id="{B9596C00-ED9A-49D2-A993-8EC85C73648B}" v="44" dt="2024-04-17T07:59:35.856"/>
+    <p1510:client id="{CDA2D91F-059C-5B4D-DBAA-6A1FAC610019}" v="119" dt="2024-04-17T07:35:06.283"/>
   </p1510:revLst>
 </p1510:revInfo>
 </file>
@@ -145,27 +146,51 @@
 <file path=ppt/changesInfos/changesInfo1.xml><?xml version="1.0" encoding="utf-8"?>
 <pc:chgInfo xmlns:a="http://schemas.openxmlformats.org/drawingml/2006/main" xmlns:r="http://schemas.openxmlformats.org/officeDocument/2006/relationships" xmlns:ac="http://schemas.microsoft.com/office/drawing/2013/main/command" xmlns:pc="http://schemas.microsoft.com/office/powerpoint/2013/main/command">
   <pc:docChgLst>
-    <pc:chgData name="Legenjovic' David" userId="f158eaf0-1167-473c-b884-84aa6febda82" providerId="ADAL" clId="{2AC64F20-CC15-47EB-A8D9-CE2A563A4E0F}"/>
-    <pc:docChg chg="undo redo custSel delSld modSld">
-      <pc:chgData name="Legenjovic' David" userId="f158eaf0-1167-473c-b884-84aa6febda82" providerId="ADAL" clId="{2AC64F20-CC15-47EB-A8D9-CE2A563A4E0F}" dt="2024-05-21T20:14:25.309" v="363" actId="478"/>
+    <pc:chgData name="Maier Jonas" userId="S::jonas.maier@htl-saalfelden.at::7666355e-4653-4ebb-8919-ad48818e94dc" providerId="AD" clId="Web-{75D0EE2E-7270-4952-9950-D7487F4294F4}"/>
+    <pc:docChg chg="modSld">
+      <pc:chgData name="Maier Jonas" userId="S::jonas.maier@htl-saalfelden.at::7666355e-4653-4ebb-8919-ad48818e94dc" providerId="AD" clId="Web-{75D0EE2E-7270-4952-9950-D7487F4294F4}" dt="2024-03-20T07:03:40.266" v="316" actId="20577"/>
       <pc:docMkLst>
         <pc:docMk/>
       </pc:docMkLst>
-      <pc:sldChg chg="del">
-        <pc:chgData name="Legenjovic' David" userId="f158eaf0-1167-473c-b884-84aa6febda82" providerId="ADAL" clId="{2AC64F20-CC15-47EB-A8D9-CE2A563A4E0F}" dt="2024-05-21T19:54:52.422" v="270" actId="47"/>
+      <pc:sldChg chg="modSp">
+        <pc:chgData name="Maier Jonas" userId="S::jonas.maier@htl-saalfelden.at::7666355e-4653-4ebb-8919-ad48818e94dc" providerId="AD" clId="Web-{75D0EE2E-7270-4952-9950-D7487F4294F4}" dt="2024-03-20T06:56:42.553" v="39" actId="20577"/>
         <pc:sldMkLst>
           <pc:docMk/>
           <pc:sldMk cId="0" sldId="361"/>
         </pc:sldMkLst>
+        <pc:spChg chg="mod">
+          <ac:chgData name="Maier Jonas" userId="S::jonas.maier@htl-saalfelden.at::7666355e-4653-4ebb-8919-ad48818e94dc" providerId="AD" clId="Web-{75D0EE2E-7270-4952-9950-D7487F4294F4}" dt="2024-03-20T06:56:27.131" v="10" actId="20577"/>
+          <ac:spMkLst>
+            <pc:docMk/>
+            <pc:sldMk cId="0" sldId="361"/>
+            <ac:spMk id="2" creationId="{00000000-0000-0000-0000-000000000000}"/>
+          </ac:spMkLst>
+        </pc:spChg>
+        <pc:spChg chg="mod">
+          <ac:chgData name="Maier Jonas" userId="S::jonas.maier@htl-saalfelden.at::7666355e-4653-4ebb-8919-ad48818e94dc" providerId="AD" clId="Web-{75D0EE2E-7270-4952-9950-D7487F4294F4}" dt="2024-03-20T06:56:23.318" v="9" actId="20577"/>
+          <ac:spMkLst>
+            <pc:docMk/>
+            <pc:sldMk cId="0" sldId="361"/>
+            <ac:spMk id="4" creationId="{00000000-0000-0000-0000-000000000000}"/>
+          </ac:spMkLst>
+        </pc:spChg>
+        <pc:spChg chg="mod">
+          <ac:chgData name="Maier Jonas" userId="S::jonas.maier@htl-saalfelden.at::7666355e-4653-4ebb-8919-ad48818e94dc" providerId="AD" clId="Web-{75D0EE2E-7270-4952-9950-D7487F4294F4}" dt="2024-03-20T06:56:42.553" v="39" actId="20577"/>
+          <ac:spMkLst>
+            <pc:docMk/>
+            <pc:sldMk cId="0" sldId="361"/>
+            <ac:spMk id="9" creationId="{00000000-0000-0000-0000-000000000000}"/>
+          </ac:spMkLst>
+        </pc:spChg>
       </pc:sldChg>
-      <pc:sldChg chg="modSp mod">
-        <pc:chgData name="Legenjovic' David" userId="f158eaf0-1167-473c-b884-84aa6febda82" providerId="ADAL" clId="{2AC64F20-CC15-47EB-A8D9-CE2A563A4E0F}" dt="2024-05-21T19:22:16.031" v="162" actId="20577"/>
+      <pc:sldChg chg="modSp">
+        <pc:chgData name="Maier Jonas" userId="S::jonas.maier@htl-saalfelden.at::7666355e-4653-4ebb-8919-ad48818e94dc" providerId="AD" clId="Web-{75D0EE2E-7270-4952-9950-D7487F4294F4}" dt="2024-03-20T07:01:47.935" v="296" actId="20577"/>
         <pc:sldMkLst>
           <pc:docMk/>
           <pc:sldMk cId="0" sldId="367"/>
         </pc:sldMkLst>
         <pc:spChg chg="mod">
-          <ac:chgData name="Legenjovic' David" userId="f158eaf0-1167-473c-b884-84aa6febda82" providerId="ADAL" clId="{2AC64F20-CC15-47EB-A8D9-CE2A563A4E0F}" dt="2024-05-21T19:22:16.031" v="162" actId="20577"/>
+          <ac:chgData name="Maier Jonas" userId="S::jonas.maier@htl-saalfelden.at::7666355e-4653-4ebb-8919-ad48818e94dc" providerId="AD" clId="Web-{75D0EE2E-7270-4952-9950-D7487F4294F4}" dt="2024-03-20T07:01:47.935" v="296" actId="20577"/>
           <ac:spMkLst>
             <pc:docMk/>
             <pc:sldMk cId="0" sldId="367"/>
@@ -173,304 +198,28 @@
           </ac:spMkLst>
         </pc:spChg>
       </pc:sldChg>
-      <pc:sldChg chg="modSp mod">
-        <pc:chgData name="Legenjovic' David" userId="f158eaf0-1167-473c-b884-84aa6febda82" providerId="ADAL" clId="{2AC64F20-CC15-47EB-A8D9-CE2A563A4E0F}" dt="2024-05-21T19:45:39.651" v="246" actId="27918"/>
+      <pc:sldChg chg="delSp modSp">
+        <pc:chgData name="Maier Jonas" userId="S::jonas.maier@htl-saalfelden.at::7666355e-4653-4ebb-8919-ad48818e94dc" providerId="AD" clId="Web-{75D0EE2E-7270-4952-9950-D7487F4294F4}" dt="2024-03-20T07:03:40.266" v="316" actId="20577"/>
         <pc:sldMkLst>
           <pc:docMk/>
           <pc:sldMk cId="0" sldId="570"/>
         </pc:sldMkLst>
         <pc:spChg chg="mod">
-          <ac:chgData name="Legenjovic' David" userId="f158eaf0-1167-473c-b884-84aa6febda82" providerId="ADAL" clId="{2AC64F20-CC15-47EB-A8D9-CE2A563A4E0F}" dt="2024-05-21T19:43:26.733" v="244" actId="20577"/>
+          <ac:chgData name="Maier Jonas" userId="S::jonas.maier@htl-saalfelden.at::7666355e-4653-4ebb-8919-ad48818e94dc" providerId="AD" clId="Web-{75D0EE2E-7270-4952-9950-D7487F4294F4}" dt="2024-03-20T07:03:40.266" v="316" actId="20577"/>
           <ac:spMkLst>
             <pc:docMk/>
             <pc:sldMk cId="0" sldId="570"/>
             <ac:spMk id="5" creationId="{00000000-0000-0000-0000-000000000000}"/>
           </ac:spMkLst>
         </pc:spChg>
-      </pc:sldChg>
-      <pc:sldChg chg="modSp mod">
-        <pc:chgData name="Legenjovic' David" userId="f158eaf0-1167-473c-b884-84aa6febda82" providerId="ADAL" clId="{2AC64F20-CC15-47EB-A8D9-CE2A563A4E0F}" dt="2024-05-21T19:23:55.446" v="171" actId="14734"/>
-        <pc:sldMkLst>
-          <pc:docMk/>
-          <pc:sldMk cId="0" sldId="582"/>
-        </pc:sldMkLst>
-        <pc:graphicFrameChg chg="mod modGraphic">
-          <ac:chgData name="Legenjovic' David" userId="f158eaf0-1167-473c-b884-84aa6febda82" providerId="ADAL" clId="{2AC64F20-CC15-47EB-A8D9-CE2A563A4E0F}" dt="2024-05-21T19:23:55.446" v="171" actId="14734"/>
+        <pc:graphicFrameChg chg="del">
+          <ac:chgData name="Maier Jonas" userId="S::jonas.maier@htl-saalfelden.at::7666355e-4653-4ebb-8919-ad48818e94dc" providerId="AD" clId="Web-{75D0EE2E-7270-4952-9950-D7487F4294F4}" dt="2024-03-20T07:03:28.672" v="308"/>
           <ac:graphicFrameMkLst>
             <pc:docMk/>
-            <pc:sldMk cId="0" sldId="582"/>
-            <ac:graphicFrameMk id="4" creationId="{00000000-0000-0000-0000-000000000000}"/>
+            <pc:sldMk cId="0" sldId="570"/>
+            <ac:graphicFrameMk id="12" creationId="{BB95FAD8-300D-D630-F329-2111DD0C73DF}"/>
           </ac:graphicFrameMkLst>
         </pc:graphicFrameChg>
-      </pc:sldChg>
-      <pc:sldChg chg="addSp modSp">
-        <pc:chgData name="Legenjovic' David" userId="f158eaf0-1167-473c-b884-84aa6febda82" providerId="ADAL" clId="{2AC64F20-CC15-47EB-A8D9-CE2A563A4E0F}" dt="2024-05-21T19:55:23.553" v="272" actId="1076"/>
-        <pc:sldMkLst>
-          <pc:docMk/>
-          <pc:sldMk cId="0" sldId="583"/>
-        </pc:sldMkLst>
-        <pc:picChg chg="add mod">
-          <ac:chgData name="Legenjovic' David" userId="f158eaf0-1167-473c-b884-84aa6febda82" providerId="ADAL" clId="{2AC64F20-CC15-47EB-A8D9-CE2A563A4E0F}" dt="2024-05-21T19:55:23.553" v="272" actId="1076"/>
-          <ac:picMkLst>
-            <pc:docMk/>
-            <pc:sldMk cId="0" sldId="583"/>
-            <ac:picMk id="1026" creationId="{943AA8B8-2747-1EFE-453F-8BED8C8D5D07}"/>
-          </ac:picMkLst>
-        </pc:picChg>
-      </pc:sldChg>
-      <pc:sldChg chg="modSp mod">
-        <pc:chgData name="Legenjovic' David" userId="f158eaf0-1167-473c-b884-84aa6febda82" providerId="ADAL" clId="{2AC64F20-CC15-47EB-A8D9-CE2A563A4E0F}" dt="2024-05-21T19:41:01.744" v="242" actId="20577"/>
-        <pc:sldMkLst>
-          <pc:docMk/>
-          <pc:sldMk cId="0" sldId="584"/>
-        </pc:sldMkLst>
-        <pc:spChg chg="mod">
-          <ac:chgData name="Legenjovic' David" userId="f158eaf0-1167-473c-b884-84aa6febda82" providerId="ADAL" clId="{2AC64F20-CC15-47EB-A8D9-CE2A563A4E0F}" dt="2024-05-21T19:41:01.744" v="242" actId="20577"/>
-          <ac:spMkLst>
-            <pc:docMk/>
-            <pc:sldMk cId="0" sldId="584"/>
-            <ac:spMk id="5" creationId="{00000000-0000-0000-0000-000000000000}"/>
-          </ac:spMkLst>
-        </pc:spChg>
-      </pc:sldChg>
-      <pc:sldChg chg="modSp modAnim">
-        <pc:chgData name="Legenjovic' David" userId="f158eaf0-1167-473c-b884-84aa6febda82" providerId="ADAL" clId="{2AC64F20-CC15-47EB-A8D9-CE2A563A4E0F}" dt="2024-05-21T19:54:47.633" v="269" actId="20577"/>
-        <pc:sldMkLst>
-          <pc:docMk/>
-          <pc:sldMk cId="2097204490" sldId="585"/>
-        </pc:sldMkLst>
-        <pc:spChg chg="mod">
-          <ac:chgData name="Legenjovic' David" userId="f158eaf0-1167-473c-b884-84aa6febda82" providerId="ADAL" clId="{2AC64F20-CC15-47EB-A8D9-CE2A563A4E0F}" dt="2024-05-21T19:54:47.633" v="269" actId="20577"/>
-          <ac:spMkLst>
-            <pc:docMk/>
-            <pc:sldMk cId="2097204490" sldId="585"/>
-            <ac:spMk id="3" creationId="{47D9AC8C-6BB7-664C-9D81-4748E5F0C461}"/>
-          </ac:spMkLst>
-        </pc:spChg>
-      </pc:sldChg>
-      <pc:sldChg chg="addSp delSp modSp mod">
-        <pc:chgData name="Legenjovic' David" userId="f158eaf0-1167-473c-b884-84aa6febda82" providerId="ADAL" clId="{2AC64F20-CC15-47EB-A8D9-CE2A563A4E0F}" dt="2024-05-21T20:14:25.309" v="363" actId="478"/>
-        <pc:sldMkLst>
-          <pc:docMk/>
-          <pc:sldMk cId="1034016627" sldId="586"/>
-        </pc:sldMkLst>
-        <pc:spChg chg="mod">
-          <ac:chgData name="Legenjovic' David" userId="f158eaf0-1167-473c-b884-84aa6febda82" providerId="ADAL" clId="{2AC64F20-CC15-47EB-A8D9-CE2A563A4E0F}" dt="2024-05-21T19:56:16.624" v="281" actId="1076"/>
-          <ac:spMkLst>
-            <pc:docMk/>
-            <pc:sldMk cId="1034016627" sldId="586"/>
-            <ac:spMk id="2" creationId="{1BBE5E14-5A2E-DB88-E2CB-50128487CA6A}"/>
-          </ac:spMkLst>
-        </pc:spChg>
-        <pc:picChg chg="add mod ord">
-          <ac:chgData name="Legenjovic' David" userId="f158eaf0-1167-473c-b884-84aa6febda82" providerId="ADAL" clId="{2AC64F20-CC15-47EB-A8D9-CE2A563A4E0F}" dt="2024-05-21T20:00:19.087" v="362" actId="166"/>
-          <ac:picMkLst>
-            <pc:docMk/>
-            <pc:sldMk cId="1034016627" sldId="586"/>
-            <ac:picMk id="4" creationId="{3C46425E-00C5-5BEC-805A-6471789CB90B}"/>
-          </ac:picMkLst>
-        </pc:picChg>
-        <pc:picChg chg="add mod">
-          <ac:chgData name="Legenjovic' David" userId="f158eaf0-1167-473c-b884-84aa6febda82" providerId="ADAL" clId="{2AC64F20-CC15-47EB-A8D9-CE2A563A4E0F}" dt="2024-05-21T19:59:56.160" v="353" actId="1076"/>
-          <ac:picMkLst>
-            <pc:docMk/>
-            <pc:sldMk cId="1034016627" sldId="586"/>
-            <ac:picMk id="5" creationId="{93E3C72A-21A4-595B-82CE-F3C807659C8F}"/>
-          </ac:picMkLst>
-        </pc:picChg>
-        <pc:picChg chg="mod">
-          <ac:chgData name="Legenjovic' David" userId="f158eaf0-1167-473c-b884-84aa6febda82" providerId="ADAL" clId="{2AC64F20-CC15-47EB-A8D9-CE2A563A4E0F}" dt="2024-05-21T19:58:31.139" v="341" actId="1076"/>
-          <ac:picMkLst>
-            <pc:docMk/>
-            <pc:sldMk cId="1034016627" sldId="586"/>
-            <ac:picMk id="6" creationId="{19E9F3C3-E183-6452-4113-BC570D1EC78D}"/>
-          </ac:picMkLst>
-        </pc:picChg>
-        <pc:picChg chg="del">
-          <ac:chgData name="Legenjovic' David" userId="f158eaf0-1167-473c-b884-84aa6febda82" providerId="ADAL" clId="{2AC64F20-CC15-47EB-A8D9-CE2A563A4E0F}" dt="2024-05-21T20:14:25.309" v="363" actId="478"/>
-          <ac:picMkLst>
-            <pc:docMk/>
-            <pc:sldMk cId="1034016627" sldId="586"/>
-            <ac:picMk id="8" creationId="{1D55DFC3-B24A-3FA4-1ACA-293B33115A6B}"/>
-          </ac:picMkLst>
-        </pc:picChg>
-      </pc:sldChg>
-      <pc:sldChg chg="modSp mod">
-        <pc:chgData name="Legenjovic' David" userId="f158eaf0-1167-473c-b884-84aa6febda82" providerId="ADAL" clId="{2AC64F20-CC15-47EB-A8D9-CE2A563A4E0F}" dt="2024-05-21T19:52:28.717" v="249" actId="20577"/>
-        <pc:sldMkLst>
-          <pc:docMk/>
-          <pc:sldMk cId="1957692148" sldId="586"/>
-        </pc:sldMkLst>
-        <pc:spChg chg="mod">
-          <ac:chgData name="Legenjovic' David" userId="f158eaf0-1167-473c-b884-84aa6febda82" providerId="ADAL" clId="{2AC64F20-CC15-47EB-A8D9-CE2A563A4E0F}" dt="2024-05-21T19:52:28.717" v="249" actId="20577"/>
-          <ac:spMkLst>
-            <pc:docMk/>
-            <pc:sldMk cId="1957692148" sldId="586"/>
-            <ac:spMk id="2" creationId="{C5F293A1-5B2F-B79B-128D-988589DBBA54}"/>
-          </ac:spMkLst>
-        </pc:spChg>
-      </pc:sldChg>
-    </pc:docChg>
-  </pc:docChgLst>
-  <pc:docChgLst>
-    <pc:chgData name="Maier Jonas" userId="7666355e-4653-4ebb-8919-ad48818e94dc" providerId="ADAL" clId="{F3FD8717-CDB6-4357-94E8-7495356FF142}"/>
-    <pc:docChg chg="undo custSel addSld delSld modSld">
-      <pc:chgData name="Maier Jonas" userId="7666355e-4653-4ebb-8919-ad48818e94dc" providerId="ADAL" clId="{F3FD8717-CDB6-4357-94E8-7495356FF142}" dt="2024-03-20T08:27:51.646" v="886" actId="20577"/>
-      <pc:docMkLst>
-        <pc:docMk/>
-      </pc:docMkLst>
-      <pc:sldChg chg="modSp mod">
-        <pc:chgData name="Maier Jonas" userId="7666355e-4653-4ebb-8919-ad48818e94dc" providerId="ADAL" clId="{F3FD8717-CDB6-4357-94E8-7495356FF142}" dt="2024-03-20T08:27:51.646" v="886" actId="20577"/>
-        <pc:sldMkLst>
-          <pc:docMk/>
-          <pc:sldMk cId="0" sldId="582"/>
-        </pc:sldMkLst>
-        <pc:graphicFrameChg chg="mod modGraphic">
-          <ac:chgData name="Maier Jonas" userId="7666355e-4653-4ebb-8919-ad48818e94dc" providerId="ADAL" clId="{F3FD8717-CDB6-4357-94E8-7495356FF142}" dt="2024-03-20T08:27:51.646" v="886" actId="20577"/>
-          <ac:graphicFrameMkLst>
-            <pc:docMk/>
-            <pc:sldMk cId="0" sldId="582"/>
-            <ac:graphicFrameMk id="4" creationId="{00000000-0000-0000-0000-000000000000}"/>
-          </ac:graphicFrameMkLst>
-        </pc:graphicFrameChg>
-      </pc:sldChg>
-      <pc:sldChg chg="modSp mod">
-        <pc:chgData name="Maier Jonas" userId="7666355e-4653-4ebb-8919-ad48818e94dc" providerId="ADAL" clId="{F3FD8717-CDB6-4357-94E8-7495356FF142}" dt="2024-03-20T07:50:26.250" v="481" actId="20577"/>
-        <pc:sldMkLst>
-          <pc:docMk/>
-          <pc:sldMk cId="0" sldId="583"/>
-        </pc:sldMkLst>
-        <pc:spChg chg="mod">
-          <ac:chgData name="Maier Jonas" userId="7666355e-4653-4ebb-8919-ad48818e94dc" providerId="ADAL" clId="{F3FD8717-CDB6-4357-94E8-7495356FF142}" dt="2024-03-20T07:50:26.250" v="481" actId="20577"/>
-          <ac:spMkLst>
-            <pc:docMk/>
-            <pc:sldMk cId="0" sldId="583"/>
-            <ac:spMk id="5" creationId="{00000000-0000-0000-0000-000000000000}"/>
-          </ac:spMkLst>
-        </pc:spChg>
-      </pc:sldChg>
-      <pc:sldChg chg="modSp new del mod">
-        <pc:chgData name="Maier Jonas" userId="7666355e-4653-4ebb-8919-ad48818e94dc" providerId="ADAL" clId="{F3FD8717-CDB6-4357-94E8-7495356FF142}" dt="2024-03-20T07:48:54.726" v="252" actId="47"/>
-        <pc:sldMkLst>
-          <pc:docMk/>
-          <pc:sldMk cId="2555446807" sldId="585"/>
-        </pc:sldMkLst>
-        <pc:spChg chg="mod">
-          <ac:chgData name="Maier Jonas" userId="7666355e-4653-4ebb-8919-ad48818e94dc" providerId="ADAL" clId="{F3FD8717-CDB6-4357-94E8-7495356FF142}" dt="2024-03-20T07:20:15.803" v="35" actId="20577"/>
-          <ac:spMkLst>
-            <pc:docMk/>
-            <pc:sldMk cId="2555446807" sldId="585"/>
-            <ac:spMk id="2" creationId="{8F4D2220-9531-E895-185B-A58512E8F4E0}"/>
-          </ac:spMkLst>
-        </pc:spChg>
-        <pc:spChg chg="mod">
-          <ac:chgData name="Maier Jonas" userId="7666355e-4653-4ebb-8919-ad48818e94dc" providerId="ADAL" clId="{F3FD8717-CDB6-4357-94E8-7495356FF142}" dt="2024-03-20T07:21:31.981" v="250" actId="20577"/>
-          <ac:spMkLst>
-            <pc:docMk/>
-            <pc:sldMk cId="2555446807" sldId="585"/>
-            <ac:spMk id="3" creationId="{3C7A2DAA-40F5-AF54-2A6E-D8127871B9D3}"/>
-          </ac:spMkLst>
-        </pc:spChg>
-      </pc:sldChg>
-      <pc:sldChg chg="new del">
-        <pc:chgData name="Maier Jonas" userId="7666355e-4653-4ebb-8919-ad48818e94dc" providerId="ADAL" clId="{F3FD8717-CDB6-4357-94E8-7495356FF142}" dt="2024-03-20T07:20:06.452" v="1" actId="680"/>
-        <pc:sldMkLst>
-          <pc:docMk/>
-          <pc:sldMk cId="4239965684" sldId="585"/>
-        </pc:sldMkLst>
-      </pc:sldChg>
-    </pc:docChg>
-  </pc:docChgLst>
-  <pc:docChgLst>
-    <pc:chgData name="Maier Jonas" userId="S::jonas.maier@htl-saalfelden.at::7666355e-4653-4ebb-8919-ad48818e94dc" providerId="AD" clId="Web-{CDC8B2CE-DA55-4023-A57B-AD9D5EA1ECA8}"/>
-    <pc:docChg chg="modSld">
-      <pc:chgData name="Maier Jonas" userId="S::jonas.maier@htl-saalfelden.at::7666355e-4653-4ebb-8919-ad48818e94dc" providerId="AD" clId="Web-{CDC8B2CE-DA55-4023-A57B-AD9D5EA1ECA8}" dt="2024-03-21T10:57:33.021" v="4" actId="20577"/>
-      <pc:docMkLst>
-        <pc:docMk/>
-      </pc:docMkLst>
-      <pc:sldChg chg="modSp">
-        <pc:chgData name="Maier Jonas" userId="S::jonas.maier@htl-saalfelden.at::7666355e-4653-4ebb-8919-ad48818e94dc" providerId="AD" clId="Web-{CDC8B2CE-DA55-4023-A57B-AD9D5EA1ECA8}" dt="2024-03-21T10:57:33.021" v="4" actId="20577"/>
-        <pc:sldMkLst>
-          <pc:docMk/>
-          <pc:sldMk cId="0" sldId="570"/>
-        </pc:sldMkLst>
-        <pc:spChg chg="mod">
-          <ac:chgData name="Maier Jonas" userId="S::jonas.maier@htl-saalfelden.at::7666355e-4653-4ebb-8919-ad48818e94dc" providerId="AD" clId="Web-{CDC8B2CE-DA55-4023-A57B-AD9D5EA1ECA8}" dt="2024-03-21T10:57:33.021" v="4" actId="20577"/>
-          <ac:spMkLst>
-            <pc:docMk/>
-            <pc:sldMk cId="0" sldId="570"/>
-            <ac:spMk id="5" creationId="{00000000-0000-0000-0000-000000000000}"/>
-          </ac:spMkLst>
-        </pc:spChg>
-      </pc:sldChg>
-    </pc:docChg>
-  </pc:docChgLst>
-  <pc:docChgLst>
-    <pc:chgData name="Gastbenutzer" userId="S::urn:spo:anon#b48ec4890037f4ab5e2723053f48466f51e3b937a8082a706992a9e926dfc315::" providerId="AD" clId="Web-{84EF18B1-A0C6-0D5D-394A-9E74C26969EC}"/>
-    <pc:docChg chg="modSld">
-      <pc:chgData name="Gastbenutzer" userId="S::urn:spo:anon#b48ec4890037f4ab5e2723053f48466f51e3b937a8082a706992a9e926dfc315::" providerId="AD" clId="Web-{84EF18B1-A0C6-0D5D-394A-9E74C26969EC}" dt="2024-03-20T08:18:13.715" v="142" actId="20577"/>
-      <pc:docMkLst>
-        <pc:docMk/>
-      </pc:docMkLst>
-      <pc:sldChg chg="modSp">
-        <pc:chgData name="Gastbenutzer" userId="S::urn:spo:anon#b48ec4890037f4ab5e2723053f48466f51e3b937a8082a706992a9e926dfc315::" providerId="AD" clId="Web-{84EF18B1-A0C6-0D5D-394A-9E74C26969EC}" dt="2024-03-20T08:18:13.715" v="142" actId="20577"/>
-        <pc:sldMkLst>
-          <pc:docMk/>
-          <pc:sldMk cId="0" sldId="367"/>
-        </pc:sldMkLst>
-        <pc:spChg chg="mod">
-          <ac:chgData name="Gastbenutzer" userId="S::urn:spo:anon#b48ec4890037f4ab5e2723053f48466f51e3b937a8082a706992a9e926dfc315::" providerId="AD" clId="Web-{84EF18B1-A0C6-0D5D-394A-9E74C26969EC}" dt="2024-03-20T08:18:13.715" v="142" actId="20577"/>
-          <ac:spMkLst>
-            <pc:docMk/>
-            <pc:sldMk cId="0" sldId="367"/>
-            <ac:spMk id="3" creationId="{00000000-0000-0000-0000-000000000000}"/>
-          </ac:spMkLst>
-        </pc:spChg>
-      </pc:sldChg>
-      <pc:sldChg chg="modSp">
-        <pc:chgData name="Gastbenutzer" userId="S::urn:spo:anon#b48ec4890037f4ab5e2723053f48466f51e3b937a8082a706992a9e926dfc315::" providerId="AD" clId="Web-{84EF18B1-A0C6-0D5D-394A-9E74C26969EC}" dt="2024-03-20T08:13:45.658" v="136" actId="1076"/>
-        <pc:sldMkLst>
-          <pc:docMk/>
-          <pc:sldMk cId="0" sldId="570"/>
-        </pc:sldMkLst>
-        <pc:spChg chg="mod">
-          <ac:chgData name="Gastbenutzer" userId="S::urn:spo:anon#b48ec4890037f4ab5e2723053f48466f51e3b937a8082a706992a9e926dfc315::" providerId="AD" clId="Web-{84EF18B1-A0C6-0D5D-394A-9E74C26969EC}" dt="2024-03-20T08:13:45.658" v="136" actId="1076"/>
-          <ac:spMkLst>
-            <pc:docMk/>
-            <pc:sldMk cId="0" sldId="570"/>
-            <ac:spMk id="5" creationId="{00000000-0000-0000-0000-000000000000}"/>
-          </ac:spMkLst>
-        </pc:spChg>
-      </pc:sldChg>
-      <pc:sldChg chg="modSp">
-        <pc:chgData name="Gastbenutzer" userId="S::urn:spo:anon#b48ec4890037f4ab5e2723053f48466f51e3b937a8082a706992a9e926dfc315::" providerId="AD" clId="Web-{84EF18B1-A0C6-0D5D-394A-9E74C26969EC}" dt="2024-03-20T08:11:13.481" v="118"/>
-        <pc:sldMkLst>
-          <pc:docMk/>
-          <pc:sldMk cId="0" sldId="582"/>
-        </pc:sldMkLst>
-        <pc:graphicFrameChg chg="mod modGraphic">
-          <ac:chgData name="Gastbenutzer" userId="S::urn:spo:anon#b48ec4890037f4ab5e2723053f48466f51e3b937a8082a706992a9e926dfc315::" providerId="AD" clId="Web-{84EF18B1-A0C6-0D5D-394A-9E74C26969EC}" dt="2024-03-20T08:11:13.481" v="118"/>
-          <ac:graphicFrameMkLst>
-            <pc:docMk/>
-            <pc:sldMk cId="0" sldId="582"/>
-            <ac:graphicFrameMk id="4" creationId="{00000000-0000-0000-0000-000000000000}"/>
-          </ac:graphicFrameMkLst>
-        </pc:graphicFrameChg>
-      </pc:sldChg>
-      <pc:sldChg chg="modSp">
-        <pc:chgData name="Gastbenutzer" userId="S::urn:spo:anon#b48ec4890037f4ab5e2723053f48466f51e3b937a8082a706992a9e926dfc315::" providerId="AD" clId="Web-{84EF18B1-A0C6-0D5D-394A-9E74C26969EC}" dt="2024-03-20T08:17:58.152" v="140" actId="20577"/>
-        <pc:sldMkLst>
-          <pc:docMk/>
-          <pc:sldMk cId="0" sldId="583"/>
-        </pc:sldMkLst>
-        <pc:spChg chg="mod">
-          <ac:chgData name="Gastbenutzer" userId="S::urn:spo:anon#b48ec4890037f4ab5e2723053f48466f51e3b937a8082a706992a9e926dfc315::" providerId="AD" clId="Web-{84EF18B1-A0C6-0D5D-394A-9E74C26969EC}" dt="2024-03-20T08:17:58.152" v="140" actId="20577"/>
-          <ac:spMkLst>
-            <pc:docMk/>
-            <pc:sldMk cId="0" sldId="583"/>
-            <ac:spMk id="5" creationId="{00000000-0000-0000-0000-000000000000}"/>
-          </ac:spMkLst>
-        </pc:spChg>
       </pc:sldChg>
     </pc:docChg>
   </pc:docChgLst>
@@ -492,113 +241,6 @@
           <ac:spMkLst>
             <pc:docMk/>
             <pc:sldMk cId="0" sldId="583"/>
-            <ac:spMk id="5" creationId="{00000000-0000-0000-0000-000000000000}"/>
-          </ac:spMkLst>
-        </pc:spChg>
-      </pc:sldChg>
-    </pc:docChg>
-  </pc:docChgLst>
-  <pc:docChgLst>
-    <pc:chgData name="Legenjovic' David" userId="f158eaf0-1167-473c-b884-84aa6febda82" providerId="ADAL" clId="{B9596C00-ED9A-49D2-A993-8EC85C73648B}"/>
-    <pc:docChg chg="custSel modSld">
-      <pc:chgData name="Legenjovic' David" userId="f158eaf0-1167-473c-b884-84aa6febda82" providerId="ADAL" clId="{B9596C00-ED9A-49D2-A993-8EC85C73648B}" dt="2024-04-17T08:00:05.380" v="494" actId="20577"/>
-      <pc:docMkLst>
-        <pc:docMk/>
-      </pc:docMkLst>
-      <pc:sldChg chg="modSp mod">
-        <pc:chgData name="Legenjovic' David" userId="f158eaf0-1167-473c-b884-84aa6febda82" providerId="ADAL" clId="{B9596C00-ED9A-49D2-A993-8EC85C73648B}" dt="2024-04-17T06:44:03.445" v="452" actId="20577"/>
-        <pc:sldMkLst>
-          <pc:docMk/>
-          <pc:sldMk cId="0" sldId="361"/>
-        </pc:sldMkLst>
-        <pc:spChg chg="mod">
-          <ac:chgData name="Legenjovic' David" userId="f158eaf0-1167-473c-b884-84aa6febda82" providerId="ADAL" clId="{B9596C00-ED9A-49D2-A993-8EC85C73648B}" dt="2024-04-17T06:44:03.445" v="452" actId="20577"/>
-          <ac:spMkLst>
-            <pc:docMk/>
-            <pc:sldMk cId="0" sldId="361"/>
-            <ac:spMk id="4" creationId="{00000000-0000-0000-0000-000000000000}"/>
-          </ac:spMkLst>
-        </pc:spChg>
-      </pc:sldChg>
-      <pc:sldChg chg="modSp mod">
-        <pc:chgData name="Legenjovic' David" userId="f158eaf0-1167-473c-b884-84aa6febda82" providerId="ADAL" clId="{B9596C00-ED9A-49D2-A993-8EC85C73648B}" dt="2024-04-17T06:08:51.347" v="296" actId="20577"/>
-        <pc:sldMkLst>
-          <pc:docMk/>
-          <pc:sldMk cId="0" sldId="367"/>
-        </pc:sldMkLst>
-        <pc:spChg chg="mod">
-          <ac:chgData name="Legenjovic' David" userId="f158eaf0-1167-473c-b884-84aa6febda82" providerId="ADAL" clId="{B9596C00-ED9A-49D2-A993-8EC85C73648B}" dt="2024-04-17T06:08:51.347" v="296" actId="20577"/>
-          <ac:spMkLst>
-            <pc:docMk/>
-            <pc:sldMk cId="0" sldId="367"/>
-            <ac:spMk id="3" creationId="{00000000-0000-0000-0000-000000000000}"/>
-          </ac:spMkLst>
-        </pc:spChg>
-      </pc:sldChg>
-      <pc:sldChg chg="modSp mod">
-        <pc:chgData name="Legenjovic' David" userId="f158eaf0-1167-473c-b884-84aa6febda82" providerId="ADAL" clId="{B9596C00-ED9A-49D2-A993-8EC85C73648B}" dt="2024-04-17T07:50:31.634" v="476" actId="20577"/>
-        <pc:sldMkLst>
-          <pc:docMk/>
-          <pc:sldMk cId="0" sldId="570"/>
-        </pc:sldMkLst>
-        <pc:spChg chg="mod">
-          <ac:chgData name="Legenjovic' David" userId="f158eaf0-1167-473c-b884-84aa6febda82" providerId="ADAL" clId="{B9596C00-ED9A-49D2-A993-8EC85C73648B}" dt="2024-04-17T07:50:31.634" v="476" actId="20577"/>
-          <ac:spMkLst>
-            <pc:docMk/>
-            <pc:sldMk cId="0" sldId="570"/>
-            <ac:spMk id="5" creationId="{00000000-0000-0000-0000-000000000000}"/>
-          </ac:spMkLst>
-        </pc:spChg>
-      </pc:sldChg>
-      <pc:sldChg chg="modSp mod">
-        <pc:chgData name="Legenjovic' David" userId="f158eaf0-1167-473c-b884-84aa6febda82" providerId="ADAL" clId="{B9596C00-ED9A-49D2-A993-8EC85C73648B}" dt="2024-04-17T06:38:28.923" v="420"/>
-        <pc:sldMkLst>
-          <pc:docMk/>
-          <pc:sldMk cId="0" sldId="582"/>
-        </pc:sldMkLst>
-        <pc:spChg chg="mod">
-          <ac:chgData name="Legenjovic' David" userId="f158eaf0-1167-473c-b884-84aa6febda82" providerId="ADAL" clId="{B9596C00-ED9A-49D2-A993-8EC85C73648B}" dt="2024-04-17T06:07:30.964" v="149" actId="20577"/>
-          <ac:spMkLst>
-            <pc:docMk/>
-            <pc:sldMk cId="0" sldId="582"/>
-            <ac:spMk id="3" creationId="{00000000-0000-0000-0000-000000000000}"/>
-          </ac:spMkLst>
-        </pc:spChg>
-        <pc:graphicFrameChg chg="mod modGraphic">
-          <ac:chgData name="Legenjovic' David" userId="f158eaf0-1167-473c-b884-84aa6febda82" providerId="ADAL" clId="{B9596C00-ED9A-49D2-A993-8EC85C73648B}" dt="2024-04-17T06:38:28.923" v="420"/>
-          <ac:graphicFrameMkLst>
-            <pc:docMk/>
-            <pc:sldMk cId="0" sldId="582"/>
-            <ac:graphicFrameMk id="4" creationId="{00000000-0000-0000-0000-000000000000}"/>
-          </ac:graphicFrameMkLst>
-        </pc:graphicFrameChg>
-      </pc:sldChg>
-      <pc:sldChg chg="modSp mod">
-        <pc:chgData name="Legenjovic' David" userId="f158eaf0-1167-473c-b884-84aa6febda82" providerId="ADAL" clId="{B9596C00-ED9A-49D2-A993-8EC85C73648B}" dt="2024-04-17T06:08:13.051" v="240" actId="20577"/>
-        <pc:sldMkLst>
-          <pc:docMk/>
-          <pc:sldMk cId="0" sldId="583"/>
-        </pc:sldMkLst>
-        <pc:spChg chg="mod">
-          <ac:chgData name="Legenjovic' David" userId="f158eaf0-1167-473c-b884-84aa6febda82" providerId="ADAL" clId="{B9596C00-ED9A-49D2-A993-8EC85C73648B}" dt="2024-04-17T06:08:13.051" v="240" actId="20577"/>
-          <ac:spMkLst>
-            <pc:docMk/>
-            <pc:sldMk cId="0" sldId="583"/>
-            <ac:spMk id="5" creationId="{00000000-0000-0000-0000-000000000000}"/>
-          </ac:spMkLst>
-        </pc:spChg>
-      </pc:sldChg>
-      <pc:sldChg chg="modSp mod">
-        <pc:chgData name="Legenjovic' David" userId="f158eaf0-1167-473c-b884-84aa6febda82" providerId="ADAL" clId="{B9596C00-ED9A-49D2-A993-8EC85C73648B}" dt="2024-04-17T08:00:05.380" v="494" actId="20577"/>
-        <pc:sldMkLst>
-          <pc:docMk/>
-          <pc:sldMk cId="0" sldId="584"/>
-        </pc:sldMkLst>
-        <pc:spChg chg="mod">
-          <ac:chgData name="Legenjovic' David" userId="f158eaf0-1167-473c-b884-84aa6febda82" providerId="ADAL" clId="{B9596C00-ED9A-49D2-A993-8EC85C73648B}" dt="2024-04-17T08:00:05.380" v="494" actId="20577"/>
-          <ac:spMkLst>
-            <pc:docMk/>
-            <pc:sldMk cId="0" sldId="584"/>
             <ac:spMk id="5" creationId="{00000000-0000-0000-0000-000000000000}"/>
           </ac:spMkLst>
         </pc:spChg>
@@ -768,20 +410,35 @@
     </pc:docChg>
   </pc:docChgLst>
   <pc:docChgLst>
-    <pc:chgData name="Maier Jonas" userId="7666355e-4653-4ebb-8919-ad48818e94dc" providerId="ADAL" clId="{F63763F6-7104-444D-814A-D83E91BE3BE9}"/>
-    <pc:docChg chg="undo custSel modSld">
-      <pc:chgData name="Maier Jonas" userId="7666355e-4653-4ebb-8919-ad48818e94dc" providerId="ADAL" clId="{F63763F6-7104-444D-814A-D83E91BE3BE9}" dt="2024-05-23T12:45:36.622" v="94" actId="20577"/>
+    <pc:chgData name="Legenjovic' David" userId="f158eaf0-1167-473c-b884-84aa6febda82" providerId="ADAL" clId="{B9596C00-ED9A-49D2-A993-8EC85C73648B}"/>
+    <pc:docChg chg="custSel modSld">
+      <pc:chgData name="Legenjovic' David" userId="f158eaf0-1167-473c-b884-84aa6febda82" providerId="ADAL" clId="{B9596C00-ED9A-49D2-A993-8EC85C73648B}" dt="2024-04-17T08:00:05.380" v="494" actId="20577"/>
       <pc:docMkLst>
         <pc:docMk/>
       </pc:docMkLst>
       <pc:sldChg chg="modSp mod">
-        <pc:chgData name="Maier Jonas" userId="7666355e-4653-4ebb-8919-ad48818e94dc" providerId="ADAL" clId="{F63763F6-7104-444D-814A-D83E91BE3BE9}" dt="2024-05-23T09:45:03.905" v="43" actId="13926"/>
+        <pc:chgData name="Legenjovic' David" userId="f158eaf0-1167-473c-b884-84aa6febda82" providerId="ADAL" clId="{B9596C00-ED9A-49D2-A993-8EC85C73648B}" dt="2024-04-17T06:44:03.445" v="452" actId="20577"/>
+        <pc:sldMkLst>
+          <pc:docMk/>
+          <pc:sldMk cId="0" sldId="361"/>
+        </pc:sldMkLst>
+        <pc:spChg chg="mod">
+          <ac:chgData name="Legenjovic' David" userId="f158eaf0-1167-473c-b884-84aa6febda82" providerId="ADAL" clId="{B9596C00-ED9A-49D2-A993-8EC85C73648B}" dt="2024-04-17T06:44:03.445" v="452" actId="20577"/>
+          <ac:spMkLst>
+            <pc:docMk/>
+            <pc:sldMk cId="0" sldId="361"/>
+            <ac:spMk id="4" creationId="{00000000-0000-0000-0000-000000000000}"/>
+          </ac:spMkLst>
+        </pc:spChg>
+      </pc:sldChg>
+      <pc:sldChg chg="modSp mod">
+        <pc:chgData name="Legenjovic' David" userId="f158eaf0-1167-473c-b884-84aa6febda82" providerId="ADAL" clId="{B9596C00-ED9A-49D2-A993-8EC85C73648B}" dt="2024-04-17T06:08:51.347" v="296" actId="20577"/>
         <pc:sldMkLst>
           <pc:docMk/>
           <pc:sldMk cId="0" sldId="367"/>
         </pc:sldMkLst>
         <pc:spChg chg="mod">
-          <ac:chgData name="Maier Jonas" userId="7666355e-4653-4ebb-8919-ad48818e94dc" providerId="ADAL" clId="{F63763F6-7104-444D-814A-D83E91BE3BE9}" dt="2024-05-23T09:45:03.905" v="43" actId="13926"/>
+          <ac:chgData name="Legenjovic' David" userId="f158eaf0-1167-473c-b884-84aa6febda82" providerId="ADAL" clId="{B9596C00-ED9A-49D2-A993-8EC85C73648B}" dt="2024-04-17T06:08:51.347" v="296" actId="20577"/>
           <ac:spMkLst>
             <pc:docMk/>
             <pc:sldMk cId="0" sldId="367"/>
@@ -789,538 +446,129 @@
           </ac:spMkLst>
         </pc:spChg>
       </pc:sldChg>
-      <pc:sldChg chg="mod">
-        <pc:chgData name="Maier Jonas" userId="7666355e-4653-4ebb-8919-ad48818e94dc" providerId="ADAL" clId="{F63763F6-7104-444D-814A-D83E91BE3BE9}" dt="2024-05-23T12:30:48.944" v="86" actId="27918"/>
+      <pc:sldChg chg="modSp mod">
+        <pc:chgData name="Legenjovic' David" userId="f158eaf0-1167-473c-b884-84aa6febda82" providerId="ADAL" clId="{B9596C00-ED9A-49D2-A993-8EC85C73648B}" dt="2024-04-17T07:50:31.634" v="476" actId="20577"/>
+        <pc:sldMkLst>
+          <pc:docMk/>
+          <pc:sldMk cId="0" sldId="570"/>
+        </pc:sldMkLst>
+        <pc:spChg chg="mod">
+          <ac:chgData name="Legenjovic' David" userId="f158eaf0-1167-473c-b884-84aa6febda82" providerId="ADAL" clId="{B9596C00-ED9A-49D2-A993-8EC85C73648B}" dt="2024-04-17T07:50:31.634" v="476" actId="20577"/>
+          <ac:spMkLst>
+            <pc:docMk/>
+            <pc:sldMk cId="0" sldId="570"/>
+            <ac:spMk id="5" creationId="{00000000-0000-0000-0000-000000000000}"/>
+          </ac:spMkLst>
+        </pc:spChg>
+      </pc:sldChg>
+      <pc:sldChg chg="modSp mod">
+        <pc:chgData name="Legenjovic' David" userId="f158eaf0-1167-473c-b884-84aa6febda82" providerId="ADAL" clId="{B9596C00-ED9A-49D2-A993-8EC85C73648B}" dt="2024-04-17T06:38:28.923" v="420"/>
+        <pc:sldMkLst>
+          <pc:docMk/>
+          <pc:sldMk cId="0" sldId="582"/>
+        </pc:sldMkLst>
+        <pc:spChg chg="mod">
+          <ac:chgData name="Legenjovic' David" userId="f158eaf0-1167-473c-b884-84aa6febda82" providerId="ADAL" clId="{B9596C00-ED9A-49D2-A993-8EC85C73648B}" dt="2024-04-17T06:07:30.964" v="149" actId="20577"/>
+          <ac:spMkLst>
+            <pc:docMk/>
+            <pc:sldMk cId="0" sldId="582"/>
+            <ac:spMk id="3" creationId="{00000000-0000-0000-0000-000000000000}"/>
+          </ac:spMkLst>
+        </pc:spChg>
+        <pc:graphicFrameChg chg="mod modGraphic">
+          <ac:chgData name="Legenjovic' David" userId="f158eaf0-1167-473c-b884-84aa6febda82" providerId="ADAL" clId="{B9596C00-ED9A-49D2-A993-8EC85C73648B}" dt="2024-04-17T06:38:28.923" v="420"/>
+          <ac:graphicFrameMkLst>
+            <pc:docMk/>
+            <pc:sldMk cId="0" sldId="582"/>
+            <ac:graphicFrameMk id="4" creationId="{00000000-0000-0000-0000-000000000000}"/>
+          </ac:graphicFrameMkLst>
+        </pc:graphicFrameChg>
+      </pc:sldChg>
+      <pc:sldChg chg="modSp mod">
+        <pc:chgData name="Legenjovic' David" userId="f158eaf0-1167-473c-b884-84aa6febda82" providerId="ADAL" clId="{B9596C00-ED9A-49D2-A993-8EC85C73648B}" dt="2024-04-17T06:08:13.051" v="240" actId="20577"/>
+        <pc:sldMkLst>
+          <pc:docMk/>
+          <pc:sldMk cId="0" sldId="583"/>
+        </pc:sldMkLst>
+        <pc:spChg chg="mod">
+          <ac:chgData name="Legenjovic' David" userId="f158eaf0-1167-473c-b884-84aa6febda82" providerId="ADAL" clId="{B9596C00-ED9A-49D2-A993-8EC85C73648B}" dt="2024-04-17T06:08:13.051" v="240" actId="20577"/>
+          <ac:spMkLst>
+            <pc:docMk/>
+            <pc:sldMk cId="0" sldId="583"/>
+            <ac:spMk id="5" creationId="{00000000-0000-0000-0000-000000000000}"/>
+          </ac:spMkLst>
+        </pc:spChg>
+      </pc:sldChg>
+      <pc:sldChg chg="modSp mod">
+        <pc:chgData name="Legenjovic' David" userId="f158eaf0-1167-473c-b884-84aa6febda82" providerId="ADAL" clId="{B9596C00-ED9A-49D2-A993-8EC85C73648B}" dt="2024-04-17T08:00:05.380" v="494" actId="20577"/>
         <pc:sldMkLst>
           <pc:docMk/>
           <pc:sldMk cId="0" sldId="584"/>
         </pc:sldMkLst>
-      </pc:sldChg>
-      <pc:sldChg chg="modSp">
-        <pc:chgData name="Maier Jonas" userId="7666355e-4653-4ebb-8919-ad48818e94dc" providerId="ADAL" clId="{F63763F6-7104-444D-814A-D83E91BE3BE9}" dt="2024-05-23T12:45:36.622" v="94" actId="20577"/>
-        <pc:sldMkLst>
-          <pc:docMk/>
-          <pc:sldMk cId="2097204490" sldId="585"/>
-        </pc:sldMkLst>
         <pc:spChg chg="mod">
-          <ac:chgData name="Maier Jonas" userId="7666355e-4653-4ebb-8919-ad48818e94dc" providerId="ADAL" clId="{F63763F6-7104-444D-814A-D83E91BE3BE9}" dt="2024-05-23T12:45:36.622" v="94" actId="20577"/>
+          <ac:chgData name="Legenjovic' David" userId="f158eaf0-1167-473c-b884-84aa6febda82" providerId="ADAL" clId="{B9596C00-ED9A-49D2-A993-8EC85C73648B}" dt="2024-04-17T08:00:05.380" v="494" actId="20577"/>
           <ac:spMkLst>
             <pc:docMk/>
-            <pc:sldMk cId="2097204490" sldId="585"/>
-            <ac:spMk id="3" creationId="{47D9AC8C-6BB7-664C-9D81-4748E5F0C461}"/>
+            <pc:sldMk cId="0" sldId="584"/>
+            <ac:spMk id="5" creationId="{00000000-0000-0000-0000-000000000000}"/>
           </ac:spMkLst>
         </pc:spChg>
       </pc:sldChg>
-      <pc:sldChg chg="addSp delSp modSp mod">
-        <pc:chgData name="Maier Jonas" userId="7666355e-4653-4ebb-8919-ad48818e94dc" providerId="ADAL" clId="{F63763F6-7104-444D-814A-D83E91BE3BE9}" dt="2024-05-23T11:42:55.376" v="83" actId="478"/>
+    </pc:docChg>
+  </pc:docChgLst>
+  <pc:docChgLst>
+    <pc:chgData name="Maier Jonas" userId="S::jonas.maier@htl-saalfelden.at::7666355e-4653-4ebb-8919-ad48818e94dc" providerId="AD" clId="Web-{3FB2B07D-56FD-41F3-94A3-DA22A4583344}"/>
+    <pc:docChg chg="modSld">
+      <pc:chgData name="Maier Jonas" userId="S::jonas.maier@htl-saalfelden.at::7666355e-4653-4ebb-8919-ad48818e94dc" providerId="AD" clId="Web-{3FB2B07D-56FD-41F3-94A3-DA22A4583344}" dt="2024-02-28T08:41:36.175" v="124" actId="20577"/>
+      <pc:docMkLst>
+        <pc:docMk/>
+      </pc:docMkLst>
+      <pc:sldChg chg="modSp">
+        <pc:chgData name="Maier Jonas" userId="S::jonas.maier@htl-saalfelden.at::7666355e-4653-4ebb-8919-ad48818e94dc" providerId="AD" clId="Web-{3FB2B07D-56FD-41F3-94A3-DA22A4583344}" dt="2024-02-28T08:41:36.175" v="124" actId="20577"/>
         <pc:sldMkLst>
           <pc:docMk/>
-          <pc:sldMk cId="1034016627" sldId="586"/>
+          <pc:sldMk cId="0" sldId="583"/>
         </pc:sldMkLst>
-        <pc:spChg chg="add del">
-          <ac:chgData name="Maier Jonas" userId="7666355e-4653-4ebb-8919-ad48818e94dc" providerId="ADAL" clId="{F63763F6-7104-444D-814A-D83E91BE3BE9}" dt="2024-05-23T11:22:33.817" v="63" actId="22"/>
+        <pc:spChg chg="mod">
+          <ac:chgData name="Maier Jonas" userId="S::jonas.maier@htl-saalfelden.at::7666355e-4653-4ebb-8919-ad48818e94dc" providerId="AD" clId="Web-{3FB2B07D-56FD-41F3-94A3-DA22A4583344}" dt="2024-02-28T08:41:36.175" v="124" actId="20577"/>
           <ac:spMkLst>
             <pc:docMk/>
-            <pc:sldMk cId="1034016627" sldId="586"/>
-            <ac:spMk id="63" creationId="{89A67C67-5C29-E891-CA4A-8EB71C2E84B6}"/>
+            <pc:sldMk cId="0" sldId="583"/>
+            <ac:spMk id="5" creationId="{00000000-0000-0000-0000-000000000000}"/>
           </ac:spMkLst>
         </pc:spChg>
-        <pc:spChg chg="add del">
-          <ac:chgData name="Maier Jonas" userId="7666355e-4653-4ebb-8919-ad48818e94dc" providerId="ADAL" clId="{F63763F6-7104-444D-814A-D83E91BE3BE9}" dt="2024-05-23T11:41:34.367" v="69" actId="22"/>
+      </pc:sldChg>
+    </pc:docChg>
+  </pc:docChgLst>
+  <pc:docChgLst>
+    <pc:chgData name="Gastbenutzer" userId="S::urn:spo:anon#22561f0fd3daa1202646b2860375c6ef02f0151ac77621e8f9be57603d678987::" providerId="AD" clId="Web-{A399B29B-8F11-40C4-8F5C-71AD9B1A5DF6}"/>
+    <pc:docChg chg="modSld">
+      <pc:chgData name="Gastbenutzer" userId="S::urn:spo:anon#22561f0fd3daa1202646b2860375c6ef02f0151ac77621e8f9be57603d678987::" providerId="AD" clId="Web-{A399B29B-8F11-40C4-8F5C-71AD9B1A5DF6}" dt="2024-02-28T08:40:35.002" v="59" actId="20577"/>
+      <pc:docMkLst>
+        <pc:docMk/>
+      </pc:docMkLst>
+      <pc:sldChg chg="modSp">
+        <pc:chgData name="Gastbenutzer" userId="S::urn:spo:anon#22561f0fd3daa1202646b2860375c6ef02f0151ac77621e8f9be57603d678987::" providerId="AD" clId="Web-{A399B29B-8F11-40C4-8F5C-71AD9B1A5DF6}" dt="2024-02-28T08:40:35.002" v="59" actId="20577"/>
+        <pc:sldMkLst>
+          <pc:docMk/>
+          <pc:sldMk cId="0" sldId="583"/>
+        </pc:sldMkLst>
+        <pc:spChg chg="mod">
+          <ac:chgData name="Gastbenutzer" userId="S::urn:spo:anon#22561f0fd3daa1202646b2860375c6ef02f0151ac77621e8f9be57603d678987::" providerId="AD" clId="Web-{A399B29B-8F11-40C4-8F5C-71AD9B1A5DF6}" dt="2024-02-28T08:40:35.002" v="59" actId="20577"/>
           <ac:spMkLst>
             <pc:docMk/>
-            <pc:sldMk cId="1034016627" sldId="586"/>
-            <ac:spMk id="69" creationId="{9E0AD574-3A23-7241-92B2-7C07F237B27B}"/>
+            <pc:sldMk cId="0" sldId="583"/>
+            <ac:spMk id="2" creationId="{00000000-0000-0000-0000-000000000000}"/>
           </ac:spMkLst>
         </pc:spChg>
-        <pc:picChg chg="mod">
-          <ac:chgData name="Maier Jonas" userId="7666355e-4653-4ebb-8919-ad48818e94dc" providerId="ADAL" clId="{F63763F6-7104-444D-814A-D83E91BE3BE9}" dt="2024-05-23T11:42:36.351" v="82" actId="1076"/>
-          <ac:picMkLst>
+        <pc:spChg chg="mod">
+          <ac:chgData name="Gastbenutzer" userId="S::urn:spo:anon#22561f0fd3daa1202646b2860375c6ef02f0151ac77621e8f9be57603d678987::" providerId="AD" clId="Web-{A399B29B-8F11-40C4-8F5C-71AD9B1A5DF6}" dt="2024-02-28T08:40:17.518" v="55" actId="20577"/>
+          <ac:spMkLst>
             <pc:docMk/>
-            <pc:sldMk cId="1034016627" sldId="586"/>
-            <ac:picMk id="4" creationId="{3C46425E-00C5-5BEC-805A-6471789CB90B}"/>
-          </ac:picMkLst>
-        </pc:picChg>
-        <pc:picChg chg="add del">
-          <ac:chgData name="Maier Jonas" userId="7666355e-4653-4ebb-8919-ad48818e94dc" providerId="ADAL" clId="{F63763F6-7104-444D-814A-D83E91BE3BE9}" dt="2024-05-23T11:18:16.488" v="51" actId="478"/>
-          <ac:picMkLst>
-            <pc:docMk/>
-            <pc:sldMk cId="1034016627" sldId="586"/>
-            <ac:picMk id="6" creationId="{19E9F3C3-E183-6452-4113-BC570D1EC78D}"/>
-          </ac:picMkLst>
-        </pc:picChg>
-        <pc:picChg chg="add del mod">
-          <ac:chgData name="Maier Jonas" userId="7666355e-4653-4ebb-8919-ad48818e94dc" providerId="ADAL" clId="{F63763F6-7104-444D-814A-D83E91BE3BE9}" dt="2024-05-23T11:18:52.543" v="57" actId="478"/>
-          <ac:picMkLst>
-            <pc:docMk/>
-            <pc:sldMk cId="1034016627" sldId="586"/>
-            <ac:picMk id="7" creationId="{D7EE433F-8614-B0F3-26CA-11918462B3AF}"/>
-          </ac:picMkLst>
-        </pc:picChg>
-        <pc:picChg chg="del">
-          <ac:chgData name="Maier Jonas" userId="7666355e-4653-4ebb-8919-ad48818e94dc" providerId="ADAL" clId="{F63763F6-7104-444D-814A-D83E91BE3BE9}" dt="2024-05-23T11:22:28.426" v="61" actId="478"/>
-          <ac:picMkLst>
-            <pc:docMk/>
-            <pc:sldMk cId="1034016627" sldId="586"/>
-            <ac:picMk id="9" creationId="{48174DE0-6606-42E9-C188-7C039C8058DA}"/>
-          </ac:picMkLst>
-        </pc:picChg>
-        <pc:picChg chg="del">
-          <ac:chgData name="Maier Jonas" userId="7666355e-4653-4ebb-8919-ad48818e94dc" providerId="ADAL" clId="{F63763F6-7104-444D-814A-D83E91BE3BE9}" dt="2024-05-23T11:22:26.778" v="60" actId="478"/>
-          <ac:picMkLst>
-            <pc:docMk/>
-            <pc:sldMk cId="1034016627" sldId="586"/>
-            <ac:picMk id="10" creationId="{C2E2D9CB-0833-1F44-3B14-7A5D59D2A25F}"/>
-          </ac:picMkLst>
-        </pc:picChg>
-        <pc:picChg chg="del">
-          <ac:chgData name="Maier Jonas" userId="7666355e-4653-4ebb-8919-ad48818e94dc" providerId="ADAL" clId="{F63763F6-7104-444D-814A-D83E91BE3BE9}" dt="2024-05-23T11:19:00.898" v="59" actId="478"/>
-          <ac:picMkLst>
-            <pc:docMk/>
-            <pc:sldMk cId="1034016627" sldId="586"/>
-            <ac:picMk id="11" creationId="{F0448BB8-E945-79F1-E819-6F950FEEF1D6}"/>
-          </ac:picMkLst>
-        </pc:picChg>
-        <pc:picChg chg="del">
-          <ac:chgData name="Maier Jonas" userId="7666355e-4653-4ebb-8919-ad48818e94dc" providerId="ADAL" clId="{F63763F6-7104-444D-814A-D83E91BE3BE9}" dt="2024-05-23T11:19:00.898" v="59" actId="478"/>
-          <ac:picMkLst>
-            <pc:docMk/>
-            <pc:sldMk cId="1034016627" sldId="586"/>
-            <ac:picMk id="12" creationId="{C84B0A68-B542-04FF-06E4-064E428701D4}"/>
-          </ac:picMkLst>
-        </pc:picChg>
-        <pc:picChg chg="del">
-          <ac:chgData name="Maier Jonas" userId="7666355e-4653-4ebb-8919-ad48818e94dc" providerId="ADAL" clId="{F63763F6-7104-444D-814A-D83E91BE3BE9}" dt="2024-05-23T11:19:00.898" v="59" actId="478"/>
-          <ac:picMkLst>
-            <pc:docMk/>
-            <pc:sldMk cId="1034016627" sldId="586"/>
-            <ac:picMk id="13" creationId="{40AE8FCC-7911-2766-EFAB-3EBEADDFDF12}"/>
-          </ac:picMkLst>
-        </pc:picChg>
-        <pc:picChg chg="del">
-          <ac:chgData name="Maier Jonas" userId="7666355e-4653-4ebb-8919-ad48818e94dc" providerId="ADAL" clId="{F63763F6-7104-444D-814A-D83E91BE3BE9}" dt="2024-05-23T11:19:00.898" v="59" actId="478"/>
-          <ac:picMkLst>
-            <pc:docMk/>
-            <pc:sldMk cId="1034016627" sldId="586"/>
-            <ac:picMk id="14" creationId="{73B7A4DA-23AC-873B-76CD-8A3892CE24DD}"/>
-          </ac:picMkLst>
-        </pc:picChg>
-        <pc:picChg chg="del">
-          <ac:chgData name="Maier Jonas" userId="7666355e-4653-4ebb-8919-ad48818e94dc" providerId="ADAL" clId="{F63763F6-7104-444D-814A-D83E91BE3BE9}" dt="2024-05-23T11:18:52.543" v="57" actId="478"/>
-          <ac:picMkLst>
-            <pc:docMk/>
-            <pc:sldMk cId="1034016627" sldId="586"/>
-            <ac:picMk id="15" creationId="{2FBC164A-A32F-2B9E-85A1-EB5732AA7555}"/>
-          </ac:picMkLst>
-        </pc:picChg>
-        <pc:picChg chg="del">
-          <ac:chgData name="Maier Jonas" userId="7666355e-4653-4ebb-8919-ad48818e94dc" providerId="ADAL" clId="{F63763F6-7104-444D-814A-D83E91BE3BE9}" dt="2024-05-23T11:18:57.245" v="58" actId="478"/>
-          <ac:picMkLst>
-            <pc:docMk/>
-            <pc:sldMk cId="1034016627" sldId="586"/>
-            <ac:picMk id="16" creationId="{0E59E427-260B-0311-9B91-1F690994FDA8}"/>
-          </ac:picMkLst>
-        </pc:picChg>
-        <pc:picChg chg="del">
-          <ac:chgData name="Maier Jonas" userId="7666355e-4653-4ebb-8919-ad48818e94dc" providerId="ADAL" clId="{F63763F6-7104-444D-814A-D83E91BE3BE9}" dt="2024-05-23T11:18:57.245" v="58" actId="478"/>
-          <ac:picMkLst>
-            <pc:docMk/>
-            <pc:sldMk cId="1034016627" sldId="586"/>
-            <ac:picMk id="17" creationId="{EBA1655B-6B7D-5953-71E1-6522EFA334FC}"/>
-          </ac:picMkLst>
-        </pc:picChg>
-        <pc:picChg chg="del mod">
-          <ac:chgData name="Maier Jonas" userId="7666355e-4653-4ebb-8919-ad48818e94dc" providerId="ADAL" clId="{F63763F6-7104-444D-814A-D83E91BE3BE9}" dt="2024-05-23T11:18:52.543" v="57" actId="478"/>
-          <ac:picMkLst>
-            <pc:docMk/>
-            <pc:sldMk cId="1034016627" sldId="586"/>
-            <ac:picMk id="18" creationId="{E0E72FC4-2866-DB80-D12D-385BF8B7366E}"/>
-          </ac:picMkLst>
-        </pc:picChg>
-        <pc:picChg chg="del">
-          <ac:chgData name="Maier Jonas" userId="7666355e-4653-4ebb-8919-ad48818e94dc" providerId="ADAL" clId="{F63763F6-7104-444D-814A-D83E91BE3BE9}" dt="2024-05-23T11:17:59.558" v="45" actId="478"/>
-          <ac:picMkLst>
-            <pc:docMk/>
-            <pc:sldMk cId="1034016627" sldId="586"/>
-            <ac:picMk id="19" creationId="{609B7A04-C0E2-1F11-A80B-0DB52BA16681}"/>
-          </ac:picMkLst>
-        </pc:picChg>
-        <pc:picChg chg="del">
-          <ac:chgData name="Maier Jonas" userId="7666355e-4653-4ebb-8919-ad48818e94dc" providerId="ADAL" clId="{F63763F6-7104-444D-814A-D83E91BE3BE9}" dt="2024-05-23T11:17:59.558" v="45" actId="478"/>
-          <ac:picMkLst>
-            <pc:docMk/>
-            <pc:sldMk cId="1034016627" sldId="586"/>
-            <ac:picMk id="20" creationId="{58C4C703-ED9C-2A88-F658-D237F25D7C48}"/>
-          </ac:picMkLst>
-        </pc:picChg>
-        <pc:picChg chg="del">
-          <ac:chgData name="Maier Jonas" userId="7666355e-4653-4ebb-8919-ad48818e94dc" providerId="ADAL" clId="{F63763F6-7104-444D-814A-D83E91BE3BE9}" dt="2024-05-23T11:17:59.558" v="45" actId="478"/>
-          <ac:picMkLst>
-            <pc:docMk/>
-            <pc:sldMk cId="1034016627" sldId="586"/>
-            <ac:picMk id="21" creationId="{B784F0A4-1E29-67B4-816F-D91D2FD1C89B}"/>
-          </ac:picMkLst>
-        </pc:picChg>
-        <pc:picChg chg="del">
-          <ac:chgData name="Maier Jonas" userId="7666355e-4653-4ebb-8919-ad48818e94dc" providerId="ADAL" clId="{F63763F6-7104-444D-814A-D83E91BE3BE9}" dt="2024-05-23T11:17:59.558" v="45" actId="478"/>
-          <ac:picMkLst>
-            <pc:docMk/>
-            <pc:sldMk cId="1034016627" sldId="586"/>
-            <ac:picMk id="22" creationId="{C8142E21-9094-2572-6BE8-059E89797AAA}"/>
-          </ac:picMkLst>
-        </pc:picChg>
-        <pc:picChg chg="del">
-          <ac:chgData name="Maier Jonas" userId="7666355e-4653-4ebb-8919-ad48818e94dc" providerId="ADAL" clId="{F63763F6-7104-444D-814A-D83E91BE3BE9}" dt="2024-05-23T11:17:59.558" v="45" actId="478"/>
-          <ac:picMkLst>
-            <pc:docMk/>
-            <pc:sldMk cId="1034016627" sldId="586"/>
-            <ac:picMk id="23" creationId="{36D2B091-9B99-3D62-1F91-4A2E2BEB872C}"/>
-          </ac:picMkLst>
-        </pc:picChg>
-        <pc:picChg chg="del">
-          <ac:chgData name="Maier Jonas" userId="7666355e-4653-4ebb-8919-ad48818e94dc" providerId="ADAL" clId="{F63763F6-7104-444D-814A-D83E91BE3BE9}" dt="2024-05-23T11:17:59.558" v="45" actId="478"/>
-          <ac:picMkLst>
-            <pc:docMk/>
-            <pc:sldMk cId="1034016627" sldId="586"/>
-            <ac:picMk id="24" creationId="{9E1A29E6-21EF-4BEF-C028-637F1C4D9FD1}"/>
-          </ac:picMkLst>
-        </pc:picChg>
-        <pc:picChg chg="add del">
-          <ac:chgData name="Maier Jonas" userId="7666355e-4653-4ebb-8919-ad48818e94dc" providerId="ADAL" clId="{F63763F6-7104-444D-814A-D83E91BE3BE9}" dt="2024-05-23T11:18:28.984" v="52" actId="478"/>
-          <ac:picMkLst>
-            <pc:docMk/>
-            <pc:sldMk cId="1034016627" sldId="586"/>
-            <ac:picMk id="25" creationId="{83323E93-CA7E-02D3-8ABF-7CFB929FFC8C}"/>
-          </ac:picMkLst>
-        </pc:picChg>
-        <pc:picChg chg="add del">
-          <ac:chgData name="Maier Jonas" userId="7666355e-4653-4ebb-8919-ad48818e94dc" providerId="ADAL" clId="{F63763F6-7104-444D-814A-D83E91BE3BE9}" dt="2024-05-23T11:18:28.984" v="52" actId="478"/>
-          <ac:picMkLst>
-            <pc:docMk/>
-            <pc:sldMk cId="1034016627" sldId="586"/>
-            <ac:picMk id="26" creationId="{B6DC0BF6-5252-2E1C-B401-7F7B4ED823B5}"/>
-          </ac:picMkLst>
-        </pc:picChg>
-        <pc:picChg chg="add del">
-          <ac:chgData name="Maier Jonas" userId="7666355e-4653-4ebb-8919-ad48818e94dc" providerId="ADAL" clId="{F63763F6-7104-444D-814A-D83E91BE3BE9}" dt="2024-05-23T11:18:28.984" v="52" actId="478"/>
-          <ac:picMkLst>
-            <pc:docMk/>
-            <pc:sldMk cId="1034016627" sldId="586"/>
-            <ac:picMk id="27" creationId="{E6B256EF-7474-4FB1-FB8A-9CC7C33992A1}"/>
-          </ac:picMkLst>
-        </pc:picChg>
-        <pc:picChg chg="add del">
-          <ac:chgData name="Maier Jonas" userId="7666355e-4653-4ebb-8919-ad48818e94dc" providerId="ADAL" clId="{F63763F6-7104-444D-814A-D83E91BE3BE9}" dt="2024-05-23T11:18:28.984" v="52" actId="478"/>
-          <ac:picMkLst>
-            <pc:docMk/>
-            <pc:sldMk cId="1034016627" sldId="586"/>
-            <ac:picMk id="28" creationId="{803169D0-04DD-2B83-838A-71DA16EA1364}"/>
-          </ac:picMkLst>
-        </pc:picChg>
-        <pc:picChg chg="add del">
-          <ac:chgData name="Maier Jonas" userId="7666355e-4653-4ebb-8919-ad48818e94dc" providerId="ADAL" clId="{F63763F6-7104-444D-814A-D83E91BE3BE9}" dt="2024-05-23T11:18:28.984" v="52" actId="478"/>
-          <ac:picMkLst>
-            <pc:docMk/>
-            <pc:sldMk cId="1034016627" sldId="586"/>
-            <ac:picMk id="29" creationId="{9D6AF3D0-E2B4-4647-AC69-8CC4E516C016}"/>
-          </ac:picMkLst>
-        </pc:picChg>
-        <pc:picChg chg="add del mod">
-          <ac:chgData name="Maier Jonas" userId="7666355e-4653-4ebb-8919-ad48818e94dc" providerId="ADAL" clId="{F63763F6-7104-444D-814A-D83E91BE3BE9}" dt="2024-05-23T11:18:52.543" v="57" actId="478"/>
-          <ac:picMkLst>
-            <pc:docMk/>
-            <pc:sldMk cId="1034016627" sldId="586"/>
-            <ac:picMk id="30" creationId="{F5EC116A-92C8-8512-AEFE-6D01ACBA3A81}"/>
-          </ac:picMkLst>
-        </pc:picChg>
-        <pc:picChg chg="add del mod">
-          <ac:chgData name="Maier Jonas" userId="7666355e-4653-4ebb-8919-ad48818e94dc" providerId="ADAL" clId="{F63763F6-7104-444D-814A-D83E91BE3BE9}" dt="2024-05-23T11:18:57.245" v="58" actId="478"/>
-          <ac:picMkLst>
-            <pc:docMk/>
-            <pc:sldMk cId="1034016627" sldId="586"/>
-            <ac:picMk id="31" creationId="{8EAE6BA9-C3C2-B33F-0203-D5067FCA44E6}"/>
-          </ac:picMkLst>
-        </pc:picChg>
-        <pc:picChg chg="add del mod">
-          <ac:chgData name="Maier Jonas" userId="7666355e-4653-4ebb-8919-ad48818e94dc" providerId="ADAL" clId="{F63763F6-7104-444D-814A-D83E91BE3BE9}" dt="2024-05-23T11:17:59.558" v="45" actId="478"/>
-          <ac:picMkLst>
-            <pc:docMk/>
-            <pc:sldMk cId="1034016627" sldId="586"/>
-            <ac:picMk id="32" creationId="{88EFD60C-00C0-1E62-A24F-9A53EEA54ADF}"/>
-          </ac:picMkLst>
-        </pc:picChg>
-        <pc:picChg chg="add del mod">
-          <ac:chgData name="Maier Jonas" userId="7666355e-4653-4ebb-8919-ad48818e94dc" providerId="ADAL" clId="{F63763F6-7104-444D-814A-D83E91BE3BE9}" dt="2024-05-23T11:17:59.558" v="45" actId="478"/>
-          <ac:picMkLst>
-            <pc:docMk/>
-            <pc:sldMk cId="1034016627" sldId="586"/>
-            <ac:picMk id="33" creationId="{53B4719D-EA80-088B-9D11-E1070141CF35}"/>
-          </ac:picMkLst>
-        </pc:picChg>
-        <pc:picChg chg="add del mod">
-          <ac:chgData name="Maier Jonas" userId="7666355e-4653-4ebb-8919-ad48818e94dc" providerId="ADAL" clId="{F63763F6-7104-444D-814A-D83E91BE3BE9}" dt="2024-05-23T11:17:59.558" v="45" actId="478"/>
-          <ac:picMkLst>
-            <pc:docMk/>
-            <pc:sldMk cId="1034016627" sldId="586"/>
-            <ac:picMk id="34" creationId="{EBA1F049-58BE-53FE-3C5E-A23932ECF05F}"/>
-          </ac:picMkLst>
-        </pc:picChg>
-        <pc:picChg chg="add del mod">
-          <ac:chgData name="Maier Jonas" userId="7666355e-4653-4ebb-8919-ad48818e94dc" providerId="ADAL" clId="{F63763F6-7104-444D-814A-D83E91BE3BE9}" dt="2024-05-23T11:17:59.558" v="45" actId="478"/>
-          <ac:picMkLst>
-            <pc:docMk/>
-            <pc:sldMk cId="1034016627" sldId="586"/>
-            <ac:picMk id="35" creationId="{98067DF5-139C-5B3D-9AC7-2EEE33B17B4E}"/>
-          </ac:picMkLst>
-        </pc:picChg>
-        <pc:picChg chg="add del mod">
-          <ac:chgData name="Maier Jonas" userId="7666355e-4653-4ebb-8919-ad48818e94dc" providerId="ADAL" clId="{F63763F6-7104-444D-814A-D83E91BE3BE9}" dt="2024-05-23T11:17:59.558" v="45" actId="478"/>
-          <ac:picMkLst>
-            <pc:docMk/>
-            <pc:sldMk cId="1034016627" sldId="586"/>
-            <ac:picMk id="36" creationId="{EC99EB7F-69B3-E94A-5E4F-8ACB6E0595FA}"/>
-          </ac:picMkLst>
-        </pc:picChg>
-        <pc:picChg chg="add del mod">
-          <ac:chgData name="Maier Jonas" userId="7666355e-4653-4ebb-8919-ad48818e94dc" providerId="ADAL" clId="{F63763F6-7104-444D-814A-D83E91BE3BE9}" dt="2024-05-23T11:18:30.610" v="53" actId="478"/>
-          <ac:picMkLst>
-            <pc:docMk/>
-            <pc:sldMk cId="1034016627" sldId="586"/>
-            <ac:picMk id="37" creationId="{FD25409A-9CC7-8B0A-2C51-107D58618412}"/>
-          </ac:picMkLst>
-        </pc:picChg>
-        <pc:picChg chg="add del mod">
-          <ac:chgData name="Maier Jonas" userId="7666355e-4653-4ebb-8919-ad48818e94dc" providerId="ADAL" clId="{F63763F6-7104-444D-814A-D83E91BE3BE9}" dt="2024-05-23T11:18:28.984" v="52" actId="478"/>
-          <ac:picMkLst>
-            <pc:docMk/>
-            <pc:sldMk cId="1034016627" sldId="586"/>
-            <ac:picMk id="38" creationId="{8EDAF7B3-0603-9906-9420-1B9166C0FA9E}"/>
-          </ac:picMkLst>
-        </pc:picChg>
-        <pc:picChg chg="add del mod">
-          <ac:chgData name="Maier Jonas" userId="7666355e-4653-4ebb-8919-ad48818e94dc" providerId="ADAL" clId="{F63763F6-7104-444D-814A-D83E91BE3BE9}" dt="2024-05-23T11:18:28.984" v="52" actId="478"/>
-          <ac:picMkLst>
-            <pc:docMk/>
-            <pc:sldMk cId="1034016627" sldId="586"/>
-            <ac:picMk id="39" creationId="{6DBFB655-68D8-A1C5-79C9-D68F254855A9}"/>
-          </ac:picMkLst>
-        </pc:picChg>
-        <pc:picChg chg="add del mod">
-          <ac:chgData name="Maier Jonas" userId="7666355e-4653-4ebb-8919-ad48818e94dc" providerId="ADAL" clId="{F63763F6-7104-444D-814A-D83E91BE3BE9}" dt="2024-05-23T11:18:28.984" v="52" actId="478"/>
-          <ac:picMkLst>
-            <pc:docMk/>
-            <pc:sldMk cId="1034016627" sldId="586"/>
-            <ac:picMk id="40" creationId="{DE00893A-7F18-3D31-CAB3-BAB10E4F4DC6}"/>
-          </ac:picMkLst>
-        </pc:picChg>
-        <pc:picChg chg="add del mod">
-          <ac:chgData name="Maier Jonas" userId="7666355e-4653-4ebb-8919-ad48818e94dc" providerId="ADAL" clId="{F63763F6-7104-444D-814A-D83E91BE3BE9}" dt="2024-05-23T11:17:55.865" v="44" actId="478"/>
-          <ac:picMkLst>
-            <pc:docMk/>
-            <pc:sldMk cId="1034016627" sldId="586"/>
-            <ac:picMk id="41" creationId="{76AEB9E3-44B0-C948-2E4C-A6E1CFD7345B}"/>
-          </ac:picMkLst>
-        </pc:picChg>
-        <pc:picChg chg="add mod">
-          <ac:chgData name="Maier Jonas" userId="7666355e-4653-4ebb-8919-ad48818e94dc" providerId="ADAL" clId="{F63763F6-7104-444D-814A-D83E91BE3BE9}" dt="2024-05-23T09:41:48.665" v="13"/>
-          <ac:picMkLst>
-            <pc:docMk/>
-            <pc:sldMk cId="1034016627" sldId="586"/>
-            <ac:picMk id="42" creationId="{110C856F-B0DB-17BC-6070-5F16A986AD1B}"/>
-          </ac:picMkLst>
-        </pc:picChg>
-        <pc:picChg chg="add mod">
-          <ac:chgData name="Maier Jonas" userId="7666355e-4653-4ebb-8919-ad48818e94dc" providerId="ADAL" clId="{F63763F6-7104-444D-814A-D83E91BE3BE9}" dt="2024-05-23T09:41:48.849" v="14"/>
-          <ac:picMkLst>
-            <pc:docMk/>
-            <pc:sldMk cId="1034016627" sldId="586"/>
-            <ac:picMk id="43" creationId="{B9974584-5086-0C43-2AEA-8C8ECB772142}"/>
-          </ac:picMkLst>
-        </pc:picChg>
-        <pc:picChg chg="add mod">
-          <ac:chgData name="Maier Jonas" userId="7666355e-4653-4ebb-8919-ad48818e94dc" providerId="ADAL" clId="{F63763F6-7104-444D-814A-D83E91BE3BE9}" dt="2024-05-23T09:41:49.012" v="15"/>
-          <ac:picMkLst>
-            <pc:docMk/>
-            <pc:sldMk cId="1034016627" sldId="586"/>
-            <ac:picMk id="44" creationId="{CE192F7D-60DB-D967-B10D-081FE3A2CE29}"/>
-          </ac:picMkLst>
-        </pc:picChg>
-        <pc:picChg chg="add mod">
-          <ac:chgData name="Maier Jonas" userId="7666355e-4653-4ebb-8919-ad48818e94dc" providerId="ADAL" clId="{F63763F6-7104-444D-814A-D83E91BE3BE9}" dt="2024-05-23T09:41:49.200" v="16"/>
-          <ac:picMkLst>
-            <pc:docMk/>
-            <pc:sldMk cId="1034016627" sldId="586"/>
-            <ac:picMk id="45" creationId="{D9E0D2A2-FA3F-1002-39C2-5ADA99CA5B4E}"/>
-          </ac:picMkLst>
-        </pc:picChg>
-        <pc:picChg chg="add mod">
-          <ac:chgData name="Maier Jonas" userId="7666355e-4653-4ebb-8919-ad48818e94dc" providerId="ADAL" clId="{F63763F6-7104-444D-814A-D83E91BE3BE9}" dt="2024-05-23T09:41:49.369" v="17"/>
-          <ac:picMkLst>
-            <pc:docMk/>
-            <pc:sldMk cId="1034016627" sldId="586"/>
-            <ac:picMk id="46" creationId="{C74B778D-F194-34E0-4B21-C52E987D645E}"/>
-          </ac:picMkLst>
-        </pc:picChg>
-        <pc:picChg chg="add mod">
-          <ac:chgData name="Maier Jonas" userId="7666355e-4653-4ebb-8919-ad48818e94dc" providerId="ADAL" clId="{F63763F6-7104-444D-814A-D83E91BE3BE9}" dt="2024-05-23T09:41:49.565" v="18"/>
-          <ac:picMkLst>
-            <pc:docMk/>
-            <pc:sldMk cId="1034016627" sldId="586"/>
-            <ac:picMk id="47" creationId="{FFACCD48-8116-596B-4BEA-7D496F8EDC6D}"/>
-          </ac:picMkLst>
-        </pc:picChg>
-        <pc:picChg chg="add mod">
-          <ac:chgData name="Maier Jonas" userId="7666355e-4653-4ebb-8919-ad48818e94dc" providerId="ADAL" clId="{F63763F6-7104-444D-814A-D83E91BE3BE9}" dt="2024-05-23T09:41:49.747" v="19"/>
-          <ac:picMkLst>
-            <pc:docMk/>
-            <pc:sldMk cId="1034016627" sldId="586"/>
-            <ac:picMk id="48" creationId="{AFA1495D-B60F-5BA0-CD14-131E84319CD3}"/>
-          </ac:picMkLst>
-        </pc:picChg>
-        <pc:picChg chg="add mod">
-          <ac:chgData name="Maier Jonas" userId="7666355e-4653-4ebb-8919-ad48818e94dc" providerId="ADAL" clId="{F63763F6-7104-444D-814A-D83E91BE3BE9}" dt="2024-05-23T09:41:49.834" v="20"/>
-          <ac:picMkLst>
-            <pc:docMk/>
-            <pc:sldMk cId="1034016627" sldId="586"/>
-            <ac:picMk id="49" creationId="{8BBC6D05-136A-4653-997E-0E6DEDCE5F1D}"/>
-          </ac:picMkLst>
-        </pc:picChg>
-        <pc:picChg chg="add mod">
-          <ac:chgData name="Maier Jonas" userId="7666355e-4653-4ebb-8919-ad48818e94dc" providerId="ADAL" clId="{F63763F6-7104-444D-814A-D83E91BE3BE9}" dt="2024-05-23T09:41:50.038" v="21"/>
-          <ac:picMkLst>
-            <pc:docMk/>
-            <pc:sldMk cId="1034016627" sldId="586"/>
-            <ac:picMk id="50" creationId="{684E8793-8F9C-BDA0-51F7-7DD6E1C32117}"/>
-          </ac:picMkLst>
-        </pc:picChg>
-        <pc:picChg chg="add mod">
-          <ac:chgData name="Maier Jonas" userId="7666355e-4653-4ebb-8919-ad48818e94dc" providerId="ADAL" clId="{F63763F6-7104-444D-814A-D83E91BE3BE9}" dt="2024-05-23T09:41:51.667" v="22"/>
-          <ac:picMkLst>
-            <pc:docMk/>
-            <pc:sldMk cId="1034016627" sldId="586"/>
-            <ac:picMk id="51" creationId="{DDEA5877-1CA8-417C-3A2C-FD1952A1119E}"/>
-          </ac:picMkLst>
-        </pc:picChg>
-        <pc:picChg chg="add mod">
-          <ac:chgData name="Maier Jonas" userId="7666355e-4653-4ebb-8919-ad48818e94dc" providerId="ADAL" clId="{F63763F6-7104-444D-814A-D83E91BE3BE9}" dt="2024-05-23T09:41:51.842" v="23"/>
-          <ac:picMkLst>
-            <pc:docMk/>
-            <pc:sldMk cId="1034016627" sldId="586"/>
-            <ac:picMk id="52" creationId="{E64ADC48-6FB1-826C-6210-621CD976B004}"/>
-          </ac:picMkLst>
-        </pc:picChg>
-        <pc:picChg chg="add mod">
-          <ac:chgData name="Maier Jonas" userId="7666355e-4653-4ebb-8919-ad48818e94dc" providerId="ADAL" clId="{F63763F6-7104-444D-814A-D83E91BE3BE9}" dt="2024-05-23T09:41:54.483" v="24"/>
-          <ac:picMkLst>
-            <pc:docMk/>
-            <pc:sldMk cId="1034016627" sldId="586"/>
-            <ac:picMk id="53" creationId="{8134A580-D5CB-4937-7396-303222BB0023}"/>
-          </ac:picMkLst>
-        </pc:picChg>
-        <pc:picChg chg="add mod">
-          <ac:chgData name="Maier Jonas" userId="7666355e-4653-4ebb-8919-ad48818e94dc" providerId="ADAL" clId="{F63763F6-7104-444D-814A-D83E91BE3BE9}" dt="2024-05-23T09:41:54.689" v="25"/>
-          <ac:picMkLst>
-            <pc:docMk/>
-            <pc:sldMk cId="1034016627" sldId="586"/>
-            <ac:picMk id="54" creationId="{39C7F94F-42F6-911C-5AAE-D17D3EE28EBA}"/>
-          </ac:picMkLst>
-        </pc:picChg>
-        <pc:picChg chg="add mod">
-          <ac:chgData name="Maier Jonas" userId="7666355e-4653-4ebb-8919-ad48818e94dc" providerId="ADAL" clId="{F63763F6-7104-444D-814A-D83E91BE3BE9}" dt="2024-05-23T09:41:54.894" v="26"/>
-          <ac:picMkLst>
-            <pc:docMk/>
-            <pc:sldMk cId="1034016627" sldId="586"/>
-            <ac:picMk id="55" creationId="{E0E3695A-4662-19F4-0BCB-CD7D535FD463}"/>
-          </ac:picMkLst>
-        </pc:picChg>
-        <pc:picChg chg="add mod">
-          <ac:chgData name="Maier Jonas" userId="7666355e-4653-4ebb-8919-ad48818e94dc" providerId="ADAL" clId="{F63763F6-7104-444D-814A-D83E91BE3BE9}" dt="2024-05-23T09:41:55.144" v="27"/>
-          <ac:picMkLst>
-            <pc:docMk/>
-            <pc:sldMk cId="1034016627" sldId="586"/>
-            <ac:picMk id="56" creationId="{8591805A-FA42-5F30-41A9-6C7D9A76E6AF}"/>
-          </ac:picMkLst>
-        </pc:picChg>
-        <pc:picChg chg="add mod">
-          <ac:chgData name="Maier Jonas" userId="7666355e-4653-4ebb-8919-ad48818e94dc" providerId="ADAL" clId="{F63763F6-7104-444D-814A-D83E91BE3BE9}" dt="2024-05-23T09:41:55.361" v="28"/>
-          <ac:picMkLst>
-            <pc:docMk/>
-            <pc:sldMk cId="1034016627" sldId="586"/>
-            <ac:picMk id="57" creationId="{4CEAE48A-21E1-A749-342A-305662C8FD78}"/>
-          </ac:picMkLst>
-        </pc:picChg>
-        <pc:picChg chg="add mod">
-          <ac:chgData name="Maier Jonas" userId="7666355e-4653-4ebb-8919-ad48818e94dc" providerId="ADAL" clId="{F63763F6-7104-444D-814A-D83E91BE3BE9}" dt="2024-05-23T09:42:11.863" v="29"/>
-          <ac:picMkLst>
-            <pc:docMk/>
-            <pc:sldMk cId="1034016627" sldId="586"/>
-            <ac:picMk id="58" creationId="{5FEC201B-1603-3D98-9F96-852705662022}"/>
-          </ac:picMkLst>
-        </pc:picChg>
-        <pc:picChg chg="add mod">
-          <ac:chgData name="Maier Jonas" userId="7666355e-4653-4ebb-8919-ad48818e94dc" providerId="ADAL" clId="{F63763F6-7104-444D-814A-D83E91BE3BE9}" dt="2024-05-23T09:42:16.361" v="30"/>
-          <ac:picMkLst>
-            <pc:docMk/>
-            <pc:sldMk cId="1034016627" sldId="586"/>
-            <ac:picMk id="59" creationId="{BCF9E6AE-164E-592C-49AB-49A9B7BDC8F2}"/>
-          </ac:picMkLst>
-        </pc:picChg>
-        <pc:picChg chg="add mod">
-          <ac:chgData name="Maier Jonas" userId="7666355e-4653-4ebb-8919-ad48818e94dc" providerId="ADAL" clId="{F63763F6-7104-444D-814A-D83E91BE3BE9}" dt="2024-05-23T09:42:16.604" v="31"/>
-          <ac:picMkLst>
-            <pc:docMk/>
-            <pc:sldMk cId="1034016627" sldId="586"/>
-            <ac:picMk id="60" creationId="{DF280614-EAE0-636A-CAE6-B7A39404B928}"/>
-          </ac:picMkLst>
-        </pc:picChg>
-        <pc:picChg chg="add mod">
-          <ac:chgData name="Maier Jonas" userId="7666355e-4653-4ebb-8919-ad48818e94dc" providerId="ADAL" clId="{F63763F6-7104-444D-814A-D83E91BE3BE9}" dt="2024-05-23T09:42:19.200" v="32"/>
-          <ac:picMkLst>
-            <pc:docMk/>
-            <pc:sldMk cId="1034016627" sldId="586"/>
-            <ac:picMk id="61" creationId="{3C61E0E2-8CCE-20C2-A08F-08DE18BE5BEE}"/>
-          </ac:picMkLst>
-        </pc:picChg>
-        <pc:picChg chg="add mod">
-          <ac:chgData name="Maier Jonas" userId="7666355e-4653-4ebb-8919-ad48818e94dc" providerId="ADAL" clId="{F63763F6-7104-444D-814A-D83E91BE3BE9}" dt="2024-05-23T11:22:36.446" v="64"/>
-          <ac:picMkLst>
-            <pc:docMk/>
-            <pc:sldMk cId="1034016627" sldId="586"/>
-            <ac:picMk id="64" creationId="{B3185299-E14F-7077-37A7-10689A66723A}"/>
-          </ac:picMkLst>
-        </pc:picChg>
-        <pc:picChg chg="add mod">
-          <ac:chgData name="Maier Jonas" userId="7666355e-4653-4ebb-8919-ad48818e94dc" providerId="ADAL" clId="{F63763F6-7104-444D-814A-D83E91BE3BE9}" dt="2024-05-23T11:22:36.590" v="65"/>
-          <ac:picMkLst>
-            <pc:docMk/>
-            <pc:sldMk cId="1034016627" sldId="586"/>
-            <ac:picMk id="65" creationId="{8FBECEEF-2200-E866-1EEE-657489FB3103}"/>
-          </ac:picMkLst>
-        </pc:picChg>
-        <pc:picChg chg="add mod">
-          <ac:chgData name="Maier Jonas" userId="7666355e-4653-4ebb-8919-ad48818e94dc" providerId="ADAL" clId="{F63763F6-7104-444D-814A-D83E91BE3BE9}" dt="2024-05-23T11:22:36.764" v="66"/>
-          <ac:picMkLst>
-            <pc:docMk/>
-            <pc:sldMk cId="1034016627" sldId="586"/>
-            <ac:picMk id="66" creationId="{44E5033F-93EC-D3B9-E576-C86F9CAB4818}"/>
-          </ac:picMkLst>
-        </pc:picChg>
-        <pc:picChg chg="add mod">
-          <ac:chgData name="Maier Jonas" userId="7666355e-4653-4ebb-8919-ad48818e94dc" providerId="ADAL" clId="{F63763F6-7104-444D-814A-D83E91BE3BE9}" dt="2024-05-23T11:22:36.911" v="67"/>
-          <ac:picMkLst>
-            <pc:docMk/>
-            <pc:sldMk cId="1034016627" sldId="586"/>
-            <ac:picMk id="67" creationId="{F446F9F3-B792-B58A-64BE-C2A49702EF69}"/>
-          </ac:picMkLst>
-        </pc:picChg>
-        <pc:picChg chg="add del mod">
-          <ac:chgData name="Maier Jonas" userId="7666355e-4653-4ebb-8919-ad48818e94dc" providerId="ADAL" clId="{F63763F6-7104-444D-814A-D83E91BE3BE9}" dt="2024-05-23T11:42:55.376" v="83" actId="478"/>
-          <ac:picMkLst>
-            <pc:docMk/>
-            <pc:sldMk cId="1034016627" sldId="586"/>
-            <ac:picMk id="71" creationId="{A74EA9A7-4C19-F6F2-CBAE-028E75748610}"/>
-          </ac:picMkLst>
-        </pc:picChg>
+            <pc:sldMk cId="0" sldId="583"/>
+            <ac:spMk id="5" creationId="{00000000-0000-0000-0000-000000000000}"/>
+          </ac:spMkLst>
+        </pc:spChg>
       </pc:sldChg>
     </pc:docChg>
   </pc:docChgLst>
@@ -1382,6 +630,30 @@
           <pc:docMk/>
           <pc:sldMk cId="2979594312" sldId="585"/>
         </pc:sldMkLst>
+      </pc:sldChg>
+    </pc:docChg>
+  </pc:docChgLst>
+  <pc:docChgLst>
+    <pc:chgData name="Maier Jonas" userId="S::jonas.maier@htl-saalfelden.at::7666355e-4653-4ebb-8919-ad48818e94dc" providerId="AD" clId="Web-{0817AF4B-FDB0-4F34-B080-B56C1597C60F}"/>
+    <pc:docChg chg="modSld">
+      <pc:chgData name="Maier Jonas" userId="S::jonas.maier@htl-saalfelden.at::7666355e-4653-4ebb-8919-ad48818e94dc" providerId="AD" clId="Web-{0817AF4B-FDB0-4F34-B080-B56C1597C60F}" dt="2024-03-20T07:17:01.804" v="116" actId="20577"/>
+      <pc:docMkLst>
+        <pc:docMk/>
+      </pc:docMkLst>
+      <pc:sldChg chg="modSp">
+        <pc:chgData name="Maier Jonas" userId="S::jonas.maier@htl-saalfelden.at::7666355e-4653-4ebb-8919-ad48818e94dc" providerId="AD" clId="Web-{0817AF4B-FDB0-4F34-B080-B56C1597C60F}" dt="2024-03-20T07:17:01.804" v="116" actId="20577"/>
+        <pc:sldMkLst>
+          <pc:docMk/>
+          <pc:sldMk cId="0" sldId="367"/>
+        </pc:sldMkLst>
+        <pc:spChg chg="mod">
+          <ac:chgData name="Maier Jonas" userId="S::jonas.maier@htl-saalfelden.at::7666355e-4653-4ebb-8919-ad48818e94dc" providerId="AD" clId="Web-{0817AF4B-FDB0-4F34-B080-B56C1597C60F}" dt="2024-03-20T07:17:01.804" v="116" actId="20577"/>
+          <ac:spMkLst>
+            <pc:docMk/>
+            <pc:sldMk cId="0" sldId="367"/>
+            <ac:spMk id="3" creationId="{00000000-0000-0000-0000-000000000000}"/>
+          </ac:spMkLst>
+        </pc:spChg>
       </pc:sldChg>
     </pc:docChg>
   </pc:docChgLst>
@@ -1509,28 +781,113 @@
     </pc:docChg>
   </pc:docChgLst>
   <pc:docChgLst>
-    <pc:chgData name="Gastbenutzer" userId="S::urn:spo:anon#22561f0fd3daa1202646b2860375c6ef02f0151ac77621e8f9be57603d678987::" providerId="AD" clId="Web-{A399B29B-8F11-40C4-8F5C-71AD9B1A5DF6}"/>
+    <pc:chgData name="Gastbenutzer" userId="S::urn:spo:anon#45a7682d04f338449f49805216ca35893d1c88563a925a2b121b736a31f21093::" providerId="AD" clId="Web-{CDA2D91F-059C-5B4D-DBAA-6A1FAC610019}"/>
     <pc:docChg chg="modSld">
-      <pc:chgData name="Gastbenutzer" userId="S::urn:spo:anon#22561f0fd3daa1202646b2860375c6ef02f0151ac77621e8f9be57603d678987::" providerId="AD" clId="Web-{A399B29B-8F11-40C4-8F5C-71AD9B1A5DF6}" dt="2024-02-28T08:40:35.002" v="59" actId="20577"/>
+      <pc:chgData name="Gastbenutzer" userId="S::urn:spo:anon#45a7682d04f338449f49805216ca35893d1c88563a925a2b121b736a31f21093::" providerId="AD" clId="Web-{CDA2D91F-059C-5B4D-DBAA-6A1FAC610019}" dt="2024-04-17T07:35:06.283" v="63" actId="20577"/>
       <pc:docMkLst>
         <pc:docMk/>
       </pc:docMkLst>
       <pc:sldChg chg="modSp">
-        <pc:chgData name="Gastbenutzer" userId="S::urn:spo:anon#22561f0fd3daa1202646b2860375c6ef02f0151ac77621e8f9be57603d678987::" providerId="AD" clId="Web-{A399B29B-8F11-40C4-8F5C-71AD9B1A5DF6}" dt="2024-02-28T08:40:35.002" v="59" actId="20577"/>
+        <pc:chgData name="Gastbenutzer" userId="S::urn:spo:anon#45a7682d04f338449f49805216ca35893d1c88563a925a2b121b736a31f21093::" providerId="AD" clId="Web-{CDA2D91F-059C-5B4D-DBAA-6A1FAC610019}" dt="2024-04-17T07:35:06.283" v="63" actId="20577"/>
+        <pc:sldMkLst>
+          <pc:docMk/>
+          <pc:sldMk cId="0" sldId="367"/>
+        </pc:sldMkLst>
+        <pc:spChg chg="mod">
+          <ac:chgData name="Gastbenutzer" userId="S::urn:spo:anon#45a7682d04f338449f49805216ca35893d1c88563a925a2b121b736a31f21093::" providerId="AD" clId="Web-{CDA2D91F-059C-5B4D-DBAA-6A1FAC610019}" dt="2024-04-17T07:35:06.283" v="63" actId="20577"/>
+          <ac:spMkLst>
+            <pc:docMk/>
+            <pc:sldMk cId="0" sldId="367"/>
+            <ac:spMk id="3" creationId="{00000000-0000-0000-0000-000000000000}"/>
+          </ac:spMkLst>
+        </pc:spChg>
+      </pc:sldChg>
+    </pc:docChg>
+  </pc:docChgLst>
+  <pc:docChgLst>
+    <pc:chgData name="Maier Jonas" userId="S::jonas.maier@htl-saalfelden.at::7666355e-4653-4ebb-8919-ad48818e94dc" providerId="AD" clId="Web-{CDC8B2CE-DA55-4023-A57B-AD9D5EA1ECA8}"/>
+    <pc:docChg chg="modSld">
+      <pc:chgData name="Maier Jonas" userId="S::jonas.maier@htl-saalfelden.at::7666355e-4653-4ebb-8919-ad48818e94dc" providerId="AD" clId="Web-{CDC8B2CE-DA55-4023-A57B-AD9D5EA1ECA8}" dt="2024-03-21T10:57:33.021" v="4" actId="20577"/>
+      <pc:docMkLst>
+        <pc:docMk/>
+      </pc:docMkLst>
+      <pc:sldChg chg="modSp">
+        <pc:chgData name="Maier Jonas" userId="S::jonas.maier@htl-saalfelden.at::7666355e-4653-4ebb-8919-ad48818e94dc" providerId="AD" clId="Web-{CDC8B2CE-DA55-4023-A57B-AD9D5EA1ECA8}" dt="2024-03-21T10:57:33.021" v="4" actId="20577"/>
+        <pc:sldMkLst>
+          <pc:docMk/>
+          <pc:sldMk cId="0" sldId="570"/>
+        </pc:sldMkLst>
+        <pc:spChg chg="mod">
+          <ac:chgData name="Maier Jonas" userId="S::jonas.maier@htl-saalfelden.at::7666355e-4653-4ebb-8919-ad48818e94dc" providerId="AD" clId="Web-{CDC8B2CE-DA55-4023-A57B-AD9D5EA1ECA8}" dt="2024-03-21T10:57:33.021" v="4" actId="20577"/>
+          <ac:spMkLst>
+            <pc:docMk/>
+            <pc:sldMk cId="0" sldId="570"/>
+            <ac:spMk id="5" creationId="{00000000-0000-0000-0000-000000000000}"/>
+          </ac:spMkLst>
+        </pc:spChg>
+      </pc:sldChg>
+    </pc:docChg>
+  </pc:docChgLst>
+  <pc:docChgLst>
+    <pc:chgData name="Gastbenutzer" userId="S::urn:spo:anon#b48ec4890037f4ab5e2723053f48466f51e3b937a8082a706992a9e926dfc315::" providerId="AD" clId="Web-{84EF18B1-A0C6-0D5D-394A-9E74C26969EC}"/>
+    <pc:docChg chg="modSld">
+      <pc:chgData name="Gastbenutzer" userId="S::urn:spo:anon#b48ec4890037f4ab5e2723053f48466f51e3b937a8082a706992a9e926dfc315::" providerId="AD" clId="Web-{84EF18B1-A0C6-0D5D-394A-9E74C26969EC}" dt="2024-03-20T08:18:13.715" v="142" actId="20577"/>
+      <pc:docMkLst>
+        <pc:docMk/>
+      </pc:docMkLst>
+      <pc:sldChg chg="modSp">
+        <pc:chgData name="Gastbenutzer" userId="S::urn:spo:anon#b48ec4890037f4ab5e2723053f48466f51e3b937a8082a706992a9e926dfc315::" providerId="AD" clId="Web-{84EF18B1-A0C6-0D5D-394A-9E74C26969EC}" dt="2024-03-20T08:18:13.715" v="142" actId="20577"/>
+        <pc:sldMkLst>
+          <pc:docMk/>
+          <pc:sldMk cId="0" sldId="367"/>
+        </pc:sldMkLst>
+        <pc:spChg chg="mod">
+          <ac:chgData name="Gastbenutzer" userId="S::urn:spo:anon#b48ec4890037f4ab5e2723053f48466f51e3b937a8082a706992a9e926dfc315::" providerId="AD" clId="Web-{84EF18B1-A0C6-0D5D-394A-9E74C26969EC}" dt="2024-03-20T08:18:13.715" v="142" actId="20577"/>
+          <ac:spMkLst>
+            <pc:docMk/>
+            <pc:sldMk cId="0" sldId="367"/>
+            <ac:spMk id="3" creationId="{00000000-0000-0000-0000-000000000000}"/>
+          </ac:spMkLst>
+        </pc:spChg>
+      </pc:sldChg>
+      <pc:sldChg chg="modSp">
+        <pc:chgData name="Gastbenutzer" userId="S::urn:spo:anon#b48ec4890037f4ab5e2723053f48466f51e3b937a8082a706992a9e926dfc315::" providerId="AD" clId="Web-{84EF18B1-A0C6-0D5D-394A-9E74C26969EC}" dt="2024-03-20T08:13:45.658" v="136" actId="1076"/>
+        <pc:sldMkLst>
+          <pc:docMk/>
+          <pc:sldMk cId="0" sldId="570"/>
+        </pc:sldMkLst>
+        <pc:spChg chg="mod">
+          <ac:chgData name="Gastbenutzer" userId="S::urn:spo:anon#b48ec4890037f4ab5e2723053f48466f51e3b937a8082a706992a9e926dfc315::" providerId="AD" clId="Web-{84EF18B1-A0C6-0D5D-394A-9E74C26969EC}" dt="2024-03-20T08:13:45.658" v="136" actId="1076"/>
+          <ac:spMkLst>
+            <pc:docMk/>
+            <pc:sldMk cId="0" sldId="570"/>
+            <ac:spMk id="5" creationId="{00000000-0000-0000-0000-000000000000}"/>
+          </ac:spMkLst>
+        </pc:spChg>
+      </pc:sldChg>
+      <pc:sldChg chg="modSp">
+        <pc:chgData name="Gastbenutzer" userId="S::urn:spo:anon#b48ec4890037f4ab5e2723053f48466f51e3b937a8082a706992a9e926dfc315::" providerId="AD" clId="Web-{84EF18B1-A0C6-0D5D-394A-9E74C26969EC}" dt="2024-03-20T08:11:13.481" v="118"/>
+        <pc:sldMkLst>
+          <pc:docMk/>
+          <pc:sldMk cId="0" sldId="582"/>
+        </pc:sldMkLst>
+        <pc:graphicFrameChg chg="mod modGraphic">
+          <ac:chgData name="Gastbenutzer" userId="S::urn:spo:anon#b48ec4890037f4ab5e2723053f48466f51e3b937a8082a706992a9e926dfc315::" providerId="AD" clId="Web-{84EF18B1-A0C6-0D5D-394A-9E74C26969EC}" dt="2024-03-20T08:11:13.481" v="118"/>
+          <ac:graphicFrameMkLst>
+            <pc:docMk/>
+            <pc:sldMk cId="0" sldId="582"/>
+            <ac:graphicFrameMk id="4" creationId="{00000000-0000-0000-0000-000000000000}"/>
+          </ac:graphicFrameMkLst>
+        </pc:graphicFrameChg>
+      </pc:sldChg>
+      <pc:sldChg chg="modSp">
+        <pc:chgData name="Gastbenutzer" userId="S::urn:spo:anon#b48ec4890037f4ab5e2723053f48466f51e3b937a8082a706992a9e926dfc315::" providerId="AD" clId="Web-{84EF18B1-A0C6-0D5D-394A-9E74C26969EC}" dt="2024-03-20T08:17:58.152" v="140" actId="20577"/>
         <pc:sldMkLst>
           <pc:docMk/>
           <pc:sldMk cId="0" sldId="583"/>
         </pc:sldMkLst>
         <pc:spChg chg="mod">
-          <ac:chgData name="Gastbenutzer" userId="S::urn:spo:anon#22561f0fd3daa1202646b2860375c6ef02f0151ac77621e8f9be57603d678987::" providerId="AD" clId="Web-{A399B29B-8F11-40C4-8F5C-71AD9B1A5DF6}" dt="2024-02-28T08:40:35.002" v="59" actId="20577"/>
-          <ac:spMkLst>
-            <pc:docMk/>
-            <pc:sldMk cId="0" sldId="583"/>
-            <ac:spMk id="2" creationId="{00000000-0000-0000-0000-000000000000}"/>
-          </ac:spMkLst>
-        </pc:spChg>
-        <pc:spChg chg="mod">
-          <ac:chgData name="Gastbenutzer" userId="S::urn:spo:anon#22561f0fd3daa1202646b2860375c6ef02f0151ac77621e8f9be57603d678987::" providerId="AD" clId="Web-{A399B29B-8F11-40C4-8F5C-71AD9B1A5DF6}" dt="2024-02-28T08:40:17.518" v="55" actId="20577"/>
+          <ac:chgData name="Gastbenutzer" userId="S::urn:spo:anon#b48ec4890037f4ab5e2723053f48466f51e3b937a8082a706992a9e926dfc315::" providerId="AD" clId="Web-{84EF18B1-A0C6-0D5D-394A-9E74C26969EC}" dt="2024-03-20T08:17:58.152" v="140" actId="20577"/>
           <ac:spMkLst>
             <pc:docMk/>
             <pc:sldMk cId="0" sldId="583"/>
@@ -1541,210 +898,125 @@
     </pc:docChg>
   </pc:docChgLst>
   <pc:docChgLst>
-    <pc:chgData name="Maier Jonas" userId="S::jonas.maier@htl-saalfelden.at::7666355e-4653-4ebb-8919-ad48818e94dc" providerId="AD" clId="Web-{464C0FDC-193B-47DA-8F2A-64408971DB0B}"/>
-    <pc:docChg chg="modSld">
-      <pc:chgData name="Maier Jonas" userId="S::jonas.maier@htl-saalfelden.at::7666355e-4653-4ebb-8919-ad48818e94dc" providerId="AD" clId="Web-{464C0FDC-193B-47DA-8F2A-64408971DB0B}" dt="2024-05-23T09:41:10.645" v="31"/>
+    <pc:chgData name="Maier Jonas" userId="7666355e-4653-4ebb-8919-ad48818e94dc" providerId="ADAL" clId="{F3FD8717-CDB6-4357-94E8-7495356FF142}"/>
+    <pc:docChg chg="undo custSel addSld delSld modSld">
+      <pc:chgData name="Maier Jonas" userId="7666355e-4653-4ebb-8919-ad48818e94dc" providerId="ADAL" clId="{F3FD8717-CDB6-4357-94E8-7495356FF142}" dt="2024-03-20T08:27:51.646" v="886" actId="20577"/>
       <pc:docMkLst>
         <pc:docMk/>
       </pc:docMkLst>
-      <pc:sldChg chg="addSp modSp">
-        <pc:chgData name="Maier Jonas" userId="S::jonas.maier@htl-saalfelden.at::7666355e-4653-4ebb-8919-ad48818e94dc" providerId="AD" clId="Web-{464C0FDC-193B-47DA-8F2A-64408971DB0B}" dt="2024-05-23T09:41:10.645" v="31"/>
+      <pc:sldChg chg="modSp mod">
+        <pc:chgData name="Maier Jonas" userId="7666355e-4653-4ebb-8919-ad48818e94dc" providerId="ADAL" clId="{F3FD8717-CDB6-4357-94E8-7495356FF142}" dt="2024-03-20T08:27:51.646" v="886" actId="20577"/>
         <pc:sldMkLst>
           <pc:docMk/>
-          <pc:sldMk cId="1034016627" sldId="586"/>
+          <pc:sldMk cId="0" sldId="582"/>
         </pc:sldMkLst>
-        <pc:picChg chg="mod">
-          <ac:chgData name="Maier Jonas" userId="S::jonas.maier@htl-saalfelden.at::7666355e-4653-4ebb-8919-ad48818e94dc" providerId="AD" clId="Web-{464C0FDC-193B-47DA-8F2A-64408971DB0B}" dt="2024-05-23T09:34:58.962" v="0" actId="1076"/>
-          <ac:picMkLst>
+        <pc:graphicFrameChg chg="mod modGraphic">
+          <ac:chgData name="Maier Jonas" userId="7666355e-4653-4ebb-8919-ad48818e94dc" providerId="ADAL" clId="{F3FD8717-CDB6-4357-94E8-7495356FF142}" dt="2024-03-20T08:27:51.646" v="886" actId="20577"/>
+          <ac:graphicFrameMkLst>
             <pc:docMk/>
-            <pc:sldMk cId="1034016627" sldId="586"/>
-            <ac:picMk id="4" creationId="{3C46425E-00C5-5BEC-805A-6471789CB90B}"/>
-          </ac:picMkLst>
-        </pc:picChg>
-        <pc:picChg chg="add mod">
-          <ac:chgData name="Maier Jonas" userId="S::jonas.maier@htl-saalfelden.at::7666355e-4653-4ebb-8919-ad48818e94dc" providerId="AD" clId="Web-{464C0FDC-193B-47DA-8F2A-64408971DB0B}" dt="2024-05-23T09:35:35.572" v="7" actId="14100"/>
-          <ac:picMkLst>
+            <pc:sldMk cId="0" sldId="582"/>
+            <ac:graphicFrameMk id="4" creationId="{00000000-0000-0000-0000-000000000000}"/>
+          </ac:graphicFrameMkLst>
+        </pc:graphicFrameChg>
+      </pc:sldChg>
+      <pc:sldChg chg="modSp mod">
+        <pc:chgData name="Maier Jonas" userId="7666355e-4653-4ebb-8919-ad48818e94dc" providerId="ADAL" clId="{F3FD8717-CDB6-4357-94E8-7495356FF142}" dt="2024-03-20T07:50:26.250" v="481" actId="20577"/>
+        <pc:sldMkLst>
+          <pc:docMk/>
+          <pc:sldMk cId="0" sldId="583"/>
+        </pc:sldMkLst>
+        <pc:spChg chg="mod">
+          <ac:chgData name="Maier Jonas" userId="7666355e-4653-4ebb-8919-ad48818e94dc" providerId="ADAL" clId="{F3FD8717-CDB6-4357-94E8-7495356FF142}" dt="2024-03-20T07:50:26.250" v="481" actId="20577"/>
+          <ac:spMkLst>
             <pc:docMk/>
-            <pc:sldMk cId="1034016627" sldId="586"/>
-            <ac:picMk id="7" creationId="{057BEE34-9512-E66F-F7CA-8C509170E394}"/>
-          </ac:picMkLst>
-        </pc:picChg>
-        <pc:picChg chg="add mod">
-          <ac:chgData name="Maier Jonas" userId="S::jonas.maier@htl-saalfelden.at::7666355e-4653-4ebb-8919-ad48818e94dc" providerId="AD" clId="Web-{464C0FDC-193B-47DA-8F2A-64408971DB0B}" dt="2024-05-23T09:40:40.160" v="10" actId="14100"/>
-          <ac:picMkLst>
+            <pc:sldMk cId="0" sldId="583"/>
+            <ac:spMk id="5" creationId="{00000000-0000-0000-0000-000000000000}"/>
+          </ac:spMkLst>
+        </pc:spChg>
+      </pc:sldChg>
+      <pc:sldChg chg="modSp new del mod">
+        <pc:chgData name="Maier Jonas" userId="7666355e-4653-4ebb-8919-ad48818e94dc" providerId="ADAL" clId="{F3FD8717-CDB6-4357-94E8-7495356FF142}" dt="2024-03-20T07:48:54.726" v="252" actId="47"/>
+        <pc:sldMkLst>
+          <pc:docMk/>
+          <pc:sldMk cId="2555446807" sldId="585"/>
+        </pc:sldMkLst>
+        <pc:spChg chg="mod">
+          <ac:chgData name="Maier Jonas" userId="7666355e-4653-4ebb-8919-ad48818e94dc" providerId="ADAL" clId="{F3FD8717-CDB6-4357-94E8-7495356FF142}" dt="2024-03-20T07:20:15.803" v="35" actId="20577"/>
+          <ac:spMkLst>
             <pc:docMk/>
-            <pc:sldMk cId="1034016627" sldId="586"/>
-            <ac:picMk id="8" creationId="{057BEE34-9512-E66F-F7CA-8C509170E394}"/>
-          </ac:picMkLst>
-        </pc:picChg>
-        <pc:picChg chg="add">
-          <ac:chgData name="Maier Jonas" userId="S::jonas.maier@htl-saalfelden.at::7666355e-4653-4ebb-8919-ad48818e94dc" providerId="AD" clId="Web-{464C0FDC-193B-47DA-8F2A-64408971DB0B}" dt="2024-05-23T09:40:56.692" v="11"/>
-          <ac:picMkLst>
+            <pc:sldMk cId="2555446807" sldId="585"/>
+            <ac:spMk id="2" creationId="{8F4D2220-9531-E895-185B-A58512E8F4E0}"/>
+          </ac:spMkLst>
+        </pc:spChg>
+        <pc:spChg chg="mod">
+          <ac:chgData name="Maier Jonas" userId="7666355e-4653-4ebb-8919-ad48818e94dc" providerId="ADAL" clId="{F3FD8717-CDB6-4357-94E8-7495356FF142}" dt="2024-03-20T07:21:31.981" v="250" actId="20577"/>
+          <ac:spMkLst>
             <pc:docMk/>
-            <pc:sldMk cId="1034016627" sldId="586"/>
-            <ac:picMk id="9" creationId="{48174DE0-6606-42E9-C188-7C039C8058DA}"/>
-          </ac:picMkLst>
-        </pc:picChg>
-        <pc:picChg chg="add">
-          <ac:chgData name="Maier Jonas" userId="S::jonas.maier@htl-saalfelden.at::7666355e-4653-4ebb-8919-ad48818e94dc" providerId="AD" clId="Web-{464C0FDC-193B-47DA-8F2A-64408971DB0B}" dt="2024-05-23T09:40:57.926" v="12"/>
-          <ac:picMkLst>
+            <pc:sldMk cId="2555446807" sldId="585"/>
+            <ac:spMk id="3" creationId="{3C7A2DAA-40F5-AF54-2A6E-D8127871B9D3}"/>
+          </ac:spMkLst>
+        </pc:spChg>
+      </pc:sldChg>
+      <pc:sldChg chg="new del">
+        <pc:chgData name="Maier Jonas" userId="7666355e-4653-4ebb-8919-ad48818e94dc" providerId="ADAL" clId="{F3FD8717-CDB6-4357-94E8-7495356FF142}" dt="2024-03-20T07:20:06.452" v="1" actId="680"/>
+        <pc:sldMkLst>
+          <pc:docMk/>
+          <pc:sldMk cId="4239965684" sldId="585"/>
+        </pc:sldMkLst>
+      </pc:sldChg>
+    </pc:docChg>
+  </pc:docChgLst>
+  <pc:docChgLst>
+    <pc:chgData name="Maier Jonas" userId="S::jonas.maier@htl-saalfelden.at::7666355e-4653-4ebb-8919-ad48818e94dc" providerId="AD" clId="Web-{4CF043E8-D769-4343-9E40-6280D1F359EC}"/>
+    <pc:docChg chg="addSld modSld">
+      <pc:chgData name="Maier Jonas" userId="S::jonas.maier@htl-saalfelden.at::7666355e-4653-4ebb-8919-ad48818e94dc" providerId="AD" clId="Web-{4CF043E8-D769-4343-9E40-6280D1F359EC}" dt="2024-03-20T09:20:50.099" v="33" actId="20577"/>
+      <pc:docMkLst>
+        <pc:docMk/>
+      </pc:docMkLst>
+      <pc:sldChg chg="modSp">
+        <pc:chgData name="Maier Jonas" userId="S::jonas.maier@htl-saalfelden.at::7666355e-4653-4ebb-8919-ad48818e94dc" providerId="AD" clId="Web-{4CF043E8-D769-4343-9E40-6280D1F359EC}" dt="2024-03-20T09:16:05.097" v="3" actId="20577"/>
+        <pc:sldMkLst>
+          <pc:docMk/>
+          <pc:sldMk cId="0" sldId="367"/>
+        </pc:sldMkLst>
+        <pc:spChg chg="mod">
+          <ac:chgData name="Maier Jonas" userId="S::jonas.maier@htl-saalfelden.at::7666355e-4653-4ebb-8919-ad48818e94dc" providerId="AD" clId="Web-{4CF043E8-D769-4343-9E40-6280D1F359EC}" dt="2024-03-20T09:16:05.097" v="3" actId="20577"/>
+          <ac:spMkLst>
             <pc:docMk/>
-            <pc:sldMk cId="1034016627" sldId="586"/>
-            <ac:picMk id="10" creationId="{C2E2D9CB-0833-1F44-3B14-7A5D59D2A25F}"/>
-          </ac:picMkLst>
-        </pc:picChg>
-        <pc:picChg chg="add">
-          <ac:chgData name="Maier Jonas" userId="S::jonas.maier@htl-saalfelden.at::7666355e-4653-4ebb-8919-ad48818e94dc" providerId="AD" clId="Web-{464C0FDC-193B-47DA-8F2A-64408971DB0B}" dt="2024-05-23T09:40:58.910" v="13"/>
-          <ac:picMkLst>
+            <pc:sldMk cId="0" sldId="367"/>
+            <ac:spMk id="3" creationId="{00000000-0000-0000-0000-000000000000}"/>
+          </ac:spMkLst>
+        </pc:spChg>
+      </pc:sldChg>
+      <pc:sldChg chg="modSp">
+        <pc:chgData name="Maier Jonas" userId="S::jonas.maier@htl-saalfelden.at::7666355e-4653-4ebb-8919-ad48818e94dc" providerId="AD" clId="Web-{4CF043E8-D769-4343-9E40-6280D1F359EC}" dt="2024-03-20T09:16:28.550" v="7"/>
+        <pc:sldMkLst>
+          <pc:docMk/>
+          <pc:sldMk cId="0" sldId="582"/>
+        </pc:sldMkLst>
+        <pc:graphicFrameChg chg="mod modGraphic">
+          <ac:chgData name="Maier Jonas" userId="S::jonas.maier@htl-saalfelden.at::7666355e-4653-4ebb-8919-ad48818e94dc" providerId="AD" clId="Web-{4CF043E8-D769-4343-9E40-6280D1F359EC}" dt="2024-03-20T09:16:28.550" v="7"/>
+          <ac:graphicFrameMkLst>
             <pc:docMk/>
-            <pc:sldMk cId="1034016627" sldId="586"/>
-            <ac:picMk id="11" creationId="{F0448BB8-E945-79F1-E819-6F950FEEF1D6}"/>
-          </ac:picMkLst>
-        </pc:picChg>
-        <pc:picChg chg="add">
-          <ac:chgData name="Maier Jonas" userId="S::jonas.maier@htl-saalfelden.at::7666355e-4653-4ebb-8919-ad48818e94dc" providerId="AD" clId="Web-{464C0FDC-193B-47DA-8F2A-64408971DB0B}" dt="2024-05-23T09:40:59.910" v="14"/>
-          <ac:picMkLst>
+            <pc:sldMk cId="0" sldId="582"/>
+            <ac:graphicFrameMk id="4" creationId="{00000000-0000-0000-0000-000000000000}"/>
+          </ac:graphicFrameMkLst>
+        </pc:graphicFrameChg>
+      </pc:sldChg>
+      <pc:sldChg chg="modSp new">
+        <pc:chgData name="Maier Jonas" userId="S::jonas.maier@htl-saalfelden.at::7666355e-4653-4ebb-8919-ad48818e94dc" providerId="AD" clId="Web-{4CF043E8-D769-4343-9E40-6280D1F359EC}" dt="2024-03-20T09:20:50.099" v="33" actId="20577"/>
+        <pc:sldMkLst>
+          <pc:docMk/>
+          <pc:sldMk cId="2979594312" sldId="585"/>
+        </pc:sldMkLst>
+        <pc:spChg chg="mod">
+          <ac:chgData name="Maier Jonas" userId="S::jonas.maier@htl-saalfelden.at::7666355e-4653-4ebb-8919-ad48818e94dc" providerId="AD" clId="Web-{4CF043E8-D769-4343-9E40-6280D1F359EC}" dt="2024-03-20T09:20:50.099" v="33" actId="20577"/>
+          <ac:spMkLst>
             <pc:docMk/>
-            <pc:sldMk cId="1034016627" sldId="586"/>
-            <ac:picMk id="12" creationId="{C84B0A68-B542-04FF-06E4-064E428701D4}"/>
-          </ac:picMkLst>
-        </pc:picChg>
-        <pc:picChg chg="add">
-          <ac:chgData name="Maier Jonas" userId="S::jonas.maier@htl-saalfelden.at::7666355e-4653-4ebb-8919-ad48818e94dc" providerId="AD" clId="Web-{464C0FDC-193B-47DA-8F2A-64408971DB0B}" dt="2024-05-23T09:41:00.473" v="15"/>
-          <ac:picMkLst>
-            <pc:docMk/>
-            <pc:sldMk cId="1034016627" sldId="586"/>
-            <ac:picMk id="13" creationId="{40AE8FCC-7911-2766-EFAB-3EBEADDFDF12}"/>
-          </ac:picMkLst>
-        </pc:picChg>
-        <pc:picChg chg="add">
-          <ac:chgData name="Maier Jonas" userId="S::jonas.maier@htl-saalfelden.at::7666355e-4653-4ebb-8919-ad48818e94dc" providerId="AD" clId="Web-{464C0FDC-193B-47DA-8F2A-64408971DB0B}" dt="2024-05-23T09:41:02.004" v="16"/>
-          <ac:picMkLst>
-            <pc:docMk/>
-            <pc:sldMk cId="1034016627" sldId="586"/>
-            <ac:picMk id="14" creationId="{73B7A4DA-23AC-873B-76CD-8A3892CE24DD}"/>
-          </ac:picMkLst>
-        </pc:picChg>
-        <pc:picChg chg="add">
-          <ac:chgData name="Maier Jonas" userId="S::jonas.maier@htl-saalfelden.at::7666355e-4653-4ebb-8919-ad48818e94dc" providerId="AD" clId="Web-{464C0FDC-193B-47DA-8F2A-64408971DB0B}" dt="2024-05-23T09:41:02.739" v="17"/>
-          <ac:picMkLst>
-            <pc:docMk/>
-            <pc:sldMk cId="1034016627" sldId="586"/>
-            <ac:picMk id="15" creationId="{2FBC164A-A32F-2B9E-85A1-EB5732AA7555}"/>
-          </ac:picMkLst>
-        </pc:picChg>
-        <pc:picChg chg="add">
-          <ac:chgData name="Maier Jonas" userId="S::jonas.maier@htl-saalfelden.at::7666355e-4653-4ebb-8919-ad48818e94dc" providerId="AD" clId="Web-{464C0FDC-193B-47DA-8F2A-64408971DB0B}" dt="2024-05-23T09:41:03.098" v="18"/>
-          <ac:picMkLst>
-            <pc:docMk/>
-            <pc:sldMk cId="1034016627" sldId="586"/>
-            <ac:picMk id="16" creationId="{0E59E427-260B-0311-9B91-1F690994FDA8}"/>
-          </ac:picMkLst>
-        </pc:picChg>
-        <pc:picChg chg="add">
-          <ac:chgData name="Maier Jonas" userId="S::jonas.maier@htl-saalfelden.at::7666355e-4653-4ebb-8919-ad48818e94dc" providerId="AD" clId="Web-{464C0FDC-193B-47DA-8F2A-64408971DB0B}" dt="2024-05-23T09:41:03.426" v="19"/>
-          <ac:picMkLst>
-            <pc:docMk/>
-            <pc:sldMk cId="1034016627" sldId="586"/>
-            <ac:picMk id="17" creationId="{EBA1655B-6B7D-5953-71E1-6522EFA334FC}"/>
-          </ac:picMkLst>
-        </pc:picChg>
-        <pc:picChg chg="add">
-          <ac:chgData name="Maier Jonas" userId="S::jonas.maier@htl-saalfelden.at::7666355e-4653-4ebb-8919-ad48818e94dc" providerId="AD" clId="Web-{464C0FDC-193B-47DA-8F2A-64408971DB0B}" dt="2024-05-23T09:41:03.817" v="20"/>
-          <ac:picMkLst>
-            <pc:docMk/>
-            <pc:sldMk cId="1034016627" sldId="586"/>
-            <ac:picMk id="18" creationId="{E0E72FC4-2866-DB80-D12D-385BF8B7366E}"/>
-          </ac:picMkLst>
-        </pc:picChg>
-        <pc:picChg chg="add">
-          <ac:chgData name="Maier Jonas" userId="S::jonas.maier@htl-saalfelden.at::7666355e-4653-4ebb-8919-ad48818e94dc" providerId="AD" clId="Web-{464C0FDC-193B-47DA-8F2A-64408971DB0B}" dt="2024-05-23T09:41:04.176" v="21"/>
-          <ac:picMkLst>
-            <pc:docMk/>
-            <pc:sldMk cId="1034016627" sldId="586"/>
-            <ac:picMk id="19" creationId="{609B7A04-C0E2-1F11-A80B-0DB52BA16681}"/>
-          </ac:picMkLst>
-        </pc:picChg>
-        <pc:picChg chg="add">
-          <ac:chgData name="Maier Jonas" userId="S::jonas.maier@htl-saalfelden.at::7666355e-4653-4ebb-8919-ad48818e94dc" providerId="AD" clId="Web-{464C0FDC-193B-47DA-8F2A-64408971DB0B}" dt="2024-05-23T09:41:05.629" v="22"/>
-          <ac:picMkLst>
-            <pc:docMk/>
-            <pc:sldMk cId="1034016627" sldId="586"/>
-            <ac:picMk id="20" creationId="{58C4C703-ED9C-2A88-F658-D237F25D7C48}"/>
-          </ac:picMkLst>
-        </pc:picChg>
-        <pc:picChg chg="add">
-          <ac:chgData name="Maier Jonas" userId="S::jonas.maier@htl-saalfelden.at::7666355e-4653-4ebb-8919-ad48818e94dc" providerId="AD" clId="Web-{464C0FDC-193B-47DA-8F2A-64408971DB0B}" dt="2024-05-23T09:41:08.145" v="23"/>
-          <ac:picMkLst>
-            <pc:docMk/>
-            <pc:sldMk cId="1034016627" sldId="586"/>
-            <ac:picMk id="21" creationId="{B784F0A4-1E29-67B4-816F-D91D2FD1C89B}"/>
-          </ac:picMkLst>
-        </pc:picChg>
-        <pc:picChg chg="add">
-          <ac:chgData name="Maier Jonas" userId="S::jonas.maier@htl-saalfelden.at::7666355e-4653-4ebb-8919-ad48818e94dc" providerId="AD" clId="Web-{464C0FDC-193B-47DA-8F2A-64408971DB0B}" dt="2024-05-23T09:41:08.395" v="24"/>
-          <ac:picMkLst>
-            <pc:docMk/>
-            <pc:sldMk cId="1034016627" sldId="586"/>
-            <ac:picMk id="22" creationId="{C8142E21-9094-2572-6BE8-059E89797AAA}"/>
-          </ac:picMkLst>
-        </pc:picChg>
-        <pc:picChg chg="add">
-          <ac:chgData name="Maier Jonas" userId="S::jonas.maier@htl-saalfelden.at::7666355e-4653-4ebb-8919-ad48818e94dc" providerId="AD" clId="Web-{464C0FDC-193B-47DA-8F2A-64408971DB0B}" dt="2024-05-23T09:41:08.661" v="25"/>
-          <ac:picMkLst>
-            <pc:docMk/>
-            <pc:sldMk cId="1034016627" sldId="586"/>
-            <ac:picMk id="23" creationId="{36D2B091-9B99-3D62-1F91-4A2E2BEB872C}"/>
-          </ac:picMkLst>
-        </pc:picChg>
-        <pc:picChg chg="add">
-          <ac:chgData name="Maier Jonas" userId="S::jonas.maier@htl-saalfelden.at::7666355e-4653-4ebb-8919-ad48818e94dc" providerId="AD" clId="Web-{464C0FDC-193B-47DA-8F2A-64408971DB0B}" dt="2024-05-23T09:41:08.942" v="26"/>
-          <ac:picMkLst>
-            <pc:docMk/>
-            <pc:sldMk cId="1034016627" sldId="586"/>
-            <ac:picMk id="24" creationId="{9E1A29E6-21EF-4BEF-C028-637F1C4D9FD1}"/>
-          </ac:picMkLst>
-        </pc:picChg>
-        <pc:picChg chg="add">
-          <ac:chgData name="Maier Jonas" userId="S::jonas.maier@htl-saalfelden.at::7666355e-4653-4ebb-8919-ad48818e94dc" providerId="AD" clId="Web-{464C0FDC-193B-47DA-8F2A-64408971DB0B}" dt="2024-05-23T09:41:09.239" v="27"/>
-          <ac:picMkLst>
-            <pc:docMk/>
-            <pc:sldMk cId="1034016627" sldId="586"/>
-            <ac:picMk id="25" creationId="{83323E93-CA7E-02D3-8ABF-7CFB929FFC8C}"/>
-          </ac:picMkLst>
-        </pc:picChg>
-        <pc:picChg chg="add">
-          <ac:chgData name="Maier Jonas" userId="S::jonas.maier@htl-saalfelden.at::7666355e-4653-4ebb-8919-ad48818e94dc" providerId="AD" clId="Web-{464C0FDC-193B-47DA-8F2A-64408971DB0B}" dt="2024-05-23T09:41:09.536" v="28"/>
-          <ac:picMkLst>
-            <pc:docMk/>
-            <pc:sldMk cId="1034016627" sldId="586"/>
-            <ac:picMk id="26" creationId="{B6DC0BF6-5252-2E1C-B401-7F7B4ED823B5}"/>
-          </ac:picMkLst>
-        </pc:picChg>
-        <pc:picChg chg="add">
-          <ac:chgData name="Maier Jonas" userId="S::jonas.maier@htl-saalfelden.at::7666355e-4653-4ebb-8919-ad48818e94dc" providerId="AD" clId="Web-{464C0FDC-193B-47DA-8F2A-64408971DB0B}" dt="2024-05-23T09:41:09.864" v="29"/>
-          <ac:picMkLst>
-            <pc:docMk/>
-            <pc:sldMk cId="1034016627" sldId="586"/>
-            <ac:picMk id="27" creationId="{E6B256EF-7474-4FB1-FB8A-9CC7C33992A1}"/>
-          </ac:picMkLst>
-        </pc:picChg>
-        <pc:picChg chg="add">
-          <ac:chgData name="Maier Jonas" userId="S::jonas.maier@htl-saalfelden.at::7666355e-4653-4ebb-8919-ad48818e94dc" providerId="AD" clId="Web-{464C0FDC-193B-47DA-8F2A-64408971DB0B}" dt="2024-05-23T09:41:10.317" v="30"/>
-          <ac:picMkLst>
-            <pc:docMk/>
-            <pc:sldMk cId="1034016627" sldId="586"/>
-            <ac:picMk id="28" creationId="{803169D0-04DD-2B83-838A-71DA16EA1364}"/>
-          </ac:picMkLst>
-        </pc:picChg>
-        <pc:picChg chg="add">
-          <ac:chgData name="Maier Jonas" userId="S::jonas.maier@htl-saalfelden.at::7666355e-4653-4ebb-8919-ad48818e94dc" providerId="AD" clId="Web-{464C0FDC-193B-47DA-8F2A-64408971DB0B}" dt="2024-05-23T09:41:10.645" v="31"/>
-          <ac:picMkLst>
-            <pc:docMk/>
-            <pc:sldMk cId="1034016627" sldId="586"/>
-            <ac:picMk id="29" creationId="{9D6AF3D0-E2B4-4647-AC69-8CC4E516C016}"/>
-          </ac:picMkLst>
-        </pc:picChg>
+            <pc:sldMk cId="2979594312" sldId="585"/>
+            <ac:spMk id="3" creationId="{2B077575-1D85-E145-4868-C3575272F9F6}"/>
+          </ac:spMkLst>
+        </pc:spChg>
       </pc:sldChg>
     </pc:docChg>
   </pc:docChgLst>
@@ -1898,30 +1170,6 @@
     </pc:docChg>
   </pc:docChgLst>
   <pc:docChgLst>
-    <pc:chgData name="Gastbenutzer" userId="S::urn:spo:anon#f63ac47ddf0b7b562f8ac7f773f10d47fa895cdd27ab7325f40dd23112cbda77::" providerId="AD" clId="Web-{34A78B94-0B5A-4EA4-E85C-EA2337E39F41}"/>
-    <pc:docChg chg="modSld">
-      <pc:chgData name="Gastbenutzer" userId="S::urn:spo:anon#f63ac47ddf0b7b562f8ac7f773f10d47fa895cdd27ab7325f40dd23112cbda77::" providerId="AD" clId="Web-{34A78B94-0B5A-4EA4-E85C-EA2337E39F41}" dt="2024-05-23T11:44:18.845" v="44"/>
-      <pc:docMkLst>
-        <pc:docMk/>
-      </pc:docMkLst>
-      <pc:sldChg chg="modSp">
-        <pc:chgData name="Gastbenutzer" userId="S::urn:spo:anon#f63ac47ddf0b7b562f8ac7f773f10d47fa895cdd27ab7325f40dd23112cbda77::" providerId="AD" clId="Web-{34A78B94-0B5A-4EA4-E85C-EA2337E39F41}" dt="2024-05-23T11:44:18.845" v="44"/>
-        <pc:sldMkLst>
-          <pc:docMk/>
-          <pc:sldMk cId="0" sldId="582"/>
-        </pc:sldMkLst>
-        <pc:graphicFrameChg chg="mod modGraphic">
-          <ac:chgData name="Gastbenutzer" userId="S::urn:spo:anon#f63ac47ddf0b7b562f8ac7f773f10d47fa895cdd27ab7325f40dd23112cbda77::" providerId="AD" clId="Web-{34A78B94-0B5A-4EA4-E85C-EA2337E39F41}" dt="2024-05-23T11:44:18.845" v="44"/>
-          <ac:graphicFrameMkLst>
-            <pc:docMk/>
-            <pc:sldMk cId="0" sldId="582"/>
-            <ac:graphicFrameMk id="4" creationId="{00000000-0000-0000-0000-000000000000}"/>
-          </ac:graphicFrameMkLst>
-        </pc:graphicFrameChg>
-      </pc:sldChg>
-    </pc:docChg>
-  </pc:docChgLst>
-  <pc:docChgLst>
     <pc:chgData name="Maier Jonas" userId="S::jonas.maier@htl-saalfelden.at::7666355e-4653-4ebb-8919-ad48818e94dc" providerId="AD" clId="Web-{D6E4A69A-C642-4F63-B4A9-689E58D74CA5}"/>
     <pc:docChg chg="modSld">
       <pc:chgData name="Maier Jonas" userId="S::jonas.maier@htl-saalfelden.at::7666355e-4653-4ebb-8919-ad48818e94dc" providerId="AD" clId="Web-{D6E4A69A-C642-4F63-B4A9-689E58D74CA5}" dt="2024-03-21T10:54:29.698" v="14" actId="20577"/>
@@ -1942,1196 +1190,6 @@
             <ac:spMk id="5" creationId="{00000000-0000-0000-0000-000000000000}"/>
           </ac:spMkLst>
         </pc:spChg>
-      </pc:sldChg>
-    </pc:docChg>
-  </pc:docChgLst>
-  <pc:docChgLst>
-    <pc:chgData name="Maier Jonas" userId="S::jonas.maier@htl-saalfelden.at::7666355e-4653-4ebb-8919-ad48818e94dc" providerId="AD" clId="Web-{75D0EE2E-7270-4952-9950-D7487F4294F4}"/>
-    <pc:docChg chg="modSld">
-      <pc:chgData name="Maier Jonas" userId="S::jonas.maier@htl-saalfelden.at::7666355e-4653-4ebb-8919-ad48818e94dc" providerId="AD" clId="Web-{75D0EE2E-7270-4952-9950-D7487F4294F4}" dt="2024-03-20T07:03:40.266" v="316" actId="20577"/>
-      <pc:docMkLst>
-        <pc:docMk/>
-      </pc:docMkLst>
-      <pc:sldChg chg="modSp">
-        <pc:chgData name="Maier Jonas" userId="S::jonas.maier@htl-saalfelden.at::7666355e-4653-4ebb-8919-ad48818e94dc" providerId="AD" clId="Web-{75D0EE2E-7270-4952-9950-D7487F4294F4}" dt="2024-03-20T06:56:42.553" v="39" actId="20577"/>
-        <pc:sldMkLst>
-          <pc:docMk/>
-          <pc:sldMk cId="0" sldId="361"/>
-        </pc:sldMkLst>
-        <pc:spChg chg="mod">
-          <ac:chgData name="Maier Jonas" userId="S::jonas.maier@htl-saalfelden.at::7666355e-4653-4ebb-8919-ad48818e94dc" providerId="AD" clId="Web-{75D0EE2E-7270-4952-9950-D7487F4294F4}" dt="2024-03-20T06:56:27.131" v="10" actId="20577"/>
-          <ac:spMkLst>
-            <pc:docMk/>
-            <pc:sldMk cId="0" sldId="361"/>
-            <ac:spMk id="2" creationId="{00000000-0000-0000-0000-000000000000}"/>
-          </ac:spMkLst>
-        </pc:spChg>
-        <pc:spChg chg="mod">
-          <ac:chgData name="Maier Jonas" userId="S::jonas.maier@htl-saalfelden.at::7666355e-4653-4ebb-8919-ad48818e94dc" providerId="AD" clId="Web-{75D0EE2E-7270-4952-9950-D7487F4294F4}" dt="2024-03-20T06:56:23.318" v="9" actId="20577"/>
-          <ac:spMkLst>
-            <pc:docMk/>
-            <pc:sldMk cId="0" sldId="361"/>
-            <ac:spMk id="4" creationId="{00000000-0000-0000-0000-000000000000}"/>
-          </ac:spMkLst>
-        </pc:spChg>
-        <pc:spChg chg="mod">
-          <ac:chgData name="Maier Jonas" userId="S::jonas.maier@htl-saalfelden.at::7666355e-4653-4ebb-8919-ad48818e94dc" providerId="AD" clId="Web-{75D0EE2E-7270-4952-9950-D7487F4294F4}" dt="2024-03-20T06:56:42.553" v="39" actId="20577"/>
-          <ac:spMkLst>
-            <pc:docMk/>
-            <pc:sldMk cId="0" sldId="361"/>
-            <ac:spMk id="9" creationId="{00000000-0000-0000-0000-000000000000}"/>
-          </ac:spMkLst>
-        </pc:spChg>
-      </pc:sldChg>
-      <pc:sldChg chg="modSp">
-        <pc:chgData name="Maier Jonas" userId="S::jonas.maier@htl-saalfelden.at::7666355e-4653-4ebb-8919-ad48818e94dc" providerId="AD" clId="Web-{75D0EE2E-7270-4952-9950-D7487F4294F4}" dt="2024-03-20T07:01:47.935" v="296" actId="20577"/>
-        <pc:sldMkLst>
-          <pc:docMk/>
-          <pc:sldMk cId="0" sldId="367"/>
-        </pc:sldMkLst>
-        <pc:spChg chg="mod">
-          <ac:chgData name="Maier Jonas" userId="S::jonas.maier@htl-saalfelden.at::7666355e-4653-4ebb-8919-ad48818e94dc" providerId="AD" clId="Web-{75D0EE2E-7270-4952-9950-D7487F4294F4}" dt="2024-03-20T07:01:47.935" v="296" actId="20577"/>
-          <ac:spMkLst>
-            <pc:docMk/>
-            <pc:sldMk cId="0" sldId="367"/>
-            <ac:spMk id="3" creationId="{00000000-0000-0000-0000-000000000000}"/>
-          </ac:spMkLst>
-        </pc:spChg>
-      </pc:sldChg>
-      <pc:sldChg chg="delSp modSp">
-        <pc:chgData name="Maier Jonas" userId="S::jonas.maier@htl-saalfelden.at::7666355e-4653-4ebb-8919-ad48818e94dc" providerId="AD" clId="Web-{75D0EE2E-7270-4952-9950-D7487F4294F4}" dt="2024-03-20T07:03:40.266" v="316" actId="20577"/>
-        <pc:sldMkLst>
-          <pc:docMk/>
-          <pc:sldMk cId="0" sldId="570"/>
-        </pc:sldMkLst>
-        <pc:spChg chg="mod">
-          <ac:chgData name="Maier Jonas" userId="S::jonas.maier@htl-saalfelden.at::7666355e-4653-4ebb-8919-ad48818e94dc" providerId="AD" clId="Web-{75D0EE2E-7270-4952-9950-D7487F4294F4}" dt="2024-03-20T07:03:40.266" v="316" actId="20577"/>
-          <ac:spMkLst>
-            <pc:docMk/>
-            <pc:sldMk cId="0" sldId="570"/>
-            <ac:spMk id="5" creationId="{00000000-0000-0000-0000-000000000000}"/>
-          </ac:spMkLst>
-        </pc:spChg>
-        <pc:graphicFrameChg chg="del">
-          <ac:chgData name="Maier Jonas" userId="S::jonas.maier@htl-saalfelden.at::7666355e-4653-4ebb-8919-ad48818e94dc" providerId="AD" clId="Web-{75D0EE2E-7270-4952-9950-D7487F4294F4}" dt="2024-03-20T07:03:28.672" v="308"/>
-          <ac:graphicFrameMkLst>
-            <pc:docMk/>
-            <pc:sldMk cId="0" sldId="570"/>
-            <ac:graphicFrameMk id="12" creationId="{BB95FAD8-300D-D630-F329-2111DD0C73DF}"/>
-          </ac:graphicFrameMkLst>
-        </pc:graphicFrameChg>
-      </pc:sldChg>
-    </pc:docChg>
-  </pc:docChgLst>
-  <pc:docChgLst>
-    <pc:chgData name="Maier Jonas" userId="S::jonas.maier@htl-saalfelden.at::7666355e-4653-4ebb-8919-ad48818e94dc" providerId="AD" clId="Web-{4CF043E8-D769-4343-9E40-6280D1F359EC}"/>
-    <pc:docChg chg="addSld modSld">
-      <pc:chgData name="Maier Jonas" userId="S::jonas.maier@htl-saalfelden.at::7666355e-4653-4ebb-8919-ad48818e94dc" providerId="AD" clId="Web-{4CF043E8-D769-4343-9E40-6280D1F359EC}" dt="2024-03-20T09:20:50.099" v="33" actId="20577"/>
-      <pc:docMkLst>
-        <pc:docMk/>
-      </pc:docMkLst>
-      <pc:sldChg chg="modSp">
-        <pc:chgData name="Maier Jonas" userId="S::jonas.maier@htl-saalfelden.at::7666355e-4653-4ebb-8919-ad48818e94dc" providerId="AD" clId="Web-{4CF043E8-D769-4343-9E40-6280D1F359EC}" dt="2024-03-20T09:16:05.097" v="3" actId="20577"/>
-        <pc:sldMkLst>
-          <pc:docMk/>
-          <pc:sldMk cId="0" sldId="367"/>
-        </pc:sldMkLst>
-        <pc:spChg chg="mod">
-          <ac:chgData name="Maier Jonas" userId="S::jonas.maier@htl-saalfelden.at::7666355e-4653-4ebb-8919-ad48818e94dc" providerId="AD" clId="Web-{4CF043E8-D769-4343-9E40-6280D1F359EC}" dt="2024-03-20T09:16:05.097" v="3" actId="20577"/>
-          <ac:spMkLst>
-            <pc:docMk/>
-            <pc:sldMk cId="0" sldId="367"/>
-            <ac:spMk id="3" creationId="{00000000-0000-0000-0000-000000000000}"/>
-          </ac:spMkLst>
-        </pc:spChg>
-      </pc:sldChg>
-      <pc:sldChg chg="modSp">
-        <pc:chgData name="Maier Jonas" userId="S::jonas.maier@htl-saalfelden.at::7666355e-4653-4ebb-8919-ad48818e94dc" providerId="AD" clId="Web-{4CF043E8-D769-4343-9E40-6280D1F359EC}" dt="2024-03-20T09:16:28.550" v="7"/>
-        <pc:sldMkLst>
-          <pc:docMk/>
-          <pc:sldMk cId="0" sldId="582"/>
-        </pc:sldMkLst>
-        <pc:graphicFrameChg chg="mod modGraphic">
-          <ac:chgData name="Maier Jonas" userId="S::jonas.maier@htl-saalfelden.at::7666355e-4653-4ebb-8919-ad48818e94dc" providerId="AD" clId="Web-{4CF043E8-D769-4343-9E40-6280D1F359EC}" dt="2024-03-20T09:16:28.550" v="7"/>
-          <ac:graphicFrameMkLst>
-            <pc:docMk/>
-            <pc:sldMk cId="0" sldId="582"/>
-            <ac:graphicFrameMk id="4" creationId="{00000000-0000-0000-0000-000000000000}"/>
-          </ac:graphicFrameMkLst>
-        </pc:graphicFrameChg>
-      </pc:sldChg>
-      <pc:sldChg chg="modSp new">
-        <pc:chgData name="Maier Jonas" userId="S::jonas.maier@htl-saalfelden.at::7666355e-4653-4ebb-8919-ad48818e94dc" providerId="AD" clId="Web-{4CF043E8-D769-4343-9E40-6280D1F359EC}" dt="2024-03-20T09:20:50.099" v="33" actId="20577"/>
-        <pc:sldMkLst>
-          <pc:docMk/>
-          <pc:sldMk cId="2979594312" sldId="585"/>
-        </pc:sldMkLst>
-        <pc:spChg chg="mod">
-          <ac:chgData name="Maier Jonas" userId="S::jonas.maier@htl-saalfelden.at::7666355e-4653-4ebb-8919-ad48818e94dc" providerId="AD" clId="Web-{4CF043E8-D769-4343-9E40-6280D1F359EC}" dt="2024-03-20T09:20:50.099" v="33" actId="20577"/>
-          <ac:spMkLst>
-            <pc:docMk/>
-            <pc:sldMk cId="2979594312" sldId="585"/>
-            <ac:spMk id="3" creationId="{2B077575-1D85-E145-4868-C3575272F9F6}"/>
-          </ac:spMkLst>
-        </pc:spChg>
-      </pc:sldChg>
-    </pc:docChg>
-  </pc:docChgLst>
-  <pc:docChgLst>
-    <pc:chgData name="Gastbenutzer" userId="S::urn:spo:anon#f63ac47ddf0b7b562f8ac7f773f10d47fa895cdd27ab7325f40dd23112cbda77::" providerId="AD" clId="Web-{DED6A719-8F87-EC65-441E-339281F938B8}"/>
-    <pc:docChg chg="modSld">
-      <pc:chgData name="Gastbenutzer" userId="S::urn:spo:anon#f63ac47ddf0b7b562f8ac7f773f10d47fa895cdd27ab7325f40dd23112cbda77::" providerId="AD" clId="Web-{DED6A719-8F87-EC65-441E-339281F938B8}" dt="2024-05-08T08:12:49.296" v="700"/>
-      <pc:docMkLst>
-        <pc:docMk/>
-      </pc:docMkLst>
-      <pc:sldChg chg="modSp">
-        <pc:chgData name="Gastbenutzer" userId="S::urn:spo:anon#f63ac47ddf0b7b562f8ac7f773f10d47fa895cdd27ab7325f40dd23112cbda77::" providerId="AD" clId="Web-{DED6A719-8F87-EC65-441E-339281F938B8}" dt="2024-05-08T07:48:41.045" v="22" actId="20577"/>
-        <pc:sldMkLst>
-          <pc:docMk/>
-          <pc:sldMk cId="0" sldId="361"/>
-        </pc:sldMkLst>
-        <pc:spChg chg="mod">
-          <ac:chgData name="Gastbenutzer" userId="S::urn:spo:anon#f63ac47ddf0b7b562f8ac7f773f10d47fa895cdd27ab7325f40dd23112cbda77::" providerId="AD" clId="Web-{DED6A719-8F87-EC65-441E-339281F938B8}" dt="2024-05-08T07:48:41.045" v="22" actId="20577"/>
-          <ac:spMkLst>
-            <pc:docMk/>
-            <pc:sldMk cId="0" sldId="361"/>
-            <ac:spMk id="4" creationId="{00000000-0000-0000-0000-000000000000}"/>
-          </ac:spMkLst>
-        </pc:spChg>
-      </pc:sldChg>
-      <pc:sldChg chg="modSp">
-        <pc:chgData name="Gastbenutzer" userId="S::urn:spo:anon#f63ac47ddf0b7b562f8ac7f773f10d47fa895cdd27ab7325f40dd23112cbda77::" providerId="AD" clId="Web-{DED6A719-8F87-EC65-441E-339281F938B8}" dt="2024-05-08T08:01:19.031" v="164" actId="20577"/>
-        <pc:sldMkLst>
-          <pc:docMk/>
-          <pc:sldMk cId="0" sldId="367"/>
-        </pc:sldMkLst>
-        <pc:spChg chg="mod">
-          <ac:chgData name="Gastbenutzer" userId="S::urn:spo:anon#f63ac47ddf0b7b562f8ac7f773f10d47fa895cdd27ab7325f40dd23112cbda77::" providerId="AD" clId="Web-{DED6A719-8F87-EC65-441E-339281F938B8}" dt="2024-05-08T08:01:19.031" v="164" actId="20577"/>
-          <ac:spMkLst>
-            <pc:docMk/>
-            <pc:sldMk cId="0" sldId="367"/>
-            <ac:spMk id="3" creationId="{00000000-0000-0000-0000-000000000000}"/>
-          </ac:spMkLst>
-        </pc:spChg>
-      </pc:sldChg>
-      <pc:sldChg chg="modSp">
-        <pc:chgData name="Gastbenutzer" userId="S::urn:spo:anon#f63ac47ddf0b7b562f8ac7f773f10d47fa895cdd27ab7325f40dd23112cbda77::" providerId="AD" clId="Web-{DED6A719-8F87-EC65-441E-339281F938B8}" dt="2024-05-08T08:12:49.296" v="700"/>
-        <pc:sldMkLst>
-          <pc:docMk/>
-          <pc:sldMk cId="0" sldId="582"/>
-        </pc:sldMkLst>
-        <pc:graphicFrameChg chg="mod modGraphic">
-          <ac:chgData name="Gastbenutzer" userId="S::urn:spo:anon#f63ac47ddf0b7b562f8ac7f773f10d47fa895cdd27ab7325f40dd23112cbda77::" providerId="AD" clId="Web-{DED6A719-8F87-EC65-441E-339281F938B8}" dt="2024-05-08T08:12:49.296" v="700"/>
-          <ac:graphicFrameMkLst>
-            <pc:docMk/>
-            <pc:sldMk cId="0" sldId="582"/>
-            <ac:graphicFrameMk id="4" creationId="{00000000-0000-0000-0000-000000000000}"/>
-          </ac:graphicFrameMkLst>
-        </pc:graphicFrameChg>
-      </pc:sldChg>
-    </pc:docChg>
-  </pc:docChgLst>
-  <pc:docChgLst>
-    <pc:chgData name="Gastbenutzer" userId="S::urn:spo:anon#45a7682d04f338449f49805216ca35893d1c88563a925a2b121b736a31f21093::" providerId="AD" clId="Web-{CDA2D91F-059C-5B4D-DBAA-6A1FAC610019}"/>
-    <pc:docChg chg="modSld">
-      <pc:chgData name="Gastbenutzer" userId="S::urn:spo:anon#45a7682d04f338449f49805216ca35893d1c88563a925a2b121b736a31f21093::" providerId="AD" clId="Web-{CDA2D91F-059C-5B4D-DBAA-6A1FAC610019}" dt="2024-04-17T07:35:06.283" v="63" actId="20577"/>
-      <pc:docMkLst>
-        <pc:docMk/>
-      </pc:docMkLst>
-      <pc:sldChg chg="modSp">
-        <pc:chgData name="Gastbenutzer" userId="S::urn:spo:anon#45a7682d04f338449f49805216ca35893d1c88563a925a2b121b736a31f21093::" providerId="AD" clId="Web-{CDA2D91F-059C-5B4D-DBAA-6A1FAC610019}" dt="2024-04-17T07:35:06.283" v="63" actId="20577"/>
-        <pc:sldMkLst>
-          <pc:docMk/>
-          <pc:sldMk cId="0" sldId="367"/>
-        </pc:sldMkLst>
-        <pc:spChg chg="mod">
-          <ac:chgData name="Gastbenutzer" userId="S::urn:spo:anon#45a7682d04f338449f49805216ca35893d1c88563a925a2b121b736a31f21093::" providerId="AD" clId="Web-{CDA2D91F-059C-5B4D-DBAA-6A1FAC610019}" dt="2024-04-17T07:35:06.283" v="63" actId="20577"/>
-          <ac:spMkLst>
-            <pc:docMk/>
-            <pc:sldMk cId="0" sldId="367"/>
-            <ac:spMk id="3" creationId="{00000000-0000-0000-0000-000000000000}"/>
-          </ac:spMkLst>
-        </pc:spChg>
-      </pc:sldChg>
-    </pc:docChg>
-  </pc:docChgLst>
-  <pc:docChgLst>
-    <pc:chgData name="Maier Jonas" userId="7666355e-4653-4ebb-8919-ad48818e94dc" providerId="ADAL" clId="{D2A41A89-B5C4-4509-8FDC-C2DBACA13337}"/>
-    <pc:docChg chg="undo custSel addSld delSld modSld sldOrd modMainMaster">
-      <pc:chgData name="Maier Jonas" userId="7666355e-4653-4ebb-8919-ad48818e94dc" providerId="ADAL" clId="{D2A41A89-B5C4-4509-8FDC-C2DBACA13337}" dt="2024-05-21T20:06:10.561" v="512" actId="26606"/>
-      <pc:docMkLst>
-        <pc:docMk/>
-      </pc:docMkLst>
-      <pc:sldChg chg="modSp add del mod">
-        <pc:chgData name="Maier Jonas" userId="7666355e-4653-4ebb-8919-ad48818e94dc" providerId="ADAL" clId="{D2A41A89-B5C4-4509-8FDC-C2DBACA13337}" dt="2024-05-21T19:54:49.079" v="427" actId="47"/>
-        <pc:sldMkLst>
-          <pc:docMk/>
-          <pc:sldMk cId="0" sldId="361"/>
-        </pc:sldMkLst>
-        <pc:spChg chg="mod">
-          <ac:chgData name="Maier Jonas" userId="7666355e-4653-4ebb-8919-ad48818e94dc" providerId="ADAL" clId="{D2A41A89-B5C4-4509-8FDC-C2DBACA13337}" dt="2024-05-21T19:34:17.902" v="18" actId="20577"/>
-          <ac:spMkLst>
-            <pc:docMk/>
-            <pc:sldMk cId="0" sldId="361"/>
-            <ac:spMk id="2" creationId="{00000000-0000-0000-0000-000000000000}"/>
-          </ac:spMkLst>
-        </pc:spChg>
-        <pc:spChg chg="mod">
-          <ac:chgData name="Maier Jonas" userId="7666355e-4653-4ebb-8919-ad48818e94dc" providerId="ADAL" clId="{D2A41A89-B5C4-4509-8FDC-C2DBACA13337}" dt="2024-05-21T19:54:07.494" v="424" actId="20577"/>
-          <ac:spMkLst>
-            <pc:docMk/>
-            <pc:sldMk cId="0" sldId="361"/>
-            <ac:spMk id="4" creationId="{00000000-0000-0000-0000-000000000000}"/>
-          </ac:spMkLst>
-        </pc:spChg>
-      </pc:sldChg>
-      <pc:sldChg chg="addSp modSp mod setBg">
-        <pc:chgData name="Maier Jonas" userId="7666355e-4653-4ebb-8919-ad48818e94dc" providerId="ADAL" clId="{D2A41A89-B5C4-4509-8FDC-C2DBACA13337}" dt="2024-05-21T19:47:24.524" v="391" actId="313"/>
-        <pc:sldMkLst>
-          <pc:docMk/>
-          <pc:sldMk cId="0" sldId="367"/>
-        </pc:sldMkLst>
-        <pc:spChg chg="mod">
-          <ac:chgData name="Maier Jonas" userId="7666355e-4653-4ebb-8919-ad48818e94dc" providerId="ADAL" clId="{D2A41A89-B5C4-4509-8FDC-C2DBACA13337}" dt="2024-05-21T19:39:43.596" v="256" actId="26606"/>
-          <ac:spMkLst>
-            <pc:docMk/>
-            <pc:sldMk cId="0" sldId="367"/>
-            <ac:spMk id="2" creationId="{00000000-0000-0000-0000-000000000000}"/>
-          </ac:spMkLst>
-        </pc:spChg>
-        <pc:spChg chg="mod ord">
-          <ac:chgData name="Maier Jonas" userId="7666355e-4653-4ebb-8919-ad48818e94dc" providerId="ADAL" clId="{D2A41A89-B5C4-4509-8FDC-C2DBACA13337}" dt="2024-05-21T19:47:24.524" v="391" actId="313"/>
-          <ac:spMkLst>
-            <pc:docMk/>
-            <pc:sldMk cId="0" sldId="367"/>
-            <ac:spMk id="3" creationId="{00000000-0000-0000-0000-000000000000}"/>
-          </ac:spMkLst>
-        </pc:spChg>
-        <pc:spChg chg="mod">
-          <ac:chgData name="Maier Jonas" userId="7666355e-4653-4ebb-8919-ad48818e94dc" providerId="ADAL" clId="{D2A41A89-B5C4-4509-8FDC-C2DBACA13337}" dt="2024-05-21T19:39:43.596" v="256" actId="26606"/>
-          <ac:spMkLst>
-            <pc:docMk/>
-            <pc:sldMk cId="0" sldId="367"/>
-            <ac:spMk id="8" creationId="{00000000-0000-0000-0000-000000000000}"/>
-          </ac:spMkLst>
-        </pc:spChg>
-        <pc:spChg chg="mod">
-          <ac:chgData name="Maier Jonas" userId="7666355e-4653-4ebb-8919-ad48818e94dc" providerId="ADAL" clId="{D2A41A89-B5C4-4509-8FDC-C2DBACA13337}" dt="2024-05-21T19:39:43.596" v="256" actId="26606"/>
-          <ac:spMkLst>
-            <pc:docMk/>
-            <pc:sldMk cId="0" sldId="367"/>
-            <ac:spMk id="9" creationId="{00000000-0000-0000-0000-000000000000}"/>
-          </ac:spMkLst>
-        </pc:spChg>
-        <pc:spChg chg="add">
-          <ac:chgData name="Maier Jonas" userId="7666355e-4653-4ebb-8919-ad48818e94dc" providerId="ADAL" clId="{D2A41A89-B5C4-4509-8FDC-C2DBACA13337}" dt="2024-05-21T19:39:43.596" v="256" actId="26606"/>
-          <ac:spMkLst>
-            <pc:docMk/>
-            <pc:sldMk cId="0" sldId="367"/>
-            <ac:spMk id="15" creationId="{C0763A76-9F1C-4FC5-82B7-DD475DA461B2}"/>
-          </ac:spMkLst>
-        </pc:spChg>
-        <pc:spChg chg="add">
-          <ac:chgData name="Maier Jonas" userId="7666355e-4653-4ebb-8919-ad48818e94dc" providerId="ADAL" clId="{D2A41A89-B5C4-4509-8FDC-C2DBACA13337}" dt="2024-05-21T19:39:43.596" v="256" actId="26606"/>
-          <ac:spMkLst>
-            <pc:docMk/>
-            <pc:sldMk cId="0" sldId="367"/>
-            <ac:spMk id="17" creationId="{E81BF4F6-F2CF-4984-9D14-D6966D92F99F}"/>
-          </ac:spMkLst>
-        </pc:spChg>
-        <pc:picChg chg="add">
-          <ac:chgData name="Maier Jonas" userId="7666355e-4653-4ebb-8919-ad48818e94dc" providerId="ADAL" clId="{D2A41A89-B5C4-4509-8FDC-C2DBACA13337}" dt="2024-05-21T19:39:43.596" v="256" actId="26606"/>
-          <ac:picMkLst>
-            <pc:docMk/>
-            <pc:sldMk cId="0" sldId="367"/>
-            <ac:picMk id="11" creationId="{FB3AE5E0-C281-86D1-D009-C54099BD2DCC}"/>
-          </ac:picMkLst>
-        </pc:picChg>
-      </pc:sldChg>
-      <pc:sldChg chg="addSp delSp modSp mod setBg">
-        <pc:chgData name="Maier Jonas" userId="7666355e-4653-4ebb-8919-ad48818e94dc" providerId="ADAL" clId="{D2A41A89-B5C4-4509-8FDC-C2DBACA13337}" dt="2024-05-21T19:42:13.391" v="266" actId="26606"/>
-        <pc:sldMkLst>
-          <pc:docMk/>
-          <pc:sldMk cId="0" sldId="570"/>
-        </pc:sldMkLst>
-        <pc:spChg chg="mod">
-          <ac:chgData name="Maier Jonas" userId="7666355e-4653-4ebb-8919-ad48818e94dc" providerId="ADAL" clId="{D2A41A89-B5C4-4509-8FDC-C2DBACA13337}" dt="2024-05-21T19:42:13.391" v="266" actId="26606"/>
-          <ac:spMkLst>
-            <pc:docMk/>
-            <pc:sldMk cId="0" sldId="570"/>
-            <ac:spMk id="2" creationId="{00000000-0000-0000-0000-000000000000}"/>
-          </ac:spMkLst>
-        </pc:spChg>
-        <pc:spChg chg="mod">
-          <ac:chgData name="Maier Jonas" userId="7666355e-4653-4ebb-8919-ad48818e94dc" providerId="ADAL" clId="{D2A41A89-B5C4-4509-8FDC-C2DBACA13337}" dt="2024-05-21T19:42:13.391" v="266" actId="26606"/>
-          <ac:spMkLst>
-            <pc:docMk/>
-            <pc:sldMk cId="0" sldId="570"/>
-            <ac:spMk id="5" creationId="{00000000-0000-0000-0000-000000000000}"/>
-          </ac:spMkLst>
-        </pc:spChg>
-        <pc:spChg chg="mod">
-          <ac:chgData name="Maier Jonas" userId="7666355e-4653-4ebb-8919-ad48818e94dc" providerId="ADAL" clId="{D2A41A89-B5C4-4509-8FDC-C2DBACA13337}" dt="2024-05-21T19:42:13.391" v="266" actId="26606"/>
-          <ac:spMkLst>
-            <pc:docMk/>
-            <pc:sldMk cId="0" sldId="570"/>
-            <ac:spMk id="8" creationId="{00000000-0000-0000-0000-000000000000}"/>
-          </ac:spMkLst>
-        </pc:spChg>
-        <pc:spChg chg="mod">
-          <ac:chgData name="Maier Jonas" userId="7666355e-4653-4ebb-8919-ad48818e94dc" providerId="ADAL" clId="{D2A41A89-B5C4-4509-8FDC-C2DBACA13337}" dt="2024-05-21T19:42:13.391" v="266" actId="26606"/>
-          <ac:spMkLst>
-            <pc:docMk/>
-            <pc:sldMk cId="0" sldId="570"/>
-            <ac:spMk id="9" creationId="{00000000-0000-0000-0000-000000000000}"/>
-          </ac:spMkLst>
-        </pc:spChg>
-        <pc:spChg chg="add del">
-          <ac:chgData name="Maier Jonas" userId="7666355e-4653-4ebb-8919-ad48818e94dc" providerId="ADAL" clId="{D2A41A89-B5C4-4509-8FDC-C2DBACA13337}" dt="2024-05-21T19:42:13.391" v="266" actId="26606"/>
-          <ac:spMkLst>
-            <pc:docMk/>
-            <pc:sldMk cId="0" sldId="570"/>
-            <ac:spMk id="14" creationId="{D380959B-464C-9ED8-C9EB-AB6FC997C1B8}"/>
-          </ac:spMkLst>
-        </pc:spChg>
-        <pc:spChg chg="add del">
-          <ac:chgData name="Maier Jonas" userId="7666355e-4653-4ebb-8919-ad48818e94dc" providerId="ADAL" clId="{D2A41A89-B5C4-4509-8FDC-C2DBACA13337}" dt="2024-05-21T19:42:13.391" v="266" actId="26606"/>
-          <ac:spMkLst>
-            <pc:docMk/>
-            <pc:sldMk cId="0" sldId="570"/>
-            <ac:spMk id="16" creationId="{06B83858-ED7D-57B6-6CAA-83168807C43C}"/>
-          </ac:spMkLst>
-        </pc:spChg>
-        <pc:spChg chg="add del">
-          <ac:chgData name="Maier Jonas" userId="7666355e-4653-4ebb-8919-ad48818e94dc" providerId="ADAL" clId="{D2A41A89-B5C4-4509-8FDC-C2DBACA13337}" dt="2024-05-21T19:42:13.391" v="266" actId="26606"/>
-          <ac:spMkLst>
-            <pc:docMk/>
-            <pc:sldMk cId="0" sldId="570"/>
-            <ac:spMk id="18" creationId="{FF97FFD4-A8B9-3D4D-1623-7BE467E46A6A}"/>
-          </ac:spMkLst>
-        </pc:spChg>
-        <pc:graphicFrameChg chg="add mod">
-          <ac:chgData name="Maier Jonas" userId="7666355e-4653-4ebb-8919-ad48818e94dc" providerId="ADAL" clId="{D2A41A89-B5C4-4509-8FDC-C2DBACA13337}" dt="2024-05-21T19:42:13.391" v="266" actId="26606"/>
-          <ac:graphicFrameMkLst>
-            <pc:docMk/>
-            <pc:sldMk cId="0" sldId="570"/>
-            <ac:graphicFrameMk id="3" creationId="{D574E104-DCAA-37AC-83CE-66BAED6EE593}"/>
-          </ac:graphicFrameMkLst>
-        </pc:graphicFrameChg>
-      </pc:sldChg>
-      <pc:sldChg chg="addSp delSp modSp mod setBg">
-        <pc:chgData name="Maier Jonas" userId="7666355e-4653-4ebb-8919-ad48818e94dc" providerId="ADAL" clId="{D2A41A89-B5C4-4509-8FDC-C2DBACA13337}" dt="2024-05-21T19:40:22.929" v="260" actId="26606"/>
-        <pc:sldMkLst>
-          <pc:docMk/>
-          <pc:sldMk cId="0" sldId="582"/>
-        </pc:sldMkLst>
-        <pc:spChg chg="mod">
-          <ac:chgData name="Maier Jonas" userId="7666355e-4653-4ebb-8919-ad48818e94dc" providerId="ADAL" clId="{D2A41A89-B5C4-4509-8FDC-C2DBACA13337}" dt="2024-05-21T19:40:22.929" v="260" actId="26606"/>
-          <ac:spMkLst>
-            <pc:docMk/>
-            <pc:sldMk cId="0" sldId="582"/>
-            <ac:spMk id="2" creationId="{00000000-0000-0000-0000-000000000000}"/>
-          </ac:spMkLst>
-        </pc:spChg>
-        <pc:spChg chg="mod ord">
-          <ac:chgData name="Maier Jonas" userId="7666355e-4653-4ebb-8919-ad48818e94dc" providerId="ADAL" clId="{D2A41A89-B5C4-4509-8FDC-C2DBACA13337}" dt="2024-05-21T19:40:22.929" v="260" actId="26606"/>
-          <ac:spMkLst>
-            <pc:docMk/>
-            <pc:sldMk cId="0" sldId="582"/>
-            <ac:spMk id="3" creationId="{00000000-0000-0000-0000-000000000000}"/>
-          </ac:spMkLst>
-        </pc:spChg>
-        <pc:spChg chg="mod">
-          <ac:chgData name="Maier Jonas" userId="7666355e-4653-4ebb-8919-ad48818e94dc" providerId="ADAL" clId="{D2A41A89-B5C4-4509-8FDC-C2DBACA13337}" dt="2024-05-21T19:40:22.929" v="260" actId="26606"/>
-          <ac:spMkLst>
-            <pc:docMk/>
-            <pc:sldMk cId="0" sldId="582"/>
-            <ac:spMk id="8" creationId="{00000000-0000-0000-0000-000000000000}"/>
-          </ac:spMkLst>
-        </pc:spChg>
-        <pc:spChg chg="mod">
-          <ac:chgData name="Maier Jonas" userId="7666355e-4653-4ebb-8919-ad48818e94dc" providerId="ADAL" clId="{D2A41A89-B5C4-4509-8FDC-C2DBACA13337}" dt="2024-05-21T19:40:22.929" v="260" actId="26606"/>
-          <ac:spMkLst>
-            <pc:docMk/>
-            <pc:sldMk cId="0" sldId="582"/>
-            <ac:spMk id="9" creationId="{00000000-0000-0000-0000-000000000000}"/>
-          </ac:spMkLst>
-        </pc:spChg>
-        <pc:spChg chg="add del">
-          <ac:chgData name="Maier Jonas" userId="7666355e-4653-4ebb-8919-ad48818e94dc" providerId="ADAL" clId="{D2A41A89-B5C4-4509-8FDC-C2DBACA13337}" dt="2024-05-21T19:40:11.755" v="258" actId="26606"/>
-          <ac:spMkLst>
-            <pc:docMk/>
-            <pc:sldMk cId="0" sldId="582"/>
-            <ac:spMk id="14" creationId="{6DB60271-CC36-038E-7174-CCC14F968385}"/>
-          </ac:spMkLst>
-        </pc:spChg>
-        <pc:spChg chg="add del">
-          <ac:chgData name="Maier Jonas" userId="7666355e-4653-4ebb-8919-ad48818e94dc" providerId="ADAL" clId="{D2A41A89-B5C4-4509-8FDC-C2DBACA13337}" dt="2024-05-21T19:40:22.929" v="260" actId="26606"/>
-          <ac:spMkLst>
-            <pc:docMk/>
-            <pc:sldMk cId="0" sldId="582"/>
-            <ac:spMk id="16" creationId="{1199E1B1-A8C0-4FE8-A5A8-1CB41D69F857}"/>
-          </ac:spMkLst>
-        </pc:spChg>
-        <pc:spChg chg="add del">
-          <ac:chgData name="Maier Jonas" userId="7666355e-4653-4ebb-8919-ad48818e94dc" providerId="ADAL" clId="{D2A41A89-B5C4-4509-8FDC-C2DBACA13337}" dt="2024-05-21T19:40:22.929" v="260" actId="26606"/>
-          <ac:spMkLst>
-            <pc:docMk/>
-            <pc:sldMk cId="0" sldId="582"/>
-            <ac:spMk id="17" creationId="{A8384FB5-9ADC-4DDC-881B-597D56F5B15D}"/>
-          </ac:spMkLst>
-        </pc:spChg>
-        <pc:spChg chg="add del">
-          <ac:chgData name="Maier Jonas" userId="7666355e-4653-4ebb-8919-ad48818e94dc" providerId="ADAL" clId="{D2A41A89-B5C4-4509-8FDC-C2DBACA13337}" dt="2024-05-21T19:40:22.929" v="260" actId="26606"/>
-          <ac:spMkLst>
-            <pc:docMk/>
-            <pc:sldMk cId="0" sldId="582"/>
-            <ac:spMk id="18" creationId="{84A8DE83-DE75-4B41-9DB4-A7EC0B0DEC0B}"/>
-          </ac:spMkLst>
-        </pc:spChg>
-        <pc:spChg chg="add del">
-          <ac:chgData name="Maier Jonas" userId="7666355e-4653-4ebb-8919-ad48818e94dc" providerId="ADAL" clId="{D2A41A89-B5C4-4509-8FDC-C2DBACA13337}" dt="2024-05-21T19:40:22.929" v="260" actId="26606"/>
-          <ac:spMkLst>
-            <pc:docMk/>
-            <pc:sldMk cId="0" sldId="582"/>
-            <ac:spMk id="20" creationId="{A7009A0A-BEF5-4EAC-AF15-E4F9F002E239}"/>
-          </ac:spMkLst>
-        </pc:spChg>
-        <pc:graphicFrameChg chg="mod modGraphic">
-          <ac:chgData name="Maier Jonas" userId="7666355e-4653-4ebb-8919-ad48818e94dc" providerId="ADAL" clId="{D2A41A89-B5C4-4509-8FDC-C2DBACA13337}" dt="2024-05-21T19:40:22.929" v="260" actId="26606"/>
-          <ac:graphicFrameMkLst>
-            <pc:docMk/>
-            <pc:sldMk cId="0" sldId="582"/>
-            <ac:graphicFrameMk id="4" creationId="{00000000-0000-0000-0000-000000000000}"/>
-          </ac:graphicFrameMkLst>
-        </pc:graphicFrameChg>
-      </pc:sldChg>
-      <pc:sldChg chg="addSp delSp modSp mod setBg">
-        <pc:chgData name="Maier Jonas" userId="7666355e-4653-4ebb-8919-ad48818e94dc" providerId="ADAL" clId="{D2A41A89-B5C4-4509-8FDC-C2DBACA13337}" dt="2024-05-21T19:54:56.681" v="430"/>
-        <pc:sldMkLst>
-          <pc:docMk/>
-          <pc:sldMk cId="0" sldId="583"/>
-        </pc:sldMkLst>
-        <pc:spChg chg="mod">
-          <ac:chgData name="Maier Jonas" userId="7666355e-4653-4ebb-8919-ad48818e94dc" providerId="ADAL" clId="{D2A41A89-B5C4-4509-8FDC-C2DBACA13337}" dt="2024-05-21T19:40:44.127" v="262" actId="26606"/>
-          <ac:spMkLst>
-            <pc:docMk/>
-            <pc:sldMk cId="0" sldId="583"/>
-            <ac:spMk id="2" creationId="{00000000-0000-0000-0000-000000000000}"/>
-          </ac:spMkLst>
-        </pc:spChg>
-        <pc:spChg chg="del mod">
-          <ac:chgData name="Maier Jonas" userId="7666355e-4653-4ebb-8919-ad48818e94dc" providerId="ADAL" clId="{D2A41A89-B5C4-4509-8FDC-C2DBACA13337}" dt="2024-05-21T19:54:56.681" v="430"/>
-          <ac:spMkLst>
-            <pc:docMk/>
-            <pc:sldMk cId="0" sldId="583"/>
-            <ac:spMk id="5" creationId="{00000000-0000-0000-0000-000000000000}"/>
-          </ac:spMkLst>
-        </pc:spChg>
-        <pc:spChg chg="mod">
-          <ac:chgData name="Maier Jonas" userId="7666355e-4653-4ebb-8919-ad48818e94dc" providerId="ADAL" clId="{D2A41A89-B5C4-4509-8FDC-C2DBACA13337}" dt="2024-05-21T19:40:44.127" v="262" actId="26606"/>
-          <ac:spMkLst>
-            <pc:docMk/>
-            <pc:sldMk cId="0" sldId="583"/>
-            <ac:spMk id="8" creationId="{00000000-0000-0000-0000-000000000000}"/>
-          </ac:spMkLst>
-        </pc:spChg>
-        <pc:spChg chg="mod">
-          <ac:chgData name="Maier Jonas" userId="7666355e-4653-4ebb-8919-ad48818e94dc" providerId="ADAL" clId="{D2A41A89-B5C4-4509-8FDC-C2DBACA13337}" dt="2024-05-21T19:40:44.127" v="262" actId="26606"/>
-          <ac:spMkLst>
-            <pc:docMk/>
-            <pc:sldMk cId="0" sldId="583"/>
-            <ac:spMk id="9" creationId="{00000000-0000-0000-0000-000000000000}"/>
-          </ac:spMkLst>
-        </pc:spChg>
-        <pc:spChg chg="add del">
-          <ac:chgData name="Maier Jonas" userId="7666355e-4653-4ebb-8919-ad48818e94dc" providerId="ADAL" clId="{D2A41A89-B5C4-4509-8FDC-C2DBACA13337}" dt="2024-05-21T19:40:44.127" v="262" actId="26606"/>
-          <ac:spMkLst>
-            <pc:docMk/>
-            <pc:sldMk cId="0" sldId="583"/>
-            <ac:spMk id="15" creationId="{C0763A76-9F1C-4FC5-82B7-DD475DA461B2}"/>
-          </ac:spMkLst>
-        </pc:spChg>
-        <pc:spChg chg="add del">
-          <ac:chgData name="Maier Jonas" userId="7666355e-4653-4ebb-8919-ad48818e94dc" providerId="ADAL" clId="{D2A41A89-B5C4-4509-8FDC-C2DBACA13337}" dt="2024-05-21T19:40:44.127" v="262" actId="26606"/>
-          <ac:spMkLst>
-            <pc:docMk/>
-            <pc:sldMk cId="0" sldId="583"/>
-            <ac:spMk id="17" creationId="{E81BF4F6-F2CF-4984-9D14-D6966D92F99F}"/>
-          </ac:spMkLst>
-        </pc:spChg>
-        <pc:picChg chg="add del">
-          <ac:chgData name="Maier Jonas" userId="7666355e-4653-4ebb-8919-ad48818e94dc" providerId="ADAL" clId="{D2A41A89-B5C4-4509-8FDC-C2DBACA13337}" dt="2024-05-21T19:40:44.127" v="262" actId="26606"/>
-          <ac:picMkLst>
-            <pc:docMk/>
-            <pc:sldMk cId="0" sldId="583"/>
-            <ac:picMk id="11" creationId="{02044735-F653-2F83-5407-9A19C9DA9989}"/>
-          </ac:picMkLst>
-        </pc:picChg>
-      </pc:sldChg>
-      <pc:sldChg chg="addSp delSp modSp mod setBg">
-        <pc:chgData name="Maier Jonas" userId="7666355e-4653-4ebb-8919-ad48818e94dc" providerId="ADAL" clId="{D2A41A89-B5C4-4509-8FDC-C2DBACA13337}" dt="2024-05-21T20:06:10.561" v="512" actId="26606"/>
-        <pc:sldMkLst>
-          <pc:docMk/>
-          <pc:sldMk cId="0" sldId="584"/>
-        </pc:sldMkLst>
-        <pc:spChg chg="mod">
-          <ac:chgData name="Maier Jonas" userId="7666355e-4653-4ebb-8919-ad48818e94dc" providerId="ADAL" clId="{D2A41A89-B5C4-4509-8FDC-C2DBACA13337}" dt="2024-05-21T20:06:10.561" v="512" actId="26606"/>
-          <ac:spMkLst>
-            <pc:docMk/>
-            <pc:sldMk cId="0" sldId="584"/>
-            <ac:spMk id="2" creationId="{00000000-0000-0000-0000-000000000000}"/>
-          </ac:spMkLst>
-        </pc:spChg>
-        <pc:spChg chg="mod ord">
-          <ac:chgData name="Maier Jonas" userId="7666355e-4653-4ebb-8919-ad48818e94dc" providerId="ADAL" clId="{D2A41A89-B5C4-4509-8FDC-C2DBACA13337}" dt="2024-05-21T20:06:10.561" v="512" actId="26606"/>
-          <ac:spMkLst>
-            <pc:docMk/>
-            <pc:sldMk cId="0" sldId="584"/>
-            <ac:spMk id="5" creationId="{00000000-0000-0000-0000-000000000000}"/>
-          </ac:spMkLst>
-        </pc:spChg>
-        <pc:spChg chg="mod">
-          <ac:chgData name="Maier Jonas" userId="7666355e-4653-4ebb-8919-ad48818e94dc" providerId="ADAL" clId="{D2A41A89-B5C4-4509-8FDC-C2DBACA13337}" dt="2024-05-21T20:06:10.561" v="512" actId="26606"/>
-          <ac:spMkLst>
-            <pc:docMk/>
-            <pc:sldMk cId="0" sldId="584"/>
-            <ac:spMk id="8" creationId="{00000000-0000-0000-0000-000000000000}"/>
-          </ac:spMkLst>
-        </pc:spChg>
-        <pc:spChg chg="mod">
-          <ac:chgData name="Maier Jonas" userId="7666355e-4653-4ebb-8919-ad48818e94dc" providerId="ADAL" clId="{D2A41A89-B5C4-4509-8FDC-C2DBACA13337}" dt="2024-05-21T20:06:10.561" v="512" actId="26606"/>
-          <ac:spMkLst>
-            <pc:docMk/>
-            <pc:sldMk cId="0" sldId="584"/>
-            <ac:spMk id="9" creationId="{00000000-0000-0000-0000-000000000000}"/>
-          </ac:spMkLst>
-        </pc:spChg>
-        <pc:spChg chg="add del">
-          <ac:chgData name="Maier Jonas" userId="7666355e-4653-4ebb-8919-ad48818e94dc" providerId="ADAL" clId="{D2A41A89-B5C4-4509-8FDC-C2DBACA13337}" dt="2024-05-21T20:06:10.561" v="512" actId="26606"/>
-          <ac:spMkLst>
-            <pc:docMk/>
-            <pc:sldMk cId="0" sldId="584"/>
-            <ac:spMk id="15" creationId="{C4285719-470E-454C-AF62-8323075F1F5B}"/>
-          </ac:spMkLst>
-        </pc:spChg>
-        <pc:spChg chg="add del">
-          <ac:chgData name="Maier Jonas" userId="7666355e-4653-4ebb-8919-ad48818e94dc" providerId="ADAL" clId="{D2A41A89-B5C4-4509-8FDC-C2DBACA13337}" dt="2024-05-21T19:42:05.299" v="264" actId="26606"/>
-          <ac:spMkLst>
-            <pc:docMk/>
-            <pc:sldMk cId="0" sldId="584"/>
-            <ac:spMk id="16" creationId="{E8DA6235-17F2-4C9E-88C6-C5D38D8D3C03}"/>
-          </ac:spMkLst>
-        </pc:spChg>
-        <pc:spChg chg="add del">
-          <ac:chgData name="Maier Jonas" userId="7666355e-4653-4ebb-8919-ad48818e94dc" providerId="ADAL" clId="{D2A41A89-B5C4-4509-8FDC-C2DBACA13337}" dt="2024-05-21T19:42:05.299" v="264" actId="26606"/>
-          <ac:spMkLst>
-            <pc:docMk/>
-            <pc:sldMk cId="0" sldId="584"/>
-            <ac:spMk id="18" creationId="{51F77B6A-7F53-4B28-B73D-C8CC899AB221}"/>
-          </ac:spMkLst>
-        </pc:spChg>
-        <pc:spChg chg="add del">
-          <ac:chgData name="Maier Jonas" userId="7666355e-4653-4ebb-8919-ad48818e94dc" providerId="ADAL" clId="{D2A41A89-B5C4-4509-8FDC-C2DBACA13337}" dt="2024-05-21T20:06:10.561" v="512" actId="26606"/>
-          <ac:spMkLst>
-            <pc:docMk/>
-            <pc:sldMk cId="0" sldId="584"/>
-            <ac:spMk id="19" creationId="{CD9FE4EF-C4D8-49A0-B2FF-81D8DB7D8A24}"/>
-          </ac:spMkLst>
-        </pc:spChg>
-        <pc:spChg chg="add del">
-          <ac:chgData name="Maier Jonas" userId="7666355e-4653-4ebb-8919-ad48818e94dc" providerId="ADAL" clId="{D2A41A89-B5C4-4509-8FDC-C2DBACA13337}" dt="2024-05-21T20:06:10.561" v="512" actId="26606"/>
-          <ac:spMkLst>
-            <pc:docMk/>
-            <pc:sldMk cId="0" sldId="584"/>
-            <ac:spMk id="22" creationId="{4300840D-0A0B-4512-BACA-B439D5B9C57C}"/>
-          </ac:spMkLst>
-        </pc:spChg>
-        <pc:spChg chg="add del">
-          <ac:chgData name="Maier Jonas" userId="7666355e-4653-4ebb-8919-ad48818e94dc" providerId="ADAL" clId="{D2A41A89-B5C4-4509-8FDC-C2DBACA13337}" dt="2024-05-21T20:06:10.561" v="512" actId="26606"/>
-          <ac:spMkLst>
-            <pc:docMk/>
-            <pc:sldMk cId="0" sldId="584"/>
-            <ac:spMk id="23" creationId="{D2B78728-A580-49A7-84F9-6EF6F583ADE0}"/>
-          </ac:spMkLst>
-        </pc:spChg>
-        <pc:spChg chg="add del">
-          <ac:chgData name="Maier Jonas" userId="7666355e-4653-4ebb-8919-ad48818e94dc" providerId="ADAL" clId="{D2A41A89-B5C4-4509-8FDC-C2DBACA13337}" dt="2024-05-21T19:42:05.299" v="264" actId="26606"/>
-          <ac:spMkLst>
-            <pc:docMk/>
-            <pc:sldMk cId="0" sldId="584"/>
-            <ac:spMk id="24" creationId="{F6E412EF-CF39-4C25-85B0-DB30B1B0A8C4}"/>
-          </ac:spMkLst>
-        </pc:spChg>
-        <pc:spChg chg="add del">
-          <ac:chgData name="Maier Jonas" userId="7666355e-4653-4ebb-8919-ad48818e94dc" providerId="ADAL" clId="{D2A41A89-B5C4-4509-8FDC-C2DBACA13337}" dt="2024-05-21T20:06:10.561" v="512" actId="26606"/>
-          <ac:spMkLst>
-            <pc:docMk/>
-            <pc:sldMk cId="0" sldId="584"/>
-            <ac:spMk id="25" creationId="{38FAA1A1-D861-433F-88FA-1E9D6FD31D11}"/>
-          </ac:spMkLst>
-        </pc:spChg>
-        <pc:spChg chg="add del">
-          <ac:chgData name="Maier Jonas" userId="7666355e-4653-4ebb-8919-ad48818e94dc" providerId="ADAL" clId="{D2A41A89-B5C4-4509-8FDC-C2DBACA13337}" dt="2024-05-21T20:06:10.561" v="512" actId="26606"/>
-          <ac:spMkLst>
-            <pc:docMk/>
-            <pc:sldMk cId="0" sldId="584"/>
-            <ac:spMk id="27" creationId="{8D71EDA1-87BF-4D5D-AB79-F346FD19278A}"/>
-          </ac:spMkLst>
-        </pc:spChg>
-        <pc:spChg chg="add del">
-          <ac:chgData name="Maier Jonas" userId="7666355e-4653-4ebb-8919-ad48818e94dc" providerId="ADAL" clId="{D2A41A89-B5C4-4509-8FDC-C2DBACA13337}" dt="2024-05-21T19:42:05.299" v="264" actId="26606"/>
-          <ac:spMkLst>
-            <pc:docMk/>
-            <pc:sldMk cId="0" sldId="584"/>
-            <ac:spMk id="28" creationId="{B55DEF71-1741-4489-8E77-46FC5BAA66E2}"/>
-          </ac:spMkLst>
-        </pc:spChg>
-        <pc:spChg chg="add del">
-          <ac:chgData name="Maier Jonas" userId="7666355e-4653-4ebb-8919-ad48818e94dc" providerId="ADAL" clId="{D2A41A89-B5C4-4509-8FDC-C2DBACA13337}" dt="2024-05-21T19:42:05.299" v="264" actId="26606"/>
-          <ac:spMkLst>
-            <pc:docMk/>
-            <pc:sldMk cId="0" sldId="584"/>
-            <ac:spMk id="30" creationId="{82347B6D-A7CC-48EB-861F-917D0D61E3EA}"/>
-          </ac:spMkLst>
-        </pc:spChg>
-        <pc:spChg chg="add del">
-          <ac:chgData name="Maier Jonas" userId="7666355e-4653-4ebb-8919-ad48818e94dc" providerId="ADAL" clId="{D2A41A89-B5C4-4509-8FDC-C2DBACA13337}" dt="2024-05-21T19:42:05.299" v="264" actId="26606"/>
-          <ac:spMkLst>
-            <pc:docMk/>
-            <pc:sldMk cId="0" sldId="584"/>
-            <ac:spMk id="32" creationId="{A7A0A46D-CC9B-4E32-870A-7BC2DF940144}"/>
-          </ac:spMkLst>
-        </pc:spChg>
-        <pc:spChg chg="add del">
-          <ac:chgData name="Maier Jonas" userId="7666355e-4653-4ebb-8919-ad48818e94dc" providerId="ADAL" clId="{D2A41A89-B5C4-4509-8FDC-C2DBACA13337}" dt="2024-05-21T19:42:05.299" v="264" actId="26606"/>
-          <ac:spMkLst>
-            <pc:docMk/>
-            <pc:sldMk cId="0" sldId="584"/>
-            <ac:spMk id="34" creationId="{9178722E-1BD0-427E-BAAE-4F206DAB5818}"/>
-          </ac:spMkLst>
-        </pc:spChg>
-        <pc:spChg chg="add del">
-          <ac:chgData name="Maier Jonas" userId="7666355e-4653-4ebb-8919-ad48818e94dc" providerId="ADAL" clId="{D2A41A89-B5C4-4509-8FDC-C2DBACA13337}" dt="2024-05-21T19:42:05.299" v="264" actId="26606"/>
-          <ac:spMkLst>
-            <pc:docMk/>
-            <pc:sldMk cId="0" sldId="584"/>
-            <ac:spMk id="36" creationId="{A753B935-E3DD-466D-BFAC-68E0BE02D092}"/>
-          </ac:spMkLst>
-        </pc:spChg>
-        <pc:spChg chg="add del">
-          <ac:chgData name="Maier Jonas" userId="7666355e-4653-4ebb-8919-ad48818e94dc" providerId="ADAL" clId="{D2A41A89-B5C4-4509-8FDC-C2DBACA13337}" dt="2024-05-21T19:42:05.299" v="264" actId="26606"/>
-          <ac:spMkLst>
-            <pc:docMk/>
-            <pc:sldMk cId="0" sldId="584"/>
-            <ac:spMk id="38" creationId="{FB034F26-4148-4B59-B493-14D7A9A8BAA9}"/>
-          </ac:spMkLst>
-        </pc:spChg>
-        <pc:grpChg chg="add del">
-          <ac:chgData name="Maier Jonas" userId="7666355e-4653-4ebb-8919-ad48818e94dc" providerId="ADAL" clId="{D2A41A89-B5C4-4509-8FDC-C2DBACA13337}" dt="2024-05-21T19:42:05.299" v="264" actId="26606"/>
-          <ac:grpSpMkLst>
-            <pc:docMk/>
-            <pc:sldMk cId="0" sldId="584"/>
-            <ac:grpSpMk id="20" creationId="{2515629F-0D83-4A44-A125-CD50FC660AB4}"/>
-          </ac:grpSpMkLst>
-        </pc:grpChg>
-        <pc:grpChg chg="add del">
-          <ac:chgData name="Maier Jonas" userId="7666355e-4653-4ebb-8919-ad48818e94dc" providerId="ADAL" clId="{D2A41A89-B5C4-4509-8FDC-C2DBACA13337}" dt="2024-05-21T19:42:05.299" v="264" actId="26606"/>
-          <ac:grpSpMkLst>
-            <pc:docMk/>
-            <pc:sldMk cId="0" sldId="584"/>
-            <ac:grpSpMk id="40" creationId="{5E6BB5FD-DB7B-4BE3-BA45-1EF042115ED5}"/>
-          </ac:grpSpMkLst>
-        </pc:grpChg>
-        <pc:graphicFrameChg chg="add mod">
-          <ac:chgData name="Maier Jonas" userId="7666355e-4653-4ebb-8919-ad48818e94dc" providerId="ADAL" clId="{D2A41A89-B5C4-4509-8FDC-C2DBACA13337}" dt="2024-05-21T20:06:10.561" v="512" actId="26606"/>
-          <ac:graphicFrameMkLst>
-            <pc:docMk/>
-            <pc:sldMk cId="0" sldId="584"/>
-            <ac:graphicFrameMk id="13" creationId="{9E12512A-DE21-6949-55AE-08FB35907634}"/>
-          </ac:graphicFrameMkLst>
-        </pc:graphicFrameChg>
-      </pc:sldChg>
-      <pc:sldChg chg="addSp delSp modSp new mod ord setBg addAnim">
-        <pc:chgData name="Maier Jonas" userId="7666355e-4653-4ebb-8919-ad48818e94dc" providerId="ADAL" clId="{D2A41A89-B5C4-4509-8FDC-C2DBACA13337}" dt="2024-05-21T19:53:49.849" v="418"/>
-        <pc:sldMkLst>
-          <pc:docMk/>
-          <pc:sldMk cId="2097204490" sldId="585"/>
-        </pc:sldMkLst>
-        <pc:spChg chg="mod">
-          <ac:chgData name="Maier Jonas" userId="7666355e-4653-4ebb-8919-ad48818e94dc" providerId="ADAL" clId="{D2A41A89-B5C4-4509-8FDC-C2DBACA13337}" dt="2024-05-21T19:52:55.919" v="397" actId="20577"/>
-          <ac:spMkLst>
-            <pc:docMk/>
-            <pc:sldMk cId="2097204490" sldId="585"/>
-            <ac:spMk id="2" creationId="{FB163EE3-72FE-3CAA-96EB-B250B091CCBC}"/>
-          </ac:spMkLst>
-        </pc:spChg>
-        <pc:spChg chg="mod">
-          <ac:chgData name="Maier Jonas" userId="7666355e-4653-4ebb-8919-ad48818e94dc" providerId="ADAL" clId="{D2A41A89-B5C4-4509-8FDC-C2DBACA13337}" dt="2024-05-21T19:34:52.580" v="88" actId="26606"/>
-          <ac:spMkLst>
-            <pc:docMk/>
-            <pc:sldMk cId="2097204490" sldId="585"/>
-            <ac:spMk id="3" creationId="{47D9AC8C-6BB7-664C-9D81-4748E5F0C461}"/>
-          </ac:spMkLst>
-        </pc:spChg>
-        <pc:spChg chg="add del mod">
-          <ac:chgData name="Maier Jonas" userId="7666355e-4653-4ebb-8919-ad48818e94dc" providerId="ADAL" clId="{D2A41A89-B5C4-4509-8FDC-C2DBACA13337}" dt="2024-05-21T19:53:46.306" v="414" actId="478"/>
-          <ac:spMkLst>
-            <pc:docMk/>
-            <pc:sldMk cId="2097204490" sldId="585"/>
-            <ac:spMk id="4" creationId="{686E196F-A6D8-CAB3-961B-69F127CF0C4C}"/>
-          </ac:spMkLst>
-        </pc:spChg>
-        <pc:spChg chg="add del">
-          <ac:chgData name="Maier Jonas" userId="7666355e-4653-4ebb-8919-ad48818e94dc" providerId="ADAL" clId="{D2A41A89-B5C4-4509-8FDC-C2DBACA13337}" dt="2024-05-21T19:34:52.580" v="88" actId="26606"/>
-          <ac:spMkLst>
-            <pc:docMk/>
-            <pc:sldMk cId="2097204490" sldId="585"/>
-            <ac:spMk id="1033" creationId="{E91DC736-0EF8-4F87-9146-EBF1D2EE4D3D}"/>
-          </ac:spMkLst>
-        </pc:spChg>
-        <pc:spChg chg="add del">
-          <ac:chgData name="Maier Jonas" userId="7666355e-4653-4ebb-8919-ad48818e94dc" providerId="ADAL" clId="{D2A41A89-B5C4-4509-8FDC-C2DBACA13337}" dt="2024-05-21T19:34:52.580" v="88" actId="26606"/>
-          <ac:spMkLst>
-            <pc:docMk/>
-            <pc:sldMk cId="2097204490" sldId="585"/>
-            <ac:spMk id="1035" creationId="{097CD68E-23E3-4007-8847-CD0944C4F7BE}"/>
-          </ac:spMkLst>
-        </pc:spChg>
-        <pc:spChg chg="add del">
-          <ac:chgData name="Maier Jonas" userId="7666355e-4653-4ebb-8919-ad48818e94dc" providerId="ADAL" clId="{D2A41A89-B5C4-4509-8FDC-C2DBACA13337}" dt="2024-05-21T19:34:52.580" v="88" actId="26606"/>
-          <ac:spMkLst>
-            <pc:docMk/>
-            <pc:sldMk cId="2097204490" sldId="585"/>
-            <ac:spMk id="1037" creationId="{AF2F604E-43BE-4DC3-B983-E071523364F8}"/>
-          </ac:spMkLst>
-        </pc:spChg>
-        <pc:spChg chg="add del">
-          <ac:chgData name="Maier Jonas" userId="7666355e-4653-4ebb-8919-ad48818e94dc" providerId="ADAL" clId="{D2A41A89-B5C4-4509-8FDC-C2DBACA13337}" dt="2024-05-21T19:34:52.580" v="88" actId="26606"/>
-          <ac:spMkLst>
-            <pc:docMk/>
-            <pc:sldMk cId="2097204490" sldId="585"/>
-            <ac:spMk id="1039" creationId="{08C9B587-E65E-4B52-B37C-ABEBB6E87928}"/>
-          </ac:spMkLst>
-        </pc:spChg>
-        <pc:spChg chg="add del">
-          <ac:chgData name="Maier Jonas" userId="7666355e-4653-4ebb-8919-ad48818e94dc" providerId="ADAL" clId="{D2A41A89-B5C4-4509-8FDC-C2DBACA13337}" dt="2024-05-21T19:53:49.848" v="416" actId="26606"/>
-          <ac:spMkLst>
-            <pc:docMk/>
-            <pc:sldMk cId="2097204490" sldId="585"/>
-            <ac:spMk id="1044" creationId="{0671A8AE-40A1-4631-A6B8-581AFF065482}"/>
-          </ac:spMkLst>
-        </pc:spChg>
-        <pc:spChg chg="add del">
-          <ac:chgData name="Maier Jonas" userId="7666355e-4653-4ebb-8919-ad48818e94dc" providerId="ADAL" clId="{D2A41A89-B5C4-4509-8FDC-C2DBACA13337}" dt="2024-05-21T19:53:49.848" v="416" actId="26606"/>
-          <ac:spMkLst>
-            <pc:docMk/>
-            <pc:sldMk cId="2097204490" sldId="585"/>
-            <ac:spMk id="1046" creationId="{AB58EF07-17C2-48CF-ABB0-EEF1F17CB8F0}"/>
-          </ac:spMkLst>
-        </pc:spChg>
-        <pc:spChg chg="add del">
-          <ac:chgData name="Maier Jonas" userId="7666355e-4653-4ebb-8919-ad48818e94dc" providerId="ADAL" clId="{D2A41A89-B5C4-4509-8FDC-C2DBACA13337}" dt="2024-05-21T19:53:49.848" v="416" actId="26606"/>
-          <ac:spMkLst>
-            <pc:docMk/>
-            <pc:sldMk cId="2097204490" sldId="585"/>
-            <ac:spMk id="1048" creationId="{AF2F604E-43BE-4DC3-B983-E071523364F8}"/>
-          </ac:spMkLst>
-        </pc:spChg>
-        <pc:spChg chg="add del">
-          <ac:chgData name="Maier Jonas" userId="7666355e-4653-4ebb-8919-ad48818e94dc" providerId="ADAL" clId="{D2A41A89-B5C4-4509-8FDC-C2DBACA13337}" dt="2024-05-21T19:53:49.848" v="416" actId="26606"/>
-          <ac:spMkLst>
-            <pc:docMk/>
-            <pc:sldMk cId="2097204490" sldId="585"/>
-            <ac:spMk id="1050" creationId="{08C9B587-E65E-4B52-B37C-ABEBB6E87928}"/>
-          </ac:spMkLst>
-        </pc:spChg>
-        <pc:spChg chg="add">
-          <ac:chgData name="Maier Jonas" userId="7666355e-4653-4ebb-8919-ad48818e94dc" providerId="ADAL" clId="{D2A41A89-B5C4-4509-8FDC-C2DBACA13337}" dt="2024-05-21T19:53:49.848" v="416" actId="26606"/>
-          <ac:spMkLst>
-            <pc:docMk/>
-            <pc:sldMk cId="2097204490" sldId="585"/>
-            <ac:spMk id="1055" creationId="{0671A8AE-40A1-4631-A6B8-581AFF065482}"/>
-          </ac:spMkLst>
-        </pc:spChg>
-        <pc:spChg chg="add">
-          <ac:chgData name="Maier Jonas" userId="7666355e-4653-4ebb-8919-ad48818e94dc" providerId="ADAL" clId="{D2A41A89-B5C4-4509-8FDC-C2DBACA13337}" dt="2024-05-21T19:53:49.848" v="416" actId="26606"/>
-          <ac:spMkLst>
-            <pc:docMk/>
-            <pc:sldMk cId="2097204490" sldId="585"/>
-            <ac:spMk id="1057" creationId="{AB58EF07-17C2-48CF-ABB0-EEF1F17CB8F0}"/>
-          </ac:spMkLst>
-        </pc:spChg>
-        <pc:spChg chg="add">
-          <ac:chgData name="Maier Jonas" userId="7666355e-4653-4ebb-8919-ad48818e94dc" providerId="ADAL" clId="{D2A41A89-B5C4-4509-8FDC-C2DBACA13337}" dt="2024-05-21T19:53:49.848" v="416" actId="26606"/>
-          <ac:spMkLst>
-            <pc:docMk/>
-            <pc:sldMk cId="2097204490" sldId="585"/>
-            <ac:spMk id="1059" creationId="{AF2F604E-43BE-4DC3-B983-E071523364F8}"/>
-          </ac:spMkLst>
-        </pc:spChg>
-        <pc:spChg chg="add">
-          <ac:chgData name="Maier Jonas" userId="7666355e-4653-4ebb-8919-ad48818e94dc" providerId="ADAL" clId="{D2A41A89-B5C4-4509-8FDC-C2DBACA13337}" dt="2024-05-21T19:53:49.848" v="416" actId="26606"/>
-          <ac:spMkLst>
-            <pc:docMk/>
-            <pc:sldMk cId="2097204490" sldId="585"/>
-            <ac:spMk id="1061" creationId="{08C9B587-E65E-4B52-B37C-ABEBB6E87928}"/>
-          </ac:spMkLst>
-        </pc:spChg>
-        <pc:picChg chg="add del">
-          <ac:chgData name="Maier Jonas" userId="7666355e-4653-4ebb-8919-ad48818e94dc" providerId="ADAL" clId="{D2A41A89-B5C4-4509-8FDC-C2DBACA13337}" dt="2024-05-21T19:33:14.037" v="12" actId="478"/>
-          <ac:picMkLst>
-            <pc:docMk/>
-            <pc:sldMk cId="2097204490" sldId="585"/>
-            <ac:picMk id="1026" creationId="{4CEA0EFF-5368-26BA-2D42-1251F8003509}"/>
-          </ac:picMkLst>
-        </pc:picChg>
-        <pc:picChg chg="add del mod ord">
-          <ac:chgData name="Maier Jonas" userId="7666355e-4653-4ebb-8919-ad48818e94dc" providerId="ADAL" clId="{D2A41A89-B5C4-4509-8FDC-C2DBACA13337}" dt="2024-05-21T19:53:37.314" v="410" actId="478"/>
-          <ac:picMkLst>
-            <pc:docMk/>
-            <pc:sldMk cId="2097204490" sldId="585"/>
-            <ac:picMk id="1028" creationId="{F177B6BB-CE6E-D8E9-99B4-33F5A5B3E001}"/>
-          </ac:picMkLst>
-        </pc:picChg>
-        <pc:picChg chg="add mod ord">
-          <ac:chgData name="Maier Jonas" userId="7666355e-4653-4ebb-8919-ad48818e94dc" providerId="ADAL" clId="{D2A41A89-B5C4-4509-8FDC-C2DBACA13337}" dt="2024-05-21T19:53:49.848" v="416" actId="26606"/>
-          <ac:picMkLst>
-            <pc:docMk/>
-            <pc:sldMk cId="2097204490" sldId="585"/>
-            <ac:picMk id="1030" creationId="{8FF43E9F-30E3-94E6-38C3-B4FFF04975EF}"/>
-          </ac:picMkLst>
-        </pc:picChg>
-      </pc:sldChg>
-      <pc:sldChg chg="addSp modSp new mod">
-        <pc:chgData name="Maier Jonas" userId="7666355e-4653-4ebb-8919-ad48818e94dc" providerId="ADAL" clId="{D2A41A89-B5C4-4509-8FDC-C2DBACA13337}" dt="2024-05-21T20:02:07.033" v="510" actId="14100"/>
-        <pc:sldMkLst>
-          <pc:docMk/>
-          <pc:sldMk cId="1034016627" sldId="586"/>
-        </pc:sldMkLst>
-        <pc:spChg chg="mod">
-          <ac:chgData name="Maier Jonas" userId="7666355e-4653-4ebb-8919-ad48818e94dc" providerId="ADAL" clId="{D2A41A89-B5C4-4509-8FDC-C2DBACA13337}" dt="2024-05-21T19:55:35.790" v="485" actId="20577"/>
-          <ac:spMkLst>
-            <pc:docMk/>
-            <pc:sldMk cId="1034016627" sldId="586"/>
-            <ac:spMk id="2" creationId="{1BBE5E14-5A2E-DB88-E2CB-50128487CA6A}"/>
-          </ac:spMkLst>
-        </pc:spChg>
-        <pc:picChg chg="add mod modCrop">
-          <ac:chgData name="Maier Jonas" userId="7666355e-4653-4ebb-8919-ad48818e94dc" providerId="ADAL" clId="{D2A41A89-B5C4-4509-8FDC-C2DBACA13337}" dt="2024-05-21T19:56:38.364" v="499" actId="14100"/>
-          <ac:picMkLst>
-            <pc:docMk/>
-            <pc:sldMk cId="1034016627" sldId="586"/>
-            <ac:picMk id="6" creationId="{19E9F3C3-E183-6452-4113-BC570D1EC78D}"/>
-          </ac:picMkLst>
-        </pc:picChg>
-        <pc:picChg chg="add mod">
-          <ac:chgData name="Maier Jonas" userId="7666355e-4653-4ebb-8919-ad48818e94dc" providerId="ADAL" clId="{D2A41A89-B5C4-4509-8FDC-C2DBACA13337}" dt="2024-05-21T20:02:07.033" v="510" actId="14100"/>
-          <ac:picMkLst>
-            <pc:docMk/>
-            <pc:sldMk cId="1034016627" sldId="586"/>
-            <ac:picMk id="8" creationId="{1D55DFC3-B24A-3FA4-1ACA-293B33115A6B}"/>
-          </ac:picMkLst>
-        </pc:picChg>
-      </pc:sldChg>
-      <pc:sldChg chg="modSp new del mod">
-        <pc:chgData name="Maier Jonas" userId="7666355e-4653-4ebb-8919-ad48818e94dc" providerId="ADAL" clId="{D2A41A89-B5C4-4509-8FDC-C2DBACA13337}" dt="2024-05-21T19:52:48.020" v="395" actId="47"/>
-        <pc:sldMkLst>
-          <pc:docMk/>
-          <pc:sldMk cId="1957692148" sldId="586"/>
-        </pc:sldMkLst>
-        <pc:spChg chg="mod">
-          <ac:chgData name="Maier Jonas" userId="7666355e-4653-4ebb-8919-ad48818e94dc" providerId="ADAL" clId="{D2A41A89-B5C4-4509-8FDC-C2DBACA13337}" dt="2024-05-21T19:47:36.560" v="394" actId="13926"/>
-          <ac:spMkLst>
-            <pc:docMk/>
-            <pc:sldMk cId="1957692148" sldId="586"/>
-            <ac:spMk id="2" creationId="{C5F293A1-5B2F-B79B-128D-988589DBBA54}"/>
-          </ac:spMkLst>
-        </pc:spChg>
-      </pc:sldChg>
-      <pc:sldMasterChg chg="addSp delSp mod">
-        <pc:chgData name="Maier Jonas" userId="7666355e-4653-4ebb-8919-ad48818e94dc" providerId="ADAL" clId="{D2A41A89-B5C4-4509-8FDC-C2DBACA13337}" dt="2024-05-21T19:32:46.862" v="10" actId="478"/>
-        <pc:sldMasterMkLst>
-          <pc:docMk/>
-          <pc:sldMasterMk cId="0" sldId="2147483648"/>
-        </pc:sldMasterMkLst>
-        <pc:spChg chg="add del">
-          <ac:chgData name="Maier Jonas" userId="7666355e-4653-4ebb-8919-ad48818e94dc" providerId="ADAL" clId="{D2A41A89-B5C4-4509-8FDC-C2DBACA13337}" dt="2024-05-21T19:32:45.623" v="9" actId="478"/>
-          <ac:spMkLst>
-            <pc:docMk/>
-            <pc:sldMasterMk cId="0" sldId="2147483648"/>
-            <ac:spMk id="8" creationId="{00000000-0000-0000-0000-000000000000}"/>
-          </ac:spMkLst>
-        </pc:spChg>
-        <pc:picChg chg="add del">
-          <ac:chgData name="Maier Jonas" userId="7666355e-4653-4ebb-8919-ad48818e94dc" providerId="ADAL" clId="{D2A41A89-B5C4-4509-8FDC-C2DBACA13337}" dt="2024-05-21T19:32:46.862" v="10" actId="478"/>
-          <ac:picMkLst>
-            <pc:docMk/>
-            <pc:sldMasterMk cId="0" sldId="2147483648"/>
-            <ac:picMk id="7" creationId="{00000000-0000-0000-0000-000000000000}"/>
-          </ac:picMkLst>
-        </pc:picChg>
-      </pc:sldMasterChg>
-    </pc:docChg>
-  </pc:docChgLst>
-  <pc:docChgLst>
-    <pc:chgData name="Maier Jonas" userId="S::jonas.maier@htl-saalfelden.at::7666355e-4653-4ebb-8919-ad48818e94dc" providerId="AD" clId="Web-{3FB2B07D-56FD-41F3-94A3-DA22A4583344}"/>
-    <pc:docChg chg="modSld">
-      <pc:chgData name="Maier Jonas" userId="S::jonas.maier@htl-saalfelden.at::7666355e-4653-4ebb-8919-ad48818e94dc" providerId="AD" clId="Web-{3FB2B07D-56FD-41F3-94A3-DA22A4583344}" dt="2024-02-28T08:41:36.175" v="124" actId="20577"/>
-      <pc:docMkLst>
-        <pc:docMk/>
-      </pc:docMkLst>
-      <pc:sldChg chg="modSp">
-        <pc:chgData name="Maier Jonas" userId="S::jonas.maier@htl-saalfelden.at::7666355e-4653-4ebb-8919-ad48818e94dc" providerId="AD" clId="Web-{3FB2B07D-56FD-41F3-94A3-DA22A4583344}" dt="2024-02-28T08:41:36.175" v="124" actId="20577"/>
-        <pc:sldMkLst>
-          <pc:docMk/>
-          <pc:sldMk cId="0" sldId="583"/>
-        </pc:sldMkLst>
-        <pc:spChg chg="mod">
-          <ac:chgData name="Maier Jonas" userId="S::jonas.maier@htl-saalfelden.at::7666355e-4653-4ebb-8919-ad48818e94dc" providerId="AD" clId="Web-{3FB2B07D-56FD-41F3-94A3-DA22A4583344}" dt="2024-02-28T08:41:36.175" v="124" actId="20577"/>
-          <ac:spMkLst>
-            <pc:docMk/>
-            <pc:sldMk cId="0" sldId="583"/>
-            <ac:spMk id="5" creationId="{00000000-0000-0000-0000-000000000000}"/>
-          </ac:spMkLst>
-        </pc:spChg>
-      </pc:sldChg>
-    </pc:docChg>
-  </pc:docChgLst>
-  <pc:docChgLst>
-    <pc:chgData clId="Web-{DED6A719-8F87-EC65-441E-339281F938B8}"/>
-    <pc:docChg chg="modSld">
-      <pc:chgData name="" userId="" providerId="" clId="Web-{DED6A719-8F87-EC65-441E-339281F938B8}" dt="2024-05-08T07:48:21.841" v="3" actId="20577"/>
-      <pc:docMkLst>
-        <pc:docMk/>
-      </pc:docMkLst>
-      <pc:sldChg chg="modSp">
-        <pc:chgData name="" userId="" providerId="" clId="Web-{DED6A719-8F87-EC65-441E-339281F938B8}" dt="2024-05-08T07:48:21.841" v="3" actId="20577"/>
-        <pc:sldMkLst>
-          <pc:docMk/>
-          <pc:sldMk cId="0" sldId="361"/>
-        </pc:sldMkLst>
-        <pc:spChg chg="mod">
-          <ac:chgData name="" userId="" providerId="" clId="Web-{DED6A719-8F87-EC65-441E-339281F938B8}" dt="2024-05-08T07:48:21.841" v="3" actId="20577"/>
-          <ac:spMkLst>
-            <pc:docMk/>
-            <pc:sldMk cId="0" sldId="361"/>
-            <ac:spMk id="4" creationId="{00000000-0000-0000-0000-000000000000}"/>
-          </ac:spMkLst>
-        </pc:spChg>
-      </pc:sldChg>
-    </pc:docChg>
-  </pc:docChgLst>
-  <pc:docChgLst>
-    <pc:chgData name="Maier Jonas" userId="S::jonas.maier@htl-saalfelden.at::7666355e-4653-4ebb-8919-ad48818e94dc" providerId="AD" clId="Web-{0817AF4B-FDB0-4F34-B080-B56C1597C60F}"/>
-    <pc:docChg chg="modSld">
-      <pc:chgData name="Maier Jonas" userId="S::jonas.maier@htl-saalfelden.at::7666355e-4653-4ebb-8919-ad48818e94dc" providerId="AD" clId="Web-{0817AF4B-FDB0-4F34-B080-B56C1597C60F}" dt="2024-03-20T07:17:01.804" v="116" actId="20577"/>
-      <pc:docMkLst>
-        <pc:docMk/>
-      </pc:docMkLst>
-      <pc:sldChg chg="modSp">
-        <pc:chgData name="Maier Jonas" userId="S::jonas.maier@htl-saalfelden.at::7666355e-4653-4ebb-8919-ad48818e94dc" providerId="AD" clId="Web-{0817AF4B-FDB0-4F34-B080-B56C1597C60F}" dt="2024-03-20T07:17:01.804" v="116" actId="20577"/>
-        <pc:sldMkLst>
-          <pc:docMk/>
-          <pc:sldMk cId="0" sldId="367"/>
-        </pc:sldMkLst>
-        <pc:spChg chg="mod">
-          <ac:chgData name="Maier Jonas" userId="S::jonas.maier@htl-saalfelden.at::7666355e-4653-4ebb-8919-ad48818e94dc" providerId="AD" clId="Web-{0817AF4B-FDB0-4F34-B080-B56C1597C60F}" dt="2024-03-20T07:17:01.804" v="116" actId="20577"/>
-          <ac:spMkLst>
-            <pc:docMk/>
-            <pc:sldMk cId="0" sldId="367"/>
-            <ac:spMk id="3" creationId="{00000000-0000-0000-0000-000000000000}"/>
-          </ac:spMkLst>
-        </pc:spChg>
-      </pc:sldChg>
-    </pc:docChg>
-  </pc:docChgLst>
-  <pc:docChgLst>
-    <pc:chgData name="Legenjovic' David" userId="f158eaf0-1167-473c-b884-84aa6febda82" providerId="ADAL" clId="{513794D7-0B92-472A-8EA0-64CE16C7D60E}"/>
-    <pc:docChg chg="undo custSel delSld modSld">
-      <pc:chgData name="Legenjovic' David" userId="f158eaf0-1167-473c-b884-84aa6febda82" providerId="ADAL" clId="{513794D7-0B92-472A-8EA0-64CE16C7D60E}" dt="2024-05-29T05:46:10.427" v="35" actId="27918"/>
-      <pc:docMkLst>
-        <pc:docMk/>
-      </pc:docMkLst>
-      <pc:sldChg chg="addSp delSp modSp mod">
-        <pc:chgData name="Legenjovic' David" userId="f158eaf0-1167-473c-b884-84aa6febda82" providerId="ADAL" clId="{513794D7-0B92-472A-8EA0-64CE16C7D60E}" dt="2024-05-22T06:09:35.076" v="9" actId="26606"/>
-        <pc:sldMkLst>
-          <pc:docMk/>
-          <pc:sldMk cId="0" sldId="367"/>
-        </pc:sldMkLst>
-        <pc:spChg chg="mod">
-          <ac:chgData name="Legenjovic' David" userId="f158eaf0-1167-473c-b884-84aa6febda82" providerId="ADAL" clId="{513794D7-0B92-472A-8EA0-64CE16C7D60E}" dt="2024-05-22T06:09:35.076" v="9" actId="26606"/>
-          <ac:spMkLst>
-            <pc:docMk/>
-            <pc:sldMk cId="0" sldId="367"/>
-            <ac:spMk id="2" creationId="{00000000-0000-0000-0000-000000000000}"/>
-          </ac:spMkLst>
-        </pc:spChg>
-        <pc:spChg chg="add del mod">
-          <ac:chgData name="Legenjovic' David" userId="f158eaf0-1167-473c-b884-84aa6febda82" providerId="ADAL" clId="{513794D7-0B92-472A-8EA0-64CE16C7D60E}" dt="2024-05-22T06:09:35.076" v="9" actId="26606"/>
-          <ac:spMkLst>
-            <pc:docMk/>
-            <pc:sldMk cId="0" sldId="367"/>
-            <ac:spMk id="3" creationId="{00000000-0000-0000-0000-000000000000}"/>
-          </ac:spMkLst>
-        </pc:spChg>
-        <pc:spChg chg="mod ord">
-          <ac:chgData name="Legenjovic' David" userId="f158eaf0-1167-473c-b884-84aa6febda82" providerId="ADAL" clId="{513794D7-0B92-472A-8EA0-64CE16C7D60E}" dt="2024-05-22T06:09:35.076" v="9" actId="26606"/>
-          <ac:spMkLst>
-            <pc:docMk/>
-            <pc:sldMk cId="0" sldId="367"/>
-            <ac:spMk id="8" creationId="{00000000-0000-0000-0000-000000000000}"/>
-          </ac:spMkLst>
-        </pc:spChg>
-        <pc:spChg chg="mod">
-          <ac:chgData name="Legenjovic' David" userId="f158eaf0-1167-473c-b884-84aa6febda82" providerId="ADAL" clId="{513794D7-0B92-472A-8EA0-64CE16C7D60E}" dt="2024-05-22T06:09:35.076" v="9" actId="26606"/>
-          <ac:spMkLst>
-            <pc:docMk/>
-            <pc:sldMk cId="0" sldId="367"/>
-            <ac:spMk id="9" creationId="{00000000-0000-0000-0000-000000000000}"/>
-          </ac:spMkLst>
-        </pc:spChg>
-        <pc:spChg chg="add del">
-          <ac:chgData name="Legenjovic' David" userId="f158eaf0-1167-473c-b884-84aa6febda82" providerId="ADAL" clId="{513794D7-0B92-472A-8EA0-64CE16C7D60E}" dt="2024-05-22T06:09:35.076" v="9" actId="26606"/>
-          <ac:spMkLst>
-            <pc:docMk/>
-            <pc:sldMk cId="0" sldId="367"/>
-            <ac:spMk id="15" creationId="{C0763A76-9F1C-4FC5-82B7-DD475DA461B2}"/>
-          </ac:spMkLst>
-        </pc:spChg>
-        <pc:spChg chg="add del">
-          <ac:chgData name="Legenjovic' David" userId="f158eaf0-1167-473c-b884-84aa6febda82" providerId="ADAL" clId="{513794D7-0B92-472A-8EA0-64CE16C7D60E}" dt="2024-05-22T06:09:35.076" v="9" actId="26606"/>
-          <ac:spMkLst>
-            <pc:docMk/>
-            <pc:sldMk cId="0" sldId="367"/>
-            <ac:spMk id="17" creationId="{E81BF4F6-F2CF-4984-9D14-D6966D92F99F}"/>
-          </ac:spMkLst>
-        </pc:spChg>
-        <pc:spChg chg="add del">
-          <ac:chgData name="Legenjovic' David" userId="f158eaf0-1167-473c-b884-84aa6febda82" providerId="ADAL" clId="{513794D7-0B92-472A-8EA0-64CE16C7D60E}" dt="2024-05-22T06:09:06.752" v="1" actId="26606"/>
-          <ac:spMkLst>
-            <pc:docMk/>
-            <pc:sldMk cId="0" sldId="367"/>
-            <ac:spMk id="22" creationId="{C4285719-470E-454C-AF62-8323075F1F5B}"/>
-          </ac:spMkLst>
-        </pc:spChg>
-        <pc:spChg chg="add del">
-          <ac:chgData name="Legenjovic' David" userId="f158eaf0-1167-473c-b884-84aa6febda82" providerId="ADAL" clId="{513794D7-0B92-472A-8EA0-64CE16C7D60E}" dt="2024-05-22T06:09:06.752" v="1" actId="26606"/>
-          <ac:spMkLst>
-            <pc:docMk/>
-            <pc:sldMk cId="0" sldId="367"/>
-            <ac:spMk id="24" creationId="{CD9FE4EF-C4D8-49A0-B2FF-81D8DB7D8A24}"/>
-          </ac:spMkLst>
-        </pc:spChg>
-        <pc:spChg chg="add del">
-          <ac:chgData name="Legenjovic' David" userId="f158eaf0-1167-473c-b884-84aa6febda82" providerId="ADAL" clId="{513794D7-0B92-472A-8EA0-64CE16C7D60E}" dt="2024-05-22T06:09:06.752" v="1" actId="26606"/>
-          <ac:spMkLst>
-            <pc:docMk/>
-            <pc:sldMk cId="0" sldId="367"/>
-            <ac:spMk id="26" creationId="{4300840D-0A0B-4512-BACA-B439D5B9C57C}"/>
-          </ac:spMkLst>
-        </pc:spChg>
-        <pc:spChg chg="add del">
-          <ac:chgData name="Legenjovic' David" userId="f158eaf0-1167-473c-b884-84aa6febda82" providerId="ADAL" clId="{513794D7-0B92-472A-8EA0-64CE16C7D60E}" dt="2024-05-22T06:09:06.752" v="1" actId="26606"/>
-          <ac:spMkLst>
-            <pc:docMk/>
-            <pc:sldMk cId="0" sldId="367"/>
-            <ac:spMk id="28" creationId="{D2B78728-A580-49A7-84F9-6EF6F583ADE0}"/>
-          </ac:spMkLst>
-        </pc:spChg>
-        <pc:spChg chg="add del">
-          <ac:chgData name="Legenjovic' David" userId="f158eaf0-1167-473c-b884-84aa6febda82" providerId="ADAL" clId="{513794D7-0B92-472A-8EA0-64CE16C7D60E}" dt="2024-05-22T06:09:06.752" v="1" actId="26606"/>
-          <ac:spMkLst>
-            <pc:docMk/>
-            <pc:sldMk cId="0" sldId="367"/>
-            <ac:spMk id="30" creationId="{38FAA1A1-D861-433F-88FA-1E9D6FD31D11}"/>
-          </ac:spMkLst>
-        </pc:spChg>
-        <pc:spChg chg="add del">
-          <ac:chgData name="Legenjovic' David" userId="f158eaf0-1167-473c-b884-84aa6febda82" providerId="ADAL" clId="{513794D7-0B92-472A-8EA0-64CE16C7D60E}" dt="2024-05-22T06:09:06.752" v="1" actId="26606"/>
-          <ac:spMkLst>
-            <pc:docMk/>
-            <pc:sldMk cId="0" sldId="367"/>
-            <ac:spMk id="32" creationId="{8D71EDA1-87BF-4D5D-AB79-F346FD19278A}"/>
-          </ac:spMkLst>
-        </pc:spChg>
-        <pc:grpChg chg="add del">
-          <ac:chgData name="Legenjovic' David" userId="f158eaf0-1167-473c-b884-84aa6febda82" providerId="ADAL" clId="{513794D7-0B92-472A-8EA0-64CE16C7D60E}" dt="2024-05-22T06:09:35.076" v="9" actId="26606"/>
-          <ac:grpSpMkLst>
-            <pc:docMk/>
-            <pc:sldMk cId="0" sldId="367"/>
-            <ac:grpSpMk id="27" creationId="{114ED94A-C85D-4CD3-4205-438D21CE6B38}"/>
-          </ac:grpSpMkLst>
-        </pc:grpChg>
-        <pc:graphicFrameChg chg="add del">
-          <ac:chgData name="Legenjovic' David" userId="f158eaf0-1167-473c-b884-84aa6febda82" providerId="ADAL" clId="{513794D7-0B92-472A-8EA0-64CE16C7D60E}" dt="2024-05-22T06:09:16.197" v="3" actId="26606"/>
-          <ac:graphicFrameMkLst>
-            <pc:docMk/>
-            <pc:sldMk cId="0" sldId="367"/>
-            <ac:graphicFrameMk id="19" creationId="{805EEE7C-FC18-928E-E579-98C537167DDB}"/>
-          </ac:graphicFrameMkLst>
-        </pc:graphicFrameChg>
-        <pc:graphicFrameChg chg="add del">
-          <ac:chgData name="Legenjovic' David" userId="f158eaf0-1167-473c-b884-84aa6febda82" providerId="ADAL" clId="{513794D7-0B92-472A-8EA0-64CE16C7D60E}" dt="2024-05-22T06:09:19.546" v="5" actId="26606"/>
-          <ac:graphicFrameMkLst>
-            <pc:docMk/>
-            <pc:sldMk cId="0" sldId="367"/>
-            <ac:graphicFrameMk id="20" creationId="{F4F78865-A2CC-4A01-3760-E0515847625D}"/>
-          </ac:graphicFrameMkLst>
-        </pc:graphicFrameChg>
-        <pc:graphicFrameChg chg="add del">
-          <ac:chgData name="Legenjovic' David" userId="f158eaf0-1167-473c-b884-84aa6febda82" providerId="ADAL" clId="{513794D7-0B92-472A-8EA0-64CE16C7D60E}" dt="2024-05-22T06:09:21.636" v="7" actId="26606"/>
-          <ac:graphicFrameMkLst>
-            <pc:docMk/>
-            <pc:sldMk cId="0" sldId="367"/>
-            <ac:graphicFrameMk id="21" creationId="{3375DDAA-76E2-7C45-C6A5-96D728CFFD97}"/>
-          </ac:graphicFrameMkLst>
-        </pc:graphicFrameChg>
-        <pc:picChg chg="mod">
-          <ac:chgData name="Legenjovic' David" userId="f158eaf0-1167-473c-b884-84aa6febda82" providerId="ADAL" clId="{513794D7-0B92-472A-8EA0-64CE16C7D60E}" dt="2024-05-22T06:09:35.076" v="9" actId="26606"/>
-          <ac:picMkLst>
-            <pc:docMk/>
-            <pc:sldMk cId="0" sldId="367"/>
-            <ac:picMk id="11" creationId="{FB3AE5E0-C281-86D1-D009-C54099BD2DCC}"/>
-          </ac:picMkLst>
-        </pc:picChg>
-      </pc:sldChg>
-      <pc:sldChg chg="mod">
-        <pc:chgData name="Legenjovic' David" userId="f158eaf0-1167-473c-b884-84aa6febda82" providerId="ADAL" clId="{513794D7-0B92-472A-8EA0-64CE16C7D60E}" dt="2024-05-29T05:46:10.427" v="35" actId="27918"/>
-        <pc:sldMkLst>
-          <pc:docMk/>
-          <pc:sldMk cId="0" sldId="570"/>
-        </pc:sldMkLst>
-      </pc:sldChg>
-      <pc:sldChg chg="mod">
-        <pc:chgData name="Legenjovic' David" userId="f158eaf0-1167-473c-b884-84aa6febda82" providerId="ADAL" clId="{513794D7-0B92-472A-8EA0-64CE16C7D60E}" dt="2024-05-23T12:38:37.187" v="22" actId="27918"/>
-        <pc:sldMkLst>
-          <pc:docMk/>
-          <pc:sldMk cId="0" sldId="584"/>
-        </pc:sldMkLst>
-      </pc:sldChg>
-      <pc:sldChg chg="delSp del mod">
-        <pc:chgData name="Legenjovic' David" userId="f158eaf0-1167-473c-b884-84aa6febda82" providerId="ADAL" clId="{513794D7-0B92-472A-8EA0-64CE16C7D60E}" dt="2024-05-23T12:40:01.150" v="23" actId="47"/>
-        <pc:sldMkLst>
-          <pc:docMk/>
-          <pc:sldMk cId="1034016627" sldId="586"/>
-        </pc:sldMkLst>
-        <pc:picChg chg="del">
-          <ac:chgData name="Legenjovic' David" userId="f158eaf0-1167-473c-b884-84aa6febda82" providerId="ADAL" clId="{513794D7-0B92-472A-8EA0-64CE16C7D60E}" dt="2024-05-23T09:39:54.601" v="20" actId="478"/>
-          <ac:picMkLst>
-            <pc:docMk/>
-            <pc:sldMk cId="1034016627" sldId="586"/>
-            <ac:picMk id="7" creationId="{057BEE34-9512-E66F-F7CA-8C509170E394}"/>
-          </ac:picMkLst>
-        </pc:picChg>
-        <pc:picChg chg="del">
-          <ac:chgData name="Legenjovic' David" userId="f158eaf0-1167-473c-b884-84aa6febda82" providerId="ADAL" clId="{513794D7-0B92-472A-8EA0-64CE16C7D60E}" dt="2024-05-23T11:38:17.667" v="21" actId="478"/>
-          <ac:picMkLst>
-            <pc:docMk/>
-            <pc:sldMk cId="1034016627" sldId="586"/>
-            <ac:picMk id="8" creationId="{057BEE34-9512-E66F-F7CA-8C509170E394}"/>
-          </ac:picMkLst>
-        </pc:picChg>
       </pc:sldChg>
     </pc:docChg>
   </pc:docChgLst>
@@ -3176,87 +1234,6 @@
             <a:ln w="19050" cap="rnd">
               <a:solidFill>
                 <a:schemeClr val="accent1"/>
-              </a:solidFill>
-              <a:round/>
-            </a:ln>
-            <a:effectLst/>
-          </c:spPr>
-          <c:marker>
-            <c:symbol val="none"/>
-          </c:marker>
-          <c:dLbls>
-            <c:delete val="1"/>
-          </c:dLbls>
-          <c:xVal>
-            <c:numRef>
-              <c:f>Tabelle1!$A$2:$A$6</c:f>
-              <c:numCache>
-                <c:formatCode>m/d/yyyy</c:formatCode>
-                <c:ptCount val="5"/>
-                <c:pt idx="0">
-                  <c:v>45406</c:v>
-                </c:pt>
-                <c:pt idx="1">
-                  <c:v>45413</c:v>
-                </c:pt>
-                <c:pt idx="2">
-                  <c:v>45420</c:v>
-                </c:pt>
-                <c:pt idx="3">
-                  <c:v>45427</c:v>
-                </c:pt>
-                <c:pt idx="4">
-                  <c:v>45434</c:v>
-                </c:pt>
-              </c:numCache>
-            </c:numRef>
-          </c:xVal>
-          <c:yVal>
-            <c:numRef>
-              <c:f>Tabelle1!$C$2:$C$5</c:f>
-              <c:numCache>
-                <c:formatCode>General</c:formatCode>
-                <c:ptCount val="4"/>
-                <c:pt idx="0">
-                  <c:v>56</c:v>
-                </c:pt>
-                <c:pt idx="1">
-                  <c:v>42</c:v>
-                </c:pt>
-                <c:pt idx="2">
-                  <c:v>28</c:v>
-                </c:pt>
-                <c:pt idx="3">
-                  <c:v>14</c:v>
-                </c:pt>
-              </c:numCache>
-            </c:numRef>
-          </c:yVal>
-          <c:smooth val="0"/>
-          <c:extLst>
-            <c:ext xmlns:c16="http://schemas.microsoft.com/office/drawing/2014/chart" uri="{C3380CC4-5D6E-409C-BE32-E72D297353CC}">
-              <c16:uniqueId val="{00000000-4206-49A1-B809-700B1DB71C25}"/>
-            </c:ext>
-          </c:extLst>
-        </c:ser>
-        <c:ser>
-          <c:idx val="1"/>
-          <c:order val="1"/>
-          <c:tx>
-            <c:strRef>
-              <c:f>Tabelle1!$C$1</c:f>
-              <c:strCache>
-                <c:ptCount val="1"/>
-                <c:pt idx="0">
-                  <c:v>test</c:v>
-                </c:pt>
-              </c:strCache>
-            </c:strRef>
-          </c:tx>
-          <c:spPr>
-            <a:ln w="19050" cap="rnd">
-              <a:solidFill>
-                <a:schemeClr val="accent2"/>
               </a:solidFill>
               <a:round/>
             </a:ln>
@@ -3325,48 +1302,108 @@
           </c:dLbls>
           <c:xVal>
             <c:numRef>
-              <c:f>Tabelle1!$A$2:$A$6</c:f>
+              <c:f>Tabelle1!$A$2:$A$4</c:f>
               <c:numCache>
                 <c:formatCode>m/d/yyyy</c:formatCode>
-                <c:ptCount val="5"/>
+                <c:ptCount val="3"/>
                 <c:pt idx="0">
-                  <c:v>45406</c:v>
+                  <c:v>45372</c:v>
                 </c:pt>
                 <c:pt idx="1">
-                  <c:v>45413</c:v>
+                  <c:v>45392</c:v>
                 </c:pt>
                 <c:pt idx="2">
-                  <c:v>45420</c:v>
-                </c:pt>
-                <c:pt idx="3">
-                  <c:v>45427</c:v>
-                </c:pt>
-                <c:pt idx="4">
-                  <c:v>45434</c:v>
+                  <c:v>45399</c:v>
                 </c:pt>
               </c:numCache>
             </c:numRef>
           </c:xVal>
           <c:yVal>
             <c:numRef>
-              <c:f>Tabelle1!$B$2:$B$6</c:f>
+              <c:f>Tabelle1!$B$2:$B$4</c:f>
               <c:numCache>
                 <c:formatCode>General</c:formatCode>
-                <c:ptCount val="5"/>
+                <c:ptCount val="3"/>
                 <c:pt idx="0">
-                  <c:v>56</c:v>
+                  <c:v>41</c:v>
                 </c:pt>
                 <c:pt idx="1">
-                  <c:v>42</c:v>
+                  <c:v>15</c:v>
                 </c:pt>
                 <c:pt idx="2">
-                  <c:v>31</c:v>
+                  <c:v>13</c:v>
                 </c:pt>
-                <c:pt idx="3">
-                  <c:v>28</c:v>
+              </c:numCache>
+            </c:numRef>
+          </c:yVal>
+          <c:smooth val="0"/>
+          <c:extLst>
+            <c:ext xmlns:c16="http://schemas.microsoft.com/office/drawing/2014/chart" uri="{C3380CC4-5D6E-409C-BE32-E72D297353CC}">
+              <c16:uniqueId val="{00000000-4206-49A1-B809-700B1DB71C25}"/>
+            </c:ext>
+          </c:extLst>
+        </c:ser>
+        <c:ser>
+          <c:idx val="1"/>
+          <c:order val="1"/>
+          <c:tx>
+            <c:strRef>
+              <c:f>Tabelle1!$C$1</c:f>
+              <c:strCache>
+                <c:ptCount val="1"/>
+                <c:pt idx="0">
+                  <c:v>test</c:v>
                 </c:pt>
-                <c:pt idx="4">
-                  <c:v>26</c:v>
+              </c:strCache>
+            </c:strRef>
+          </c:tx>
+          <c:spPr>
+            <a:ln w="19050" cap="rnd">
+              <a:solidFill>
+                <a:schemeClr val="accent2"/>
+              </a:solidFill>
+              <a:round/>
+            </a:ln>
+            <a:effectLst/>
+          </c:spPr>
+          <c:marker>
+            <c:symbol val="none"/>
+          </c:marker>
+          <c:dLbls>
+            <c:delete val="1"/>
+          </c:dLbls>
+          <c:xVal>
+            <c:numRef>
+              <c:f>Tabelle1!$A$2:$A$4</c:f>
+              <c:numCache>
+                <c:formatCode>m/d/yyyy</c:formatCode>
+                <c:ptCount val="3"/>
+                <c:pt idx="0">
+                  <c:v>45372</c:v>
+                </c:pt>
+                <c:pt idx="1">
+                  <c:v>45392</c:v>
+                </c:pt>
+                <c:pt idx="2">
+                  <c:v>45399</c:v>
+                </c:pt>
+              </c:numCache>
+            </c:numRef>
+          </c:xVal>
+          <c:yVal>
+            <c:numRef>
+              <c:f>Tabelle1!$C$2:$C$4</c:f>
+              <c:numCache>
+                <c:formatCode>General</c:formatCode>
+                <c:ptCount val="3"/>
+                <c:pt idx="0">
+                  <c:v>41</c:v>
+                </c:pt>
+                <c:pt idx="1">
+                  <c:v>10</c:v>
+                </c:pt>
+                <c:pt idx="2">
+                  <c:v>0</c:v>
                 </c:pt>
               </c:numCache>
             </c:numRef>
@@ -3633,9 +1670,9 @@
           <c:invertIfNegative val="0"/>
           <c:cat>
             <c:strRef>
-              <c:f>Tabelle1!$A$2:$A$5</c:f>
+              <c:f>Tabelle1!$A$2:$A$9</c:f>
               <c:strCache>
-                <c:ptCount val="4"/>
+                <c:ptCount val="8"/>
                 <c:pt idx="0">
                   <c:v>Sprint 1</c:v>
                 </c:pt>
@@ -3648,15 +1685,27 @@
                 <c:pt idx="3">
                   <c:v>Sprint 4</c:v>
                 </c:pt>
+                <c:pt idx="4">
+                  <c:v>Sprint 5</c:v>
+                </c:pt>
+                <c:pt idx="5">
+                  <c:v>Sprint 6</c:v>
+                </c:pt>
+                <c:pt idx="6">
+                  <c:v>Sprint 7</c:v>
+                </c:pt>
+                <c:pt idx="7">
+                  <c:v>Sprint 8</c:v>
+                </c:pt>
               </c:strCache>
             </c:strRef>
           </c:cat>
           <c:val>
             <c:numRef>
-              <c:f>Tabelle1!$B$2:$B$5</c:f>
+              <c:f>Tabelle1!$B$2:$B$9</c:f>
               <c:numCache>
                 <c:formatCode>General</c:formatCode>
-                <c:ptCount val="4"/>
+                <c:ptCount val="8"/>
                 <c:pt idx="0">
                   <c:v>9</c:v>
                 </c:pt>
@@ -3667,7 +1716,19 @@
                   <c:v>28</c:v>
                 </c:pt>
                 <c:pt idx="3">
-                  <c:v>30</c:v>
+                  <c:v>0</c:v>
+                </c:pt>
+                <c:pt idx="4">
+                  <c:v>0</c:v>
+                </c:pt>
+                <c:pt idx="5">
+                  <c:v>0</c:v>
+                </c:pt>
+                <c:pt idx="6">
+                  <c:v>0</c:v>
+                </c:pt>
+                <c:pt idx="7">
+                  <c:v>0</c:v>
                 </c:pt>
               </c:numCache>
             </c:numRef>
@@ -5068,7 +3129,7 @@
             </a:pPr>
             <a:fld id="{3953DA5E-C6E2-4FA2-8BC8-7FF9A5EB6734}" type="datetimeFigureOut">
               <a:rPr lang="de-DE"/>
-              <a:t>29.05.2024</a:t>
+              <a:t>18.04.2024</a:t>
             </a:fld>
             <a:endParaRPr lang="de-DE"/>
           </a:p>
@@ -5249,7 +3310,7 @@
           <a:p>
             <a:fld id="{88DE360A-102B-474E-BEC0-79AC7566E430}" type="datetimeFigureOut">
               <a:rPr lang="en-US" smtClean="0"/>
-              <a:t>5/29/2024</a:t>
+              <a:t>4/18/2024</a:t>
             </a:fld>
             <a:endParaRPr lang="en-US"/>
           </a:p>
@@ -9437,14 +7498,6 @@
 <file path=ppt/slides/slide1.xml><?xml version="1.0" encoding="utf-8"?>
 <p:sld xmlns:a="http://schemas.openxmlformats.org/drawingml/2006/main" xmlns:r="http://schemas.openxmlformats.org/officeDocument/2006/relationships" xmlns:p="http://schemas.openxmlformats.org/presentationml/2006/main">
   <p:cSld>
-    <p:bg>
-      <p:bgPr>
-        <a:solidFill>
-          <a:schemeClr val="bg1"/>
-        </a:solidFill>
-        <a:effectLst/>
-      </p:bgPr>
-    </p:bg>
     <p:spTree>
       <p:nvGrpSpPr>
         <p:cNvPr id="1" name=""/>
@@ -9459,95 +7512,51 @@
           <a:chExt cx="0" cy="0"/>
         </a:xfrm>
       </p:grpSpPr>
-      <p:sp useBgFill="1">
+      <p:sp>
         <p:nvSpPr>
-          <p:cNvPr id="1055" name="Rectangle 1054">
-            <a:extLst>
-              <a:ext uri="{FF2B5EF4-FFF2-40B4-BE49-F238E27FC236}">
-                <a16:creationId xmlns:a16="http://schemas.microsoft.com/office/drawing/2014/main" id="{0671A8AE-40A1-4631-A6B8-581AFF065482}"/>
-              </a:ext>
-              <a:ext uri="{C183D7F6-B498-43B3-948B-1728B52AA6E4}">
-                <adec:decorative xmlns:adec="http://schemas.microsoft.com/office/drawing/2017/decorative" val="1"/>
-              </a:ext>
-            </a:extLst>
-          </p:cNvPr>
+          <p:cNvPr id="2" name="Title 1"/>
           <p:cNvSpPr>
-            <a:spLocks noGrp="1" noRot="1" noChangeAspect="1" noMove="1" noResize="1" noEditPoints="1" noAdjustHandles="1" noChangeArrowheads="1" noChangeShapeType="1" noTextEdit="1"/>
+            <a:spLocks noGrp="1"/>
           </p:cNvSpPr>
           <p:nvPr>
-            <p:extLst>
-              <p:ext uri="{386F3935-93C4-4BCD-93E2-E3B085C9AB24}">
-                <p16:designElem xmlns:p16="http://schemas.microsoft.com/office/powerpoint/2015/main" val="1"/>
-              </p:ext>
-            </p:extLst>
+            <p:ph type="title"/>
           </p:nvPr>
         </p:nvSpPr>
         <p:spPr>
           <a:xfrm>
-            <a:off x="0" y="0"/>
-            <a:ext cx="9144000" cy="6858000"/>
+            <a:off x="1907704" y="365126"/>
+            <a:ext cx="7056784" cy="975641"/>
           </a:xfrm>
-          <a:prstGeom prst="rect">
-            <a:avLst/>
-          </a:prstGeom>
-          <a:ln>
-            <a:noFill/>
-          </a:ln>
         </p:spPr>
-        <p:style>
-          <a:lnRef idx="2">
-            <a:schemeClr val="accent1">
-              <a:shade val="50000"/>
-            </a:schemeClr>
-          </a:lnRef>
-          <a:fillRef idx="1">
-            <a:schemeClr val="accent1"/>
-          </a:fillRef>
-          <a:effectRef idx="0">
-            <a:schemeClr val="accent1"/>
-          </a:effectRef>
-          <a:fontRef idx="minor">
-            <a:schemeClr val="lt1"/>
-          </a:fontRef>
-        </p:style>
         <p:txBody>
-          <a:bodyPr rtlCol="0" anchor="ctr"/>
+          <a:bodyPr lIns="91440" tIns="45720" rIns="91440" bIns="45720" anchor="ctr"/>
           <a:lstStyle/>
           <a:p>
-            <a:pPr algn="ctr"/>
-            <a:endParaRPr lang="en-US"/>
+            <a:r>
+              <a:rPr lang="de-DE" altLang="en-US">
+                <a:latin typeface="Calibri"/>
+                <a:cs typeface="Calibri"/>
+              </a:rPr>
+              <a:t>Sprint Review - Sprint 2</a:t>
+            </a:r>
+            <a:endParaRPr lang="de-DE" altLang="en-US">
+              <a:latin typeface="Calibri" panose="020F0502020204030204" charset="0"/>
+            </a:endParaRPr>
           </a:p>
         </p:txBody>
       </p:sp>
-      <p:pic>
-        <p:nvPicPr>
-          <p:cNvPr id="1030" name="Picture 6">
-            <a:extLst>
-              <a:ext uri="{FF2B5EF4-FFF2-40B4-BE49-F238E27FC236}">
-                <a16:creationId xmlns:a16="http://schemas.microsoft.com/office/drawing/2014/main" id="{8FF43E9F-30E3-94E6-38C3-B4FFF04975EF}"/>
-              </a:ext>
-            </a:extLst>
-          </p:cNvPr>
-          <p:cNvPicPr>
-            <a:picLocks noChangeAspect="1" noChangeArrowheads="1"/>
-          </p:cNvPicPr>
+      <p:sp>
+        <p:nvSpPr>
+          <p:cNvPr id="4" name="Rectangle 2"/>
+          <p:cNvSpPr txBox="1">
+            <a:spLocks noChangeArrowheads="1"/>
+          </p:cNvSpPr>
           <p:nvPr/>
-        </p:nvPicPr>
-        <p:blipFill rotWithShape="1">
-          <a:blip r:embed="rId2">
-            <a:extLst>
-              <a:ext uri="{28A0092B-C50C-407E-A947-70E740481C1C}">
-                <a14:useLocalDpi xmlns:a14="http://schemas.microsoft.com/office/drawing/2010/main" val="0"/>
-              </a:ext>
-            </a:extLst>
-          </a:blip>
-          <a:srcRect t="1904" r="13816" b="7185"/>
-          <a:stretch/>
-        </p:blipFill>
+        </p:nvSpPr>
         <p:spPr bwMode="auto">
           <a:xfrm>
-            <a:off x="2642616" y="10"/>
-            <a:ext cx="6501384" cy="6857990"/>
+            <a:off x="685800" y="2132856"/>
+            <a:ext cx="7772400" cy="2520280"/>
           </a:xfrm>
           <a:prstGeom prst="rect">
             <a:avLst/>
@@ -9561,587 +7570,137 @@
                 </a:solidFill>
               </a14:hiddenFill>
             </a:ext>
+            <a:ext uri="{91240B29-F687-4F45-9708-019B960494DF}">
+              <a14:hiddenLine xmlns:a14="http://schemas.microsoft.com/office/drawing/2010/main" w="9525">
+                <a:solidFill>
+                  <a:srgbClr val="000000"/>
+                </a:solidFill>
+                <a:miter lim="800000"/>
+                <a:headEnd/>
+                <a:tailEnd/>
+              </a14:hiddenLine>
+            </a:ext>
           </a:extLst>
         </p:spPr>
-      </p:pic>
-      <p:sp>
-        <p:nvSpPr>
-          <p:cNvPr id="1057" name="Rectangle 1056">
-            <a:extLst>
-              <a:ext uri="{FF2B5EF4-FFF2-40B4-BE49-F238E27FC236}">
-                <a16:creationId xmlns:a16="http://schemas.microsoft.com/office/drawing/2014/main" id="{AB58EF07-17C2-48CF-ABB0-EEF1F17CB8F0}"/>
-              </a:ext>
-              <a:ext uri="{C183D7F6-B498-43B3-948B-1728B52AA6E4}">
-                <adec:decorative xmlns:adec="http://schemas.microsoft.com/office/drawing/2017/decorative" val="1"/>
-              </a:ext>
-            </a:extLst>
-          </p:cNvPr>
-          <p:cNvSpPr>
-            <a:spLocks noGrp="1" noRot="1" noChangeAspect="1" noMove="1" noResize="1" noEditPoints="1" noAdjustHandles="1" noChangeArrowheads="1" noChangeShapeType="1" noTextEdit="1"/>
-          </p:cNvSpPr>
-          <p:nvPr>
-            <p:extLst>
-              <p:ext uri="{386F3935-93C4-4BCD-93E2-E3B085C9AB24}">
-                <p16:designElem xmlns:p16="http://schemas.microsoft.com/office/powerpoint/2015/main" val="1"/>
-              </p:ext>
-            </p:extLst>
-          </p:nvPr>
-        </p:nvSpPr>
-        <p:spPr>
-          <a:xfrm>
-            <a:off x="2" y="0"/>
-            <a:ext cx="7004404" cy="6858000"/>
-          </a:xfrm>
-          <a:prstGeom prst="rect">
-            <a:avLst/>
-          </a:prstGeom>
-          <a:gradFill>
-            <a:gsLst>
-              <a:gs pos="58000">
-                <a:schemeClr val="tx1"/>
-              </a:gs>
-              <a:gs pos="33000">
-                <a:schemeClr val="tx1">
-                  <a:alpha val="64000"/>
-                </a:schemeClr>
-              </a:gs>
-              <a:gs pos="0">
-                <a:schemeClr val="tx1">
-                  <a:alpha val="0"/>
-                </a:schemeClr>
-              </a:gs>
-              <a:gs pos="100000">
-                <a:schemeClr val="tx1"/>
-              </a:gs>
-            </a:gsLst>
-            <a:lin ang="10800000" scaled="0"/>
-          </a:gradFill>
-          <a:ln>
-            <a:noFill/>
-          </a:ln>
-        </p:spPr>
-        <p:style>
-          <a:lnRef idx="2">
-            <a:schemeClr val="accent1">
-              <a:shade val="50000"/>
-            </a:schemeClr>
-          </a:lnRef>
-          <a:fillRef idx="1">
-            <a:schemeClr val="accent1"/>
-          </a:fillRef>
-          <a:effectRef idx="0">
-            <a:schemeClr val="accent1"/>
-          </a:effectRef>
-          <a:fontRef idx="minor">
-            <a:schemeClr val="lt1"/>
-          </a:fontRef>
-        </p:style>
         <p:txBody>
-          <a:bodyPr rtlCol="0" anchor="ctr"/>
-          <a:lstStyle/>
+          <a:bodyPr vert="horz" wrap="square" lIns="91440" tIns="45720" rIns="91440" bIns="45720" numCol="1" anchor="t" anchorCtr="0" compatLnSpc="1">
+            <a:normAutofit/>
+          </a:bodyPr>
+          <a:lstStyle>
+            <a:lvl1pPr algn="l" defTabSz="685800" rtl="0" eaLnBrk="1" latinLnBrk="0" hangingPunct="1">
+              <a:lnSpc>
+                <a:spcPct val="90000"/>
+              </a:lnSpc>
+              <a:spcBef>
+                <a:spcPct val="0"/>
+              </a:spcBef>
+              <a:buNone/>
+              <a:defRPr sz="3300" kern="1200">
+                <a:solidFill>
+                  <a:schemeClr val="tx1"/>
+                </a:solidFill>
+                <a:latin typeface="+mj-lt"/>
+                <a:ea typeface="+mj-ea"/>
+                <a:cs typeface="+mj-cs"/>
+              </a:defRPr>
+            </a:lvl1pPr>
+          </a:lstStyle>
           <a:p>
             <a:pPr algn="ctr"/>
-            <a:endParaRPr lang="en-US"/>
+            <a:r>
+              <a:rPr lang="de-DE" sz="3600">
+                <a:latin typeface="Calibri"/>
+                <a:cs typeface="Calibri"/>
+              </a:rPr>
+              <a:t>SYP Projekt</a:t>
+            </a:r>
+          </a:p>
+          <a:p>
+            <a:pPr algn="ctr"/>
+            <a:endParaRPr lang="de-DE" altLang="de-AT" sz="3600">
+              <a:latin typeface="Calibri" panose="020F0502020204030204" charset="0"/>
+              <a:cs typeface="+mj-lt"/>
+            </a:endParaRPr>
+          </a:p>
+          <a:p>
+            <a:pPr algn="ctr"/>
+            <a:r>
+              <a:rPr lang="de-DE" altLang="de-AT" sz="3600">
+                <a:cs typeface="+mj-lt"/>
+              </a:rPr>
+              <a:t>Sprint 3 (21.03. - 17.04)</a:t>
+            </a:r>
+          </a:p>
+          <a:p>
+            <a:pPr algn="ctr"/>
+            <a:endParaRPr lang="de-DE" altLang="de-AT" sz="3600">
+              <a:cs typeface="+mj-lt"/>
+            </a:endParaRPr>
           </a:p>
         </p:txBody>
       </p:sp>
       <p:sp>
         <p:nvSpPr>
-          <p:cNvPr id="2" name="Title 1">
-            <a:extLst>
-              <a:ext uri="{FF2B5EF4-FFF2-40B4-BE49-F238E27FC236}">
-                <a16:creationId xmlns:a16="http://schemas.microsoft.com/office/drawing/2014/main" id="{FB163EE3-72FE-3CAA-96EB-B250B091CCBC}"/>
-              </a:ext>
-            </a:extLst>
-          </p:cNvPr>
+          <p:cNvPr id="9" name="Footer Placeholder 8"/>
           <p:cNvSpPr>
             <a:spLocks noGrp="1"/>
           </p:cNvSpPr>
           <p:nvPr>
-            <p:ph type="ctrTitle"/>
+            <p:ph type="ftr" sz="quarter" idx="11"/>
           </p:nvPr>
         </p:nvSpPr>
-        <p:spPr>
-          <a:xfrm>
-            <a:off x="358485" y="1122363"/>
-            <a:ext cx="3017520" cy="3204134"/>
-          </a:xfrm>
-        </p:spPr>
+        <p:spPr/>
         <p:txBody>
-          <a:bodyPr anchor="b">
-            <a:normAutofit/>
-          </a:bodyPr>
+          <a:bodyPr/>
           <a:lstStyle/>
           <a:p>
-            <a:pPr algn="l"/>
-            <a:r>
-              <a:rPr lang="de-DE" sz="4200">
-                <a:solidFill>
-                  <a:schemeClr val="bg1"/>
-                </a:solidFill>
-              </a:rPr>
-              <a:t>Sprint 4 Review</a:t>
-            </a:r>
-            <a:endParaRPr lang="de-AT" sz="4200">
-              <a:solidFill>
-                <a:schemeClr val="bg1"/>
-              </a:solidFill>
-            </a:endParaRPr>
+            <a:pPr>
+              <a:defRPr/>
+            </a:pPr>
+            <a:r>
+              <a:rPr lang="de-DE"/>
+              <a:t>Jonas M, David L, Daniel J</a:t>
+            </a:r>
           </a:p>
         </p:txBody>
       </p:sp>
       <p:sp>
         <p:nvSpPr>
-          <p:cNvPr id="3" name="Subtitle 2">
-            <a:extLst>
-              <a:ext uri="{FF2B5EF4-FFF2-40B4-BE49-F238E27FC236}">
-                <a16:creationId xmlns:a16="http://schemas.microsoft.com/office/drawing/2014/main" id="{47D9AC8C-6BB7-664C-9D81-4748E5F0C461}"/>
-              </a:ext>
-            </a:extLst>
-          </p:cNvPr>
+          <p:cNvPr id="10" name="Slide Number Placeholder 9"/>
           <p:cNvSpPr>
             <a:spLocks noGrp="1"/>
           </p:cNvSpPr>
           <p:nvPr>
-            <p:ph type="subTitle" idx="1"/>
+            <p:ph type="sldNum" sz="quarter" idx="12"/>
           </p:nvPr>
         </p:nvSpPr>
-        <p:spPr>
-          <a:xfrm>
-            <a:off x="358485" y="4872922"/>
-            <a:ext cx="3017519" cy="1208141"/>
-          </a:xfrm>
-        </p:spPr>
+        <p:spPr/>
         <p:txBody>
-          <a:bodyPr>
-            <a:normAutofit/>
-          </a:bodyPr>
+          <a:bodyPr/>
           <a:lstStyle/>
           <a:p>
-            <a:pPr algn="l"/>
-            <a:r>
-              <a:rPr lang="de-DE" sz="1700">
-                <a:solidFill>
-                  <a:schemeClr val="bg1"/>
-                </a:solidFill>
-              </a:rPr>
-              <a:t>18.04. – 16.05.</a:t>
-            </a:r>
-          </a:p>
-          <a:p>
-            <a:pPr algn="l"/>
-            <a:endParaRPr lang="de-DE" sz="1700">
-              <a:solidFill>
-                <a:schemeClr val="bg1"/>
-              </a:solidFill>
-            </a:endParaRPr>
-          </a:p>
-          <a:p>
-            <a:pPr algn="l"/>
-            <a:r>
-              <a:rPr lang="de-DE" sz="1700">
-                <a:solidFill>
-                  <a:schemeClr val="bg1"/>
-                </a:solidFill>
-              </a:rPr>
-              <a:t>Team 1</a:t>
-            </a:r>
-            <a:endParaRPr lang="de-AT" sz="1700">
-              <a:solidFill>
-                <a:schemeClr val="bg1"/>
-              </a:solidFill>
-            </a:endParaRPr>
-          </a:p>
-        </p:txBody>
-      </p:sp>
-      <p:sp>
-        <p:nvSpPr>
-          <p:cNvPr id="1059" name="Rectangle 1058">
-            <a:extLst>
-              <a:ext uri="{FF2B5EF4-FFF2-40B4-BE49-F238E27FC236}">
-                <a16:creationId xmlns:a16="http://schemas.microsoft.com/office/drawing/2014/main" id="{AF2F604E-43BE-4DC3-B983-E071523364F8}"/>
-              </a:ext>
-              <a:ext uri="{C183D7F6-B498-43B3-948B-1728B52AA6E4}">
-                <adec:decorative xmlns:adec="http://schemas.microsoft.com/office/drawing/2017/decorative" val="1"/>
-              </a:ext>
-            </a:extLst>
-          </p:cNvPr>
-          <p:cNvSpPr>
-            <a:spLocks noGrp="1" noRot="1" noChangeAspect="1" noMove="1" noResize="1" noEditPoints="1" noAdjustHandles="1" noChangeArrowheads="1" noChangeShapeType="1" noTextEdit="1"/>
-          </p:cNvSpPr>
-          <p:nvPr>
-            <p:extLst>
-              <p:ext uri="{386F3935-93C4-4BCD-93E2-E3B085C9AB24}">
-                <p16:designElem xmlns:p16="http://schemas.microsoft.com/office/powerpoint/2015/main" val="1"/>
-              </p:ext>
-            </p:extLst>
-          </p:nvPr>
-        </p:nvSpPr>
-        <p:spPr>
-          <a:xfrm rot="5400000">
-            <a:off x="551653" y="434802"/>
-            <a:ext cx="146304" cy="528066"/>
-          </a:xfrm>
-          <a:prstGeom prst="rect">
-            <a:avLst/>
-          </a:prstGeom>
-          <a:solidFill>
-            <a:schemeClr val="accent2"/>
-          </a:solidFill>
-          <a:ln>
-            <a:noFill/>
-          </a:ln>
-        </p:spPr>
-        <p:style>
-          <a:lnRef idx="2">
-            <a:schemeClr val="accent1">
-              <a:shade val="50000"/>
-            </a:schemeClr>
-          </a:lnRef>
-          <a:fillRef idx="1">
-            <a:schemeClr val="accent1"/>
-          </a:fillRef>
-          <a:effectRef idx="0">
-            <a:schemeClr val="accent1"/>
-          </a:effectRef>
-          <a:fontRef idx="minor">
-            <a:schemeClr val="lt1"/>
-          </a:fontRef>
-        </p:style>
-        <p:txBody>
-          <a:bodyPr rtlCol="0" anchor="ctr"/>
-          <a:lstStyle/>
-          <a:p>
-            <a:pPr algn="ctr"/>
-            <a:endParaRPr lang="en-US">
-              <a:solidFill>
-                <a:prstClr val="white"/>
-              </a:solidFill>
-              <a:latin typeface="Calibri" panose="020F0502020204030204"/>
-            </a:endParaRPr>
-          </a:p>
-        </p:txBody>
-      </p:sp>
-      <p:sp>
-        <p:nvSpPr>
-          <p:cNvPr id="1061" name="Rectangle 1060">
-            <a:extLst>
-              <a:ext uri="{FF2B5EF4-FFF2-40B4-BE49-F238E27FC236}">
-                <a16:creationId xmlns:a16="http://schemas.microsoft.com/office/drawing/2014/main" id="{08C9B587-E65E-4B52-B37C-ABEBB6E87928}"/>
-              </a:ext>
-              <a:ext uri="{C183D7F6-B498-43B3-948B-1728B52AA6E4}">
-                <adec:decorative xmlns:adec="http://schemas.microsoft.com/office/drawing/2017/decorative" val="1"/>
-              </a:ext>
-            </a:extLst>
-          </p:cNvPr>
-          <p:cNvSpPr>
-            <a:spLocks noGrp="1" noRot="1" noChangeAspect="1" noMove="1" noResize="1" noEditPoints="1" noAdjustHandles="1" noChangeArrowheads="1" noChangeShapeType="1" noTextEdit="1"/>
-          </p:cNvSpPr>
-          <p:nvPr>
-            <p:extLst>
-              <p:ext uri="{386F3935-93C4-4BCD-93E2-E3B085C9AB24}">
-                <p16:designElem xmlns:p16="http://schemas.microsoft.com/office/powerpoint/2015/main" val="1"/>
-              </p:ext>
-            </p:extLst>
-          </p:nvPr>
-        </p:nvSpPr>
-        <p:spPr>
-          <a:xfrm>
-            <a:off x="360771" y="4546920"/>
-            <a:ext cx="2983230" cy="18288"/>
-          </a:xfrm>
-          <a:prstGeom prst="rect">
-            <a:avLst/>
-          </a:prstGeom>
-          <a:solidFill>
-            <a:schemeClr val="tx1"/>
-          </a:solidFill>
-          <a:ln w="3175">
-            <a:noFill/>
-          </a:ln>
-          <a:effectLst/>
-        </p:spPr>
-        <p:style>
-          <a:lnRef idx="2">
-            <a:schemeClr val="accent1">
-              <a:shade val="50000"/>
-            </a:schemeClr>
-          </a:lnRef>
-          <a:fillRef idx="1">
-            <a:schemeClr val="accent1"/>
-          </a:fillRef>
-          <a:effectRef idx="0">
-            <a:schemeClr val="accent1"/>
-          </a:effectRef>
-          <a:fontRef idx="minor">
-            <a:schemeClr val="lt1"/>
-          </a:fontRef>
-        </p:style>
-        <p:txBody>
-          <a:bodyPr rtlCol="0" anchor="ctr"/>
-          <a:lstStyle/>
-          <a:p>
-            <a:pPr marL="0" marR="0" lvl="0" indent="0" algn="ctr" defTabSz="914400" rtl="0" eaLnBrk="1" fontAlgn="auto" latinLnBrk="0" hangingPunct="1">
-              <a:lnSpc>
-                <a:spcPct val="100000"/>
-              </a:lnSpc>
-              <a:spcBef>
-                <a:spcPts val="0"/>
-              </a:spcBef>
-              <a:spcAft>
-                <a:spcPts val="0"/>
-              </a:spcAft>
-              <a:buClrTx/>
-              <a:buSzTx/>
-              <a:buFontTx/>
-              <a:buNone/>
-              <a:tabLst/>
+            <a:pPr>
               <a:defRPr/>
             </a:pPr>
-            <a:endParaRPr kumimoji="0" lang="en-US" sz="1800" b="0" i="0" u="none" strike="noStrike" kern="1200" cap="none" spc="0" normalizeH="0" baseline="0" noProof="0">
-              <a:ln>
-                <a:noFill/>
-              </a:ln>
-              <a:solidFill>
-                <a:prstClr val="white"/>
-              </a:solidFill>
-              <a:effectLst/>
-              <a:uLnTx/>
-              <a:uFillTx/>
-              <a:latin typeface="Calibri" panose="020F0502020204030204"/>
-              <a:ea typeface="+mn-ea"/>
-              <a:cs typeface="+mn-cs"/>
-            </a:endParaRPr>
+            <a:fld id="{AE4538FE-AEB4-413B-B741-EC1BAEEF6B8F}" type="slidenum">
+              <a:rPr lang="de-AT" smtClean="0"/>
+              <a:t>1</a:t>
+            </a:fld>
+            <a:endParaRPr lang="de-AT"/>
           </a:p>
         </p:txBody>
       </p:sp>
     </p:spTree>
-    <p:extLst>
-      <p:ext uri="{BB962C8B-B14F-4D97-AF65-F5344CB8AC3E}">
-        <p14:creationId xmlns:p14="http://schemas.microsoft.com/office/powerpoint/2010/main" val="2097204490"/>
-      </p:ext>
-    </p:extLst>
   </p:cSld>
   <p:clrMapOvr>
     <a:masterClrMapping/>
   </p:clrMapOvr>
-  <p:timing>
-    <p:tnLst>
-      <p:par>
-        <p:cTn id="1" dur="indefinite" restart="never" nodeType="tmRoot">
-          <p:childTnLst>
-            <p:seq concurrent="1" nextAc="seek">
-              <p:cTn id="2" dur="indefinite" nodeType="mainSeq">
-                <p:childTnLst>
-                  <p:par>
-                    <p:cTn id="3" fill="hold">
-                      <p:stCondLst>
-                        <p:cond delay="indefinite"/>
-                        <p:cond evt="onBegin" delay="0">
-                          <p:tn val="2"/>
-                        </p:cond>
-                      </p:stCondLst>
-                      <p:childTnLst>
-                        <p:par>
-                          <p:cTn id="4" fill="hold">
-                            <p:stCondLst>
-                              <p:cond delay="0"/>
-                            </p:stCondLst>
-                            <p:childTnLst>
-                              <p:par>
-                                <p:cTn id="5" presetID="10" presetClass="entr" presetSubtype="0" fill="hold" grpId="0" nodeType="withEffect">
-                                  <p:stCondLst>
-                                    <p:cond delay="1000"/>
-                                  </p:stCondLst>
-                                  <p:iterate type="lt">
-                                    <p:tmPct val="10000"/>
-                                  </p:iterate>
-                                  <p:childTnLst>
-                                    <p:set>
-                                      <p:cBhvr>
-                                        <p:cTn id="6" dur="1" fill="hold">
-                                          <p:stCondLst>
-                                            <p:cond delay="0"/>
-                                          </p:stCondLst>
-                                        </p:cTn>
-                                        <p:tgtEl>
-                                          <p:spTgt spid="2"/>
-                                        </p:tgtEl>
-                                        <p:attrNameLst>
-                                          <p:attrName>style.visibility</p:attrName>
-                                        </p:attrNameLst>
-                                      </p:cBhvr>
-                                      <p:to>
-                                        <p:strVal val="visible"/>
-                                      </p:to>
-                                    </p:set>
-                                    <p:animEffect transition="in" filter="fade">
-                                      <p:cBhvr>
-                                        <p:cTn id="7" dur="400"/>
-                                        <p:tgtEl>
-                                          <p:spTgt spid="2"/>
-                                        </p:tgtEl>
-                                      </p:cBhvr>
-                                    </p:animEffect>
-                                  </p:childTnLst>
-                                </p:cTn>
-                              </p:par>
-                              <p:par>
-                                <p:cTn id="8" presetID="10" presetClass="entr" presetSubtype="0" fill="hold" grpId="0" nodeType="withEffect">
-                                  <p:stCondLst>
-                                    <p:cond delay="2000"/>
-                                  </p:stCondLst>
-                                  <p:iterate type="lt">
-                                    <p:tmPct val="10000"/>
-                                  </p:iterate>
-                                  <p:childTnLst>
-                                    <p:set>
-                                      <p:cBhvr>
-                                        <p:cTn id="9" dur="1" fill="hold">
-                                          <p:stCondLst>
-                                            <p:cond delay="0"/>
-                                          </p:stCondLst>
-                                        </p:cTn>
-                                        <p:tgtEl>
-                                          <p:spTgt spid="3">
-                                            <p:txEl>
-                                              <p:pRg st="0" end="0"/>
-                                            </p:txEl>
-                                          </p:spTgt>
-                                        </p:tgtEl>
-                                        <p:attrNameLst>
-                                          <p:attrName>style.visibility</p:attrName>
-                                        </p:attrNameLst>
-                                      </p:cBhvr>
-                                      <p:to>
-                                        <p:strVal val="visible"/>
-                                      </p:to>
-                                    </p:set>
-                                    <p:animEffect transition="in" filter="fade">
-                                      <p:cBhvr>
-                                        <p:cTn id="10" dur="400"/>
-                                        <p:tgtEl>
-                                          <p:spTgt spid="3">
-                                            <p:txEl>
-                                              <p:pRg st="0" end="0"/>
-                                            </p:txEl>
-                                          </p:spTgt>
-                                        </p:tgtEl>
-                                      </p:cBhvr>
-                                    </p:animEffect>
-                                  </p:childTnLst>
-                                </p:cTn>
-                              </p:par>
-                            </p:childTnLst>
-                          </p:cTn>
-                        </p:par>
-                      </p:childTnLst>
-                    </p:cTn>
-                  </p:par>
-                  <p:par>
-                    <p:cTn id="11" fill="hold">
-                      <p:stCondLst>
-                        <p:cond delay="indefinite"/>
-                      </p:stCondLst>
-                      <p:childTnLst>
-                        <p:par>
-                          <p:cTn id="12" fill="hold">
-                            <p:stCondLst>
-                              <p:cond delay="0"/>
-                            </p:stCondLst>
-                            <p:childTnLst>
-                              <p:par>
-                                <p:cTn id="13" presetID="10" presetClass="entr" presetSubtype="0" fill="hold" grpId="0" nodeType="clickEffect">
-                                  <p:stCondLst>
-                                    <p:cond delay="2000"/>
-                                  </p:stCondLst>
-                                  <p:iterate type="lt">
-                                    <p:tmPct val="10000"/>
-                                  </p:iterate>
-                                  <p:childTnLst>
-                                    <p:set>
-                                      <p:cBhvr>
-                                        <p:cTn id="14" dur="1" fill="hold">
-                                          <p:stCondLst>
-                                            <p:cond delay="0"/>
-                                          </p:stCondLst>
-                                        </p:cTn>
-                                        <p:tgtEl>
-                                          <p:spTgt spid="3">
-                                            <p:txEl>
-                                              <p:pRg st="2" end="2"/>
-                                            </p:txEl>
-                                          </p:spTgt>
-                                        </p:tgtEl>
-                                        <p:attrNameLst>
-                                          <p:attrName>style.visibility</p:attrName>
-                                        </p:attrNameLst>
-                                      </p:cBhvr>
-                                      <p:to>
-                                        <p:strVal val="visible"/>
-                                      </p:to>
-                                    </p:set>
-                                    <p:animEffect transition="in" filter="fade">
-                                      <p:cBhvr>
-                                        <p:cTn id="15" dur="400"/>
-                                        <p:tgtEl>
-                                          <p:spTgt spid="3">
-                                            <p:txEl>
-                                              <p:pRg st="2" end="2"/>
-                                            </p:txEl>
-                                          </p:spTgt>
-                                        </p:tgtEl>
-                                      </p:cBhvr>
-                                    </p:animEffect>
-                                  </p:childTnLst>
-                                </p:cTn>
-                              </p:par>
-                            </p:childTnLst>
-                          </p:cTn>
-                        </p:par>
-                      </p:childTnLst>
-                    </p:cTn>
-                  </p:par>
-                </p:childTnLst>
-              </p:cTn>
-              <p:prevCondLst>
-                <p:cond evt="onPrev" delay="0">
-                  <p:tgtEl>
-                    <p:sldTgt/>
-                  </p:tgtEl>
-                </p:cond>
-              </p:prevCondLst>
-              <p:nextCondLst>
-                <p:cond evt="onNext" delay="0">
-                  <p:tgtEl>
-                    <p:sldTgt/>
-                  </p:tgtEl>
-                </p:cond>
-              </p:nextCondLst>
-            </p:seq>
-          </p:childTnLst>
-        </p:cTn>
-      </p:par>
-    </p:tnLst>
-    <p:bldLst>
-      <p:bldP spid="2" grpId="0"/>
-      <p:bldP spid="3" grpId="0" build="p"/>
-    </p:bldLst>
-  </p:timing>
 </p:sld>
 </file>
 
 <file path=ppt/slides/slide2.xml><?xml version="1.0" encoding="utf-8"?>
 <p:sld xmlns:a="http://schemas.openxmlformats.org/drawingml/2006/main" xmlns:r="http://schemas.openxmlformats.org/officeDocument/2006/relationships" xmlns:p="http://schemas.openxmlformats.org/presentationml/2006/main">
   <p:cSld>
-    <p:bg>
-      <p:bgPr>
-        <a:solidFill>
-          <a:schemeClr val="bg1"/>
-        </a:solidFill>
-        <a:effectLst/>
-      </p:bgPr>
-    </p:bg>
     <p:spTree>
       <p:nvGrpSpPr>
         <p:cNvPr id="1" name=""/>
@@ -10156,227 +7715,6 @@
           <a:chExt cx="0" cy="0"/>
         </a:xfrm>
       </p:grpSpPr>
-      <p:sp useBgFill="1">
-        <p:nvSpPr>
-          <p:cNvPr id="15" name="Slide Background">
-            <a:extLst>
-              <a:ext uri="{FF2B5EF4-FFF2-40B4-BE49-F238E27FC236}">
-                <a16:creationId xmlns:a16="http://schemas.microsoft.com/office/drawing/2014/main" id="{C0763A76-9F1C-4FC5-82B7-DD475DA461B2}"/>
-              </a:ext>
-              <a:ext uri="{C183D7F6-B498-43B3-948B-1728B52AA6E4}">
-                <adec:decorative xmlns:adec="http://schemas.microsoft.com/office/drawing/2017/decorative" val="1"/>
-              </a:ext>
-            </a:extLst>
-          </p:cNvPr>
-          <p:cNvSpPr>
-            <a:spLocks noGrp="1" noRot="1" noChangeAspect="1" noMove="1" noResize="1" noEditPoints="1" noAdjustHandles="1" noChangeArrowheads="1" noChangeShapeType="1" noTextEdit="1"/>
-          </p:cNvSpPr>
-          <p:nvPr>
-            <p:extLst>
-              <p:ext uri="{386F3935-93C4-4BCD-93E2-E3B085C9AB24}">
-                <p16:designElem xmlns:p16="http://schemas.microsoft.com/office/powerpoint/2015/main" val="1"/>
-              </p:ext>
-            </p:extLst>
-          </p:nvPr>
-        </p:nvSpPr>
-        <p:spPr bwMode="white">
-          <a:xfrm>
-            <a:off x="0" y="0"/>
-            <a:ext cx="9143998" cy="6858000"/>
-          </a:xfrm>
-          <a:prstGeom prst="rect">
-            <a:avLst/>
-          </a:prstGeom>
-          <a:ln>
-            <a:noFill/>
-          </a:ln>
-        </p:spPr>
-        <p:style>
-          <a:lnRef idx="2">
-            <a:schemeClr val="accent1">
-              <a:shade val="50000"/>
-            </a:schemeClr>
-          </a:lnRef>
-          <a:fillRef idx="1">
-            <a:schemeClr val="accent1"/>
-          </a:fillRef>
-          <a:effectRef idx="0">
-            <a:schemeClr val="accent1"/>
-          </a:effectRef>
-          <a:fontRef idx="minor">
-            <a:schemeClr val="lt1"/>
-          </a:fontRef>
-        </p:style>
-        <p:txBody>
-          <a:bodyPr rtlCol="0" anchor="ctr"/>
-          <a:lstStyle>
-            <a:defPPr>
-              <a:defRPr lang="en-US"/>
-            </a:defPPr>
-            <a:lvl1pPr marL="0" algn="l" defTabSz="914400" rtl="0" eaLnBrk="1" latinLnBrk="0" hangingPunct="1">
-              <a:defRPr sz="1800" kern="1200">
-                <a:solidFill>
-                  <a:schemeClr val="lt1"/>
-                </a:solidFill>
-                <a:latin typeface="+mn-lt"/>
-                <a:ea typeface="+mn-ea"/>
-                <a:cs typeface="+mn-cs"/>
-              </a:defRPr>
-            </a:lvl1pPr>
-            <a:lvl2pPr marL="457200" algn="l" defTabSz="914400" rtl="0" eaLnBrk="1" latinLnBrk="0" hangingPunct="1">
-              <a:defRPr sz="1800" kern="1200">
-                <a:solidFill>
-                  <a:schemeClr val="lt1"/>
-                </a:solidFill>
-                <a:latin typeface="+mn-lt"/>
-                <a:ea typeface="+mn-ea"/>
-                <a:cs typeface="+mn-cs"/>
-              </a:defRPr>
-            </a:lvl2pPr>
-            <a:lvl3pPr marL="914400" algn="l" defTabSz="914400" rtl="0" eaLnBrk="1" latinLnBrk="0" hangingPunct="1">
-              <a:defRPr sz="1800" kern="1200">
-                <a:solidFill>
-                  <a:schemeClr val="lt1"/>
-                </a:solidFill>
-                <a:latin typeface="+mn-lt"/>
-                <a:ea typeface="+mn-ea"/>
-                <a:cs typeface="+mn-cs"/>
-              </a:defRPr>
-            </a:lvl3pPr>
-            <a:lvl4pPr marL="1371600" algn="l" defTabSz="914400" rtl="0" eaLnBrk="1" latinLnBrk="0" hangingPunct="1">
-              <a:defRPr sz="1800" kern="1200">
-                <a:solidFill>
-                  <a:schemeClr val="lt1"/>
-                </a:solidFill>
-                <a:latin typeface="+mn-lt"/>
-                <a:ea typeface="+mn-ea"/>
-                <a:cs typeface="+mn-cs"/>
-              </a:defRPr>
-            </a:lvl4pPr>
-            <a:lvl5pPr marL="1828800" algn="l" defTabSz="914400" rtl="0" eaLnBrk="1" latinLnBrk="0" hangingPunct="1">
-              <a:defRPr sz="1800" kern="1200">
-                <a:solidFill>
-                  <a:schemeClr val="lt1"/>
-                </a:solidFill>
-                <a:latin typeface="+mn-lt"/>
-                <a:ea typeface="+mn-ea"/>
-                <a:cs typeface="+mn-cs"/>
-              </a:defRPr>
-            </a:lvl5pPr>
-            <a:lvl6pPr marL="2286000" algn="l" defTabSz="914400" rtl="0" eaLnBrk="1" latinLnBrk="0" hangingPunct="1">
-              <a:defRPr sz="1800" kern="1200">
-                <a:solidFill>
-                  <a:schemeClr val="lt1"/>
-                </a:solidFill>
-                <a:latin typeface="+mn-lt"/>
-                <a:ea typeface="+mn-ea"/>
-                <a:cs typeface="+mn-cs"/>
-              </a:defRPr>
-            </a:lvl6pPr>
-            <a:lvl7pPr marL="2743200" algn="l" defTabSz="914400" rtl="0" eaLnBrk="1" latinLnBrk="0" hangingPunct="1">
-              <a:defRPr sz="1800" kern="1200">
-                <a:solidFill>
-                  <a:schemeClr val="lt1"/>
-                </a:solidFill>
-                <a:latin typeface="+mn-lt"/>
-                <a:ea typeface="+mn-ea"/>
-                <a:cs typeface="+mn-cs"/>
-              </a:defRPr>
-            </a:lvl7pPr>
-            <a:lvl8pPr marL="3200400" algn="l" defTabSz="914400" rtl="0" eaLnBrk="1" latinLnBrk="0" hangingPunct="1">
-              <a:defRPr sz="1800" kern="1200">
-                <a:solidFill>
-                  <a:schemeClr val="lt1"/>
-                </a:solidFill>
-                <a:latin typeface="+mn-lt"/>
-                <a:ea typeface="+mn-ea"/>
-                <a:cs typeface="+mn-cs"/>
-              </a:defRPr>
-            </a:lvl8pPr>
-            <a:lvl9pPr marL="3657600" algn="l" defTabSz="914400" rtl="0" eaLnBrk="1" latinLnBrk="0" hangingPunct="1">
-              <a:defRPr sz="1800" kern="1200">
-                <a:solidFill>
-                  <a:schemeClr val="lt1"/>
-                </a:solidFill>
-                <a:latin typeface="+mn-lt"/>
-                <a:ea typeface="+mn-ea"/>
-                <a:cs typeface="+mn-cs"/>
-              </a:defRPr>
-            </a:lvl9pPr>
-          </a:lstStyle>
-          <a:p>
-            <a:pPr algn="ctr"/>
-            <a:endParaRPr lang="en-US"/>
-          </a:p>
-        </p:txBody>
-      </p:sp>
-      <p:sp useBgFill="1">
-        <p:nvSpPr>
-          <p:cNvPr id="17" name="Rectangle 16">
-            <a:extLst>
-              <a:ext uri="{FF2B5EF4-FFF2-40B4-BE49-F238E27FC236}">
-                <a16:creationId xmlns:a16="http://schemas.microsoft.com/office/drawing/2014/main" id="{E81BF4F6-F2CF-4984-9D14-D6966D92F99F}"/>
-              </a:ext>
-              <a:ext uri="{C183D7F6-B498-43B3-948B-1728B52AA6E4}">
-                <adec:decorative xmlns:adec="http://schemas.microsoft.com/office/drawing/2017/decorative" val="1"/>
-              </a:ext>
-            </a:extLst>
-          </p:cNvPr>
-          <p:cNvSpPr>
-            <a:spLocks noGrp="1" noRot="1" noChangeAspect="1" noMove="1" noResize="1" noEditPoints="1" noAdjustHandles="1" noChangeArrowheads="1" noChangeShapeType="1" noTextEdit="1"/>
-          </p:cNvSpPr>
-          <p:nvPr>
-            <p:extLst>
-              <p:ext uri="{386F3935-93C4-4BCD-93E2-E3B085C9AB24}">
-                <p16:designElem xmlns:p16="http://schemas.microsoft.com/office/powerpoint/2015/main" val="1"/>
-              </p:ext>
-            </p:extLst>
-          </p:nvPr>
-        </p:nvSpPr>
-        <p:spPr>
-          <a:xfrm>
-            <a:off x="0" y="0"/>
-            <a:ext cx="6391835" cy="2285999"/>
-          </a:xfrm>
-          <a:prstGeom prst="rect">
-            <a:avLst/>
-          </a:prstGeom>
-          <a:ln>
-            <a:noFill/>
-          </a:ln>
-          <a:effectLst>
-            <a:outerShdw blurRad="596900" dist="304800" dir="7140000" sx="90000" sy="90000" algn="t" rotWithShape="0">
-              <a:srgbClr val="000000">
-                <a:alpha val="15000"/>
-              </a:srgbClr>
-            </a:outerShdw>
-          </a:effectLst>
-        </p:spPr>
-        <p:style>
-          <a:lnRef idx="2">
-            <a:schemeClr val="accent1">
-              <a:shade val="50000"/>
-            </a:schemeClr>
-          </a:lnRef>
-          <a:fillRef idx="1">
-            <a:schemeClr val="accent1"/>
-          </a:fillRef>
-          <a:effectRef idx="0">
-            <a:schemeClr val="accent1"/>
-          </a:effectRef>
-          <a:fontRef idx="minor">
-            <a:schemeClr val="lt1"/>
-          </a:fontRef>
-        </p:style>
-        <p:txBody>
-          <a:bodyPr rtlCol="0" anchor="ctr"/>
-          <a:lstStyle/>
-          <a:p>
-            <a:pPr algn="ctr"/>
-            <a:endParaRPr lang="en-US"/>
-          </a:p>
-        </p:txBody>
-      </p:sp>
       <p:sp>
         <p:nvSpPr>
           <p:cNvPr id="2" name="Title 1"/>
@@ -10387,389 +7725,20 @@
             <p:ph type="title"/>
           </p:nvPr>
         </p:nvSpPr>
-        <p:spPr>
-          <a:xfrm>
-            <a:off x="571352" y="350196"/>
-            <a:ext cx="3485178" cy="1624520"/>
-          </a:xfrm>
-        </p:spPr>
+        <p:spPr/>
         <p:txBody>
-          <a:bodyPr vert="horz" lIns="91440" tIns="45720" rIns="91440" bIns="45720" rtlCol="0" anchor="ctr">
-            <a:normAutofit/>
-          </a:bodyPr>
+          <a:bodyPr/>
           <a:lstStyle/>
           <a:p>
-            <a:pPr defTabSz="914400"/>
-            <a:r>
-              <a:rPr lang="en-US" altLang="en-US" sz="3500"/>
+            <a:r>
+              <a:rPr lang="de-DE" altLang="en-US" err="1">
+                <a:cs typeface="+mj-lt"/>
+              </a:rPr>
               <a:t>Sprint Review</a:t>
             </a:r>
           </a:p>
         </p:txBody>
       </p:sp>
-      <p:sp>
-        <p:nvSpPr>
-          <p:cNvPr id="3" name="Text Box 2"/>
-          <p:cNvSpPr txBox="1"/>
-          <p:nvPr/>
-        </p:nvSpPr>
-        <p:spPr>
-          <a:xfrm>
-            <a:off x="571351" y="2743200"/>
-            <a:ext cx="3485179" cy="3613149"/>
-          </a:xfrm>
-          <a:prstGeom prst="rect">
-            <a:avLst/>
-          </a:prstGeom>
-        </p:spPr>
-        <p:txBody>
-          <a:bodyPr vert="horz" lIns="91440" tIns="45720" rIns="91440" bIns="45720" rtlCol="0" anchor="ctr">
-            <a:normAutofit/>
-          </a:bodyPr>
-          <a:lstStyle/>
-          <a:p>
-            <a:pPr indent="-228600">
-              <a:lnSpc>
-                <a:spcPct val="90000"/>
-              </a:lnSpc>
-              <a:spcAft>
-                <a:spcPts val="600"/>
-              </a:spcAft>
-              <a:buFont typeface="Arial" panose="020B0604020202020204" pitchFamily="34" charset="0"/>
-              <a:buChar char="•"/>
-            </a:pPr>
-            <a:r>
-              <a:rPr lang="en-US" altLang="en-US" sz="1700" b="1" err="1"/>
-              <a:t>Erreichte</a:t>
-            </a:r>
-            <a:r>
-              <a:rPr lang="en-US" altLang="en-US" sz="1700" b="1"/>
-              <a:t> Sprint </a:t>
-            </a:r>
-            <a:r>
-              <a:rPr lang="en-US" altLang="en-US" sz="1700" b="1" err="1"/>
-              <a:t>Ziele</a:t>
-            </a:r>
-            <a:r>
-              <a:rPr lang="en-US" altLang="en-US" sz="1700" b="1"/>
-              <a:t>:</a:t>
-            </a:r>
-            <a:endParaRPr lang="en-US" sz="1700"/>
-          </a:p>
-          <a:p>
-            <a:pPr indent="-228600">
-              <a:lnSpc>
-                <a:spcPct val="90000"/>
-              </a:lnSpc>
-              <a:spcAft>
-                <a:spcPts val="600"/>
-              </a:spcAft>
-              <a:buFont typeface="Arial" panose="020B0604020202020204" pitchFamily="34" charset="0"/>
-              <a:buChar char="•"/>
-            </a:pPr>
-            <a:r>
-              <a:rPr lang="en-US" altLang="en-US" sz="1700">
-                <a:highlight>
-                  <a:srgbClr val="00FF00"/>
-                </a:highlight>
-              </a:rPr>
-              <a:t>Create UDP connection for MBOT</a:t>
-            </a:r>
-          </a:p>
-          <a:p>
-            <a:pPr indent="-228600">
-              <a:lnSpc>
-                <a:spcPct val="90000"/>
-              </a:lnSpc>
-              <a:spcAft>
-                <a:spcPts val="600"/>
-              </a:spcAft>
-              <a:buFont typeface="Arial" panose="020B0604020202020204" pitchFamily="34" charset="0"/>
-              <a:buChar char="•"/>
-            </a:pPr>
-            <a:r>
-              <a:rPr lang="en-US" altLang="en-US" sz="1700">
-                <a:highlight>
-                  <a:srgbClr val="00FF00"/>
-                </a:highlight>
-              </a:rPr>
-              <a:t>Establish socket connection</a:t>
-            </a:r>
-          </a:p>
-          <a:p>
-            <a:pPr indent="-228600">
-              <a:lnSpc>
-                <a:spcPct val="90000"/>
-              </a:lnSpc>
-              <a:spcAft>
-                <a:spcPts val="600"/>
-              </a:spcAft>
-              <a:buFont typeface="Arial" panose="020B0604020202020204" pitchFamily="34" charset="0"/>
-              <a:buChar char="•"/>
-            </a:pPr>
-            <a:r>
-              <a:rPr lang="en-US" altLang="en-US" sz="1700">
-                <a:highlight>
-                  <a:srgbClr val="00FF00"/>
-                </a:highlight>
-              </a:rPr>
-              <a:t>Improve </a:t>
-            </a:r>
-            <a:r>
-              <a:rPr lang="en-US" altLang="en-US" sz="1700" err="1">
-                <a:highlight>
-                  <a:srgbClr val="00FF00"/>
-                </a:highlight>
-              </a:rPr>
-              <a:t>Mbot</a:t>
-            </a:r>
-            <a:r>
-              <a:rPr lang="en-US" altLang="en-US" sz="1700">
-                <a:highlight>
-                  <a:srgbClr val="00FF00"/>
-                </a:highlight>
-              </a:rPr>
-              <a:t> Detail Page</a:t>
-            </a:r>
-          </a:p>
-          <a:p>
-            <a:pPr indent="-228600">
-              <a:lnSpc>
-                <a:spcPct val="90000"/>
-              </a:lnSpc>
-              <a:spcAft>
-                <a:spcPts val="600"/>
-              </a:spcAft>
-              <a:buFont typeface="Arial" panose="020B0604020202020204" pitchFamily="34" charset="0"/>
-              <a:buChar char="•"/>
-            </a:pPr>
-            <a:endParaRPr lang="en-US" altLang="en-US" sz="1700">
-              <a:highlight>
-                <a:srgbClr val="FF0000"/>
-              </a:highlight>
-            </a:endParaRPr>
-          </a:p>
-          <a:p>
-            <a:pPr indent="-228600">
-              <a:lnSpc>
-                <a:spcPct val="90000"/>
-              </a:lnSpc>
-              <a:spcAft>
-                <a:spcPts val="600"/>
-              </a:spcAft>
-              <a:buFont typeface="Arial" panose="020B0604020202020204" pitchFamily="34" charset="0"/>
-              <a:buChar char="•"/>
-            </a:pPr>
-            <a:endParaRPr lang="en-US" altLang="en-US" sz="1700">
-              <a:highlight>
-                <a:srgbClr val="FF0000"/>
-              </a:highlight>
-            </a:endParaRPr>
-          </a:p>
-          <a:p>
-            <a:pPr indent="-228600">
-              <a:lnSpc>
-                <a:spcPct val="90000"/>
-              </a:lnSpc>
-              <a:spcAft>
-                <a:spcPts val="600"/>
-              </a:spcAft>
-              <a:buFont typeface="Arial" panose="020B0604020202020204" pitchFamily="34" charset="0"/>
-              <a:buChar char="•"/>
-            </a:pPr>
-            <a:r>
-              <a:rPr lang="en-US" altLang="en-US" sz="1700" b="1"/>
-              <a:t>Sprint </a:t>
-            </a:r>
-            <a:r>
-              <a:rPr lang="en-US" altLang="en-US" sz="1700" b="1" err="1"/>
-              <a:t>Ziele</a:t>
-            </a:r>
-            <a:r>
-              <a:rPr lang="en-US" altLang="en-US" sz="1700" b="1"/>
-              <a:t> in </a:t>
-            </a:r>
-            <a:r>
-              <a:rPr lang="en-US" altLang="en-US" sz="1700" b="1" err="1"/>
-              <a:t>Bearbeitung</a:t>
-            </a:r>
-            <a:r>
-              <a:rPr lang="en-US" altLang="en-US" sz="1700" b="1"/>
-              <a:t>:</a:t>
-            </a:r>
-          </a:p>
-          <a:p>
-            <a:pPr indent="-228600">
-              <a:lnSpc>
-                <a:spcPct val="90000"/>
-              </a:lnSpc>
-              <a:spcAft>
-                <a:spcPts val="600"/>
-              </a:spcAft>
-              <a:buFont typeface="Arial" panose="020B0604020202020204" pitchFamily="34" charset="0"/>
-              <a:buChar char="•"/>
-            </a:pPr>
-            <a:r>
-              <a:rPr lang="en-US" altLang="en-US" sz="1700">
-                <a:highlight>
-                  <a:srgbClr val="FFFF00"/>
-                </a:highlight>
-              </a:rPr>
-              <a:t>Handle server stop on client</a:t>
-            </a:r>
-          </a:p>
-          <a:p>
-            <a:pPr indent="-228600">
-              <a:lnSpc>
-                <a:spcPct val="90000"/>
-              </a:lnSpc>
-              <a:spcAft>
-                <a:spcPts val="600"/>
-              </a:spcAft>
-              <a:buFont typeface="Arial" panose="020B0604020202020204" pitchFamily="34" charset="0"/>
-              <a:buChar char="•"/>
-            </a:pPr>
-            <a:r>
-              <a:rPr lang="en-US" altLang="en-US" sz="1700">
-                <a:highlight>
-                  <a:srgbClr val="FFFF00"/>
-                </a:highlight>
-              </a:rPr>
-              <a:t>Fix Database bugs</a:t>
-            </a:r>
-          </a:p>
-          <a:p>
-            <a:pPr indent="-228600">
-              <a:lnSpc>
-                <a:spcPct val="90000"/>
-              </a:lnSpc>
-              <a:spcAft>
-                <a:spcPts val="600"/>
-              </a:spcAft>
-              <a:buFont typeface="Arial" panose="020B0604020202020204" pitchFamily="34" charset="0"/>
-              <a:buChar char="•"/>
-            </a:pPr>
-            <a:r>
-              <a:rPr lang="en-US" sz="1800" b="0" i="0" kern="1200">
-                <a:solidFill>
-                  <a:schemeClr val="dk1"/>
-                </a:solidFill>
-                <a:effectLst/>
-                <a:highlight>
-                  <a:srgbClr val="FFFF00"/>
-                </a:highlight>
-                <a:latin typeface="+mn-lt"/>
-                <a:ea typeface="+mn-ea"/>
-                <a:cs typeface="+mn-cs"/>
-              </a:rPr>
-              <a:t>Solve threading problem on   </a:t>
-            </a:r>
-            <a:r>
-              <a:rPr lang="en-US" sz="1800" b="0" i="0" kern="1200">
-                <a:solidFill>
-                  <a:schemeClr val="dk1"/>
-                </a:solidFill>
-                <a:effectLst/>
-                <a:latin typeface="+mn-lt"/>
-                <a:ea typeface="+mn-ea"/>
-                <a:cs typeface="+mn-cs"/>
-              </a:rPr>
-              <a:t>	</a:t>
-            </a:r>
-            <a:r>
-              <a:rPr lang="en-US" sz="1800" b="0" i="0" kern="1200" err="1">
-                <a:solidFill>
-                  <a:schemeClr val="dk1"/>
-                </a:solidFill>
-                <a:effectLst/>
-                <a:highlight>
-                  <a:srgbClr val="FFFF00"/>
-                </a:highlight>
-                <a:latin typeface="+mn-lt"/>
-                <a:ea typeface="+mn-ea"/>
-                <a:cs typeface="+mn-cs"/>
-              </a:rPr>
-              <a:t>micropython</a:t>
-            </a:r>
-            <a:r>
-              <a:rPr lang="en-US" sz="1800" b="0" i="0" kern="1200">
-                <a:solidFill>
-                  <a:schemeClr val="dk1"/>
-                </a:solidFill>
-                <a:effectLst/>
-                <a:highlight>
-                  <a:srgbClr val="FFFF00"/>
-                </a:highlight>
-                <a:latin typeface="+mn-lt"/>
-                <a:ea typeface="+mn-ea"/>
-                <a:cs typeface="+mn-cs"/>
-              </a:rPr>
-              <a:t> controller</a:t>
-            </a:r>
-          </a:p>
-          <a:p>
-            <a:pPr>
-              <a:lnSpc>
-                <a:spcPct val="90000"/>
-              </a:lnSpc>
-              <a:spcAft>
-                <a:spcPts val="600"/>
-              </a:spcAft>
-            </a:pPr>
-            <a:endParaRPr lang="en-US" altLang="en-US" sz="1700">
-              <a:highlight>
-                <a:srgbClr val="FFFF00"/>
-              </a:highlight>
-            </a:endParaRPr>
-          </a:p>
-          <a:p>
-            <a:pPr indent="-228600">
-              <a:lnSpc>
-                <a:spcPct val="90000"/>
-              </a:lnSpc>
-              <a:spcAft>
-                <a:spcPts val="600"/>
-              </a:spcAft>
-              <a:buFont typeface="Arial" panose="020B0604020202020204" pitchFamily="34" charset="0"/>
-              <a:buChar char="•"/>
-            </a:pPr>
-            <a:endParaRPr lang="en-US" altLang="en-US" sz="1700">
-              <a:highlight>
-                <a:srgbClr val="FF0000"/>
-              </a:highlight>
-            </a:endParaRPr>
-          </a:p>
-        </p:txBody>
-      </p:sp>
-      <p:pic>
-        <p:nvPicPr>
-          <p:cNvPr id="11" name="Picture 10" descr="Close-up of a server network panel with lights and cables">
-            <a:extLst>
-              <a:ext uri="{FF2B5EF4-FFF2-40B4-BE49-F238E27FC236}">
-                <a16:creationId xmlns:a16="http://schemas.microsoft.com/office/drawing/2014/main" id="{FB3AE5E0-C281-86D1-D009-C54099BD2DCC}"/>
-              </a:ext>
-            </a:extLst>
-          </p:cNvPr>
-          <p:cNvPicPr>
-            <a:picLocks noChangeAspect="1"/>
-          </p:cNvPicPr>
-          <p:nvPr/>
-        </p:nvPicPr>
-        <p:blipFill rotWithShape="1">
-          <a:blip r:embed="rId2"/>
-          <a:srcRect l="10484" r="44965" b="-2"/>
-          <a:stretch/>
-        </p:blipFill>
-        <p:spPr>
-          <a:xfrm>
-            <a:off x="4572000" y="1"/>
-            <a:ext cx="4577118" cy="6858000"/>
-          </a:xfrm>
-          <a:prstGeom prst="rect">
-            <a:avLst/>
-          </a:prstGeom>
-        </p:spPr>
-      </p:pic>
       <p:sp>
         <p:nvSpPr>
           <p:cNvPr id="8" name="Footer Placeholder 7"/>
@@ -10780,33 +7749,16 @@
             <p:ph type="ftr" sz="quarter" idx="11"/>
           </p:nvPr>
         </p:nvSpPr>
-        <p:spPr>
-          <a:xfrm>
-            <a:off x="4858554" y="6356350"/>
-            <a:ext cx="2477574" cy="365125"/>
-          </a:xfrm>
-        </p:spPr>
+        <p:spPr/>
         <p:txBody>
-          <a:bodyPr vert="horz" lIns="91440" tIns="45720" rIns="91440" bIns="45720" rtlCol="0" anchor="ctr">
-            <a:normAutofit/>
-          </a:bodyPr>
+          <a:bodyPr/>
           <a:lstStyle/>
           <a:p>
-            <a:pPr algn="l">
-              <a:spcAft>
-                <a:spcPts val="600"/>
-              </a:spcAft>
+            <a:pPr>
               <a:defRPr/>
             </a:pPr>
             <a:r>
-              <a:rPr lang="en-US" sz="1200" kern="1200">
-                <a:solidFill>
-                  <a:srgbClr val="FFFFFF"/>
-                </a:solidFill>
-                <a:latin typeface="Calibri" panose="020F0502020204030204"/>
-                <a:ea typeface="+mn-ea"/>
-                <a:cs typeface="+mn-cs"/>
-              </a:rPr>
+              <a:rPr lang="de-DE"/>
               <a:t>DI(FH) Falkensteiner Markus</a:t>
             </a:r>
           </a:p>
@@ -10822,44 +7774,437 @@
             <p:ph type="sldNum" sz="quarter" idx="12"/>
           </p:nvPr>
         </p:nvSpPr>
-        <p:spPr>
-          <a:xfrm>
-            <a:off x="6549390" y="6356350"/>
-            <a:ext cx="2400300" cy="365125"/>
-          </a:xfrm>
-        </p:spPr>
+        <p:spPr/>
         <p:txBody>
-          <a:bodyPr vert="horz" lIns="91440" tIns="45720" rIns="91440" bIns="45720" rtlCol="0" anchor="ctr">
-            <a:normAutofit/>
-          </a:bodyPr>
+          <a:bodyPr/>
           <a:lstStyle/>
           <a:p>
             <a:pPr>
-              <a:spcAft>
-                <a:spcPts val="600"/>
-              </a:spcAft>
               <a:defRPr/>
             </a:pPr>
             <a:fld id="{AE4538FE-AEB4-413B-B741-EC1BAEEF6B8F}" type="slidenum">
-              <a:rPr lang="en-US" sz="1200" smtClean="0">
-                <a:solidFill>
-                  <a:srgbClr val="FFFFFF"/>
-                </a:solidFill>
-                <a:latin typeface="Calibri" panose="020F0502020204030204"/>
-              </a:rPr>
-              <a:pPr>
-                <a:spcAft>
-                  <a:spcPts val="600"/>
-                </a:spcAft>
-                <a:defRPr/>
-              </a:pPr>
+              <a:rPr lang="de-AT" smtClean="0"/>
               <a:t>2</a:t>
             </a:fld>
-            <a:endParaRPr lang="en-US" sz="1200">
-              <a:solidFill>
-                <a:srgbClr val="FFFFFF"/>
-              </a:solidFill>
-              <a:latin typeface="Calibri" panose="020F0502020204030204"/>
+            <a:endParaRPr lang="de-AT"/>
+          </a:p>
+        </p:txBody>
+      </p:sp>
+      <p:sp>
+        <p:nvSpPr>
+          <p:cNvPr id="3" name="Text Box 2"/>
+          <p:cNvSpPr txBox="1"/>
+          <p:nvPr/>
+        </p:nvSpPr>
+        <p:spPr>
+          <a:xfrm>
+            <a:off x="611505" y="1628775"/>
+            <a:ext cx="8223250" cy="1877437"/>
+          </a:xfrm>
+          <a:prstGeom prst="rect">
+            <a:avLst/>
+          </a:prstGeom>
+          <a:noFill/>
+        </p:spPr>
+        <p:txBody>
+          <a:bodyPr wrap="square" lIns="91440" tIns="45720" rIns="91440" bIns="45720" rtlCol="0" anchor="t">
+            <a:spAutoFit/>
+          </a:bodyPr>
+          <a:lstStyle/>
+          <a:p>
+            <a:pPr indent="0">
+              <a:buFont typeface="Arial" panose="020B0604020202020204" pitchFamily="34" charset="0"/>
+              <a:buNone/>
+            </a:pPr>
+            <a:r>
+              <a:rPr lang="de-DE" altLang="en-US" sz="1400" b="1">
+                <a:latin typeface="Calibri"/>
+                <a:cs typeface="Calibri"/>
+              </a:rPr>
+              <a:t>Sprint Ziele:</a:t>
+            </a:r>
+          </a:p>
+          <a:p>
+            <a:r>
+              <a:rPr lang="de-DE" altLang="en-US" sz="1400">
+                <a:highlight>
+                  <a:srgbClr val="00FF00"/>
+                </a:highlight>
+                <a:latin typeface="Calibri"/>
+                <a:cs typeface="Calibri"/>
+              </a:rPr>
+              <a:t>Add </a:t>
+            </a:r>
+            <a:r>
+              <a:rPr lang="de-DE" altLang="en-US" sz="1400" err="1">
+                <a:highlight>
+                  <a:srgbClr val="00FF00"/>
+                </a:highlight>
+                <a:latin typeface="Calibri"/>
+                <a:cs typeface="Calibri"/>
+              </a:rPr>
+              <a:t>joystick</a:t>
+            </a:r>
+            <a:r>
+              <a:rPr lang="de-DE" altLang="en-US" sz="1400">
+                <a:highlight>
+                  <a:srgbClr val="00FF00"/>
+                </a:highlight>
+                <a:latin typeface="Calibri"/>
+                <a:cs typeface="Calibri"/>
+              </a:rPr>
+              <a:t> </a:t>
+            </a:r>
+            <a:r>
+              <a:rPr lang="de-DE" altLang="en-US" sz="1400" err="1">
+                <a:highlight>
+                  <a:srgbClr val="00FF00"/>
+                </a:highlight>
+                <a:latin typeface="Calibri"/>
+                <a:cs typeface="Calibri"/>
+              </a:rPr>
+              <a:t>to</a:t>
+            </a:r>
+            <a:r>
+              <a:rPr lang="de-DE" altLang="en-US" sz="1400">
+                <a:highlight>
+                  <a:srgbClr val="00FF00"/>
+                </a:highlight>
+                <a:latin typeface="Calibri"/>
+                <a:cs typeface="Calibri"/>
+              </a:rPr>
+              <a:t> </a:t>
+            </a:r>
+            <a:r>
+              <a:rPr lang="de-DE" altLang="en-US" sz="1400" err="1">
+                <a:highlight>
+                  <a:srgbClr val="00FF00"/>
+                </a:highlight>
+                <a:latin typeface="Calibri"/>
+                <a:cs typeface="Calibri"/>
+              </a:rPr>
+              <a:t>client</a:t>
+            </a:r>
+            <a:endParaRPr lang="de-DE" altLang="en-US" sz="1400">
+              <a:highlight>
+                <a:srgbClr val="00FF00"/>
+              </a:highlight>
+              <a:latin typeface="Calibri" panose="020F0502020204030204" charset="0"/>
+              <a:cs typeface="Calibri"/>
+            </a:endParaRPr>
+          </a:p>
+          <a:p>
+            <a:r>
+              <a:rPr lang="de-DE" altLang="en-US" sz="1400">
+                <a:highlight>
+                  <a:srgbClr val="00FF00"/>
+                </a:highlight>
+                <a:latin typeface="Calibri"/>
+                <a:ea typeface="Calibri"/>
+                <a:cs typeface="Calibri"/>
+              </a:rPr>
+              <a:t>Send </a:t>
+            </a:r>
+            <a:r>
+              <a:rPr lang="de-DE" altLang="en-US" sz="1400" err="1">
+                <a:highlight>
+                  <a:srgbClr val="00FF00"/>
+                </a:highlight>
+                <a:latin typeface="Calibri"/>
+                <a:ea typeface="Calibri"/>
+                <a:cs typeface="Calibri"/>
+              </a:rPr>
+              <a:t>user</a:t>
+            </a:r>
+            <a:r>
+              <a:rPr lang="de-DE" altLang="en-US" sz="1400">
+                <a:highlight>
+                  <a:srgbClr val="00FF00"/>
+                </a:highlight>
+                <a:latin typeface="Calibri"/>
+                <a:ea typeface="Calibri"/>
+                <a:cs typeface="Calibri"/>
+              </a:rPr>
+              <a:t> </a:t>
+            </a:r>
+            <a:r>
+              <a:rPr lang="de-DE" altLang="en-US" sz="1400" err="1">
+                <a:highlight>
+                  <a:srgbClr val="00FF00"/>
+                </a:highlight>
+                <a:latin typeface="Calibri"/>
+                <a:ea typeface="Calibri"/>
+                <a:cs typeface="Calibri"/>
+              </a:rPr>
+              <a:t>input</a:t>
+            </a:r>
+            <a:r>
+              <a:rPr lang="de-DE" altLang="en-US" sz="1400">
+                <a:highlight>
+                  <a:srgbClr val="00FF00"/>
+                </a:highlight>
+                <a:latin typeface="Calibri"/>
+                <a:ea typeface="Calibri"/>
+                <a:cs typeface="Calibri"/>
+              </a:rPr>
+              <a:t> </a:t>
+            </a:r>
+            <a:r>
+              <a:rPr lang="de-DE" altLang="en-US" sz="1400" err="1">
+                <a:highlight>
+                  <a:srgbClr val="00FF00"/>
+                </a:highlight>
+                <a:latin typeface="Calibri"/>
+                <a:ea typeface="Calibri"/>
+                <a:cs typeface="Calibri"/>
+              </a:rPr>
+              <a:t>to</a:t>
+            </a:r>
+            <a:r>
+              <a:rPr lang="de-DE" altLang="en-US" sz="1400">
+                <a:highlight>
+                  <a:srgbClr val="00FF00"/>
+                </a:highlight>
+                <a:latin typeface="Calibri"/>
+                <a:ea typeface="Calibri"/>
+                <a:cs typeface="Calibri"/>
+              </a:rPr>
+              <a:t> </a:t>
+            </a:r>
+            <a:r>
+              <a:rPr lang="de-DE" altLang="en-US" sz="1400" err="1">
+                <a:highlight>
+                  <a:srgbClr val="00FF00"/>
+                </a:highlight>
+                <a:latin typeface="Calibri"/>
+                <a:ea typeface="Calibri"/>
+                <a:cs typeface="Calibri"/>
+              </a:rPr>
+              <a:t>server</a:t>
+            </a:r>
+            <a:endParaRPr lang="de-DE" altLang="en-US" sz="1400">
+              <a:highlight>
+                <a:srgbClr val="00FF00"/>
+              </a:highlight>
+              <a:latin typeface="Calibri" panose="020F0502020204030204" charset="0"/>
+              <a:ea typeface="Calibri"/>
+              <a:cs typeface="Calibri"/>
+            </a:endParaRPr>
+          </a:p>
+          <a:p>
+            <a:r>
+              <a:rPr lang="de-DE" altLang="en-US" sz="1400">
+                <a:highlight>
+                  <a:srgbClr val="00FF00"/>
+                </a:highlight>
+                <a:latin typeface="Calibri"/>
+                <a:cs typeface="Calibri"/>
+              </a:rPr>
+              <a:t>LED on </a:t>
+            </a:r>
+            <a:r>
+              <a:rPr lang="de-DE" altLang="en-US" sz="1400" err="1">
+                <a:highlight>
+                  <a:srgbClr val="00FF00"/>
+                </a:highlight>
+                <a:latin typeface="Calibri"/>
+                <a:cs typeface="Calibri"/>
+              </a:rPr>
+              <a:t>mbot</a:t>
+            </a:r>
+            <a:endParaRPr lang="de-DE" altLang="en-US" sz="1400" err="1">
+              <a:highlight>
+                <a:srgbClr val="00FF00"/>
+              </a:highlight>
+              <a:latin typeface="Calibri"/>
+              <a:ea typeface="Calibri"/>
+              <a:cs typeface="Calibri"/>
+            </a:endParaRPr>
+          </a:p>
+          <a:p>
+            <a:r>
+              <a:rPr lang="de-DE" altLang="en-US" sz="1400" err="1">
+                <a:highlight>
+                  <a:srgbClr val="00FF00"/>
+                </a:highlight>
+                <a:latin typeface="Calibri"/>
+                <a:ea typeface="Calibri"/>
+                <a:cs typeface="Calibri"/>
+              </a:rPr>
+              <a:t>Suicide</a:t>
+            </a:r>
+            <a:r>
+              <a:rPr lang="de-DE" altLang="en-US" sz="1400">
+                <a:highlight>
+                  <a:srgbClr val="00FF00"/>
+                </a:highlight>
+                <a:latin typeface="Calibri"/>
+                <a:ea typeface="Calibri"/>
+                <a:cs typeface="Calibri"/>
+              </a:rPr>
+              <a:t> </a:t>
+            </a:r>
+            <a:r>
+              <a:rPr lang="de-DE" altLang="en-US" sz="1400" err="1">
+                <a:highlight>
+                  <a:srgbClr val="00FF00"/>
+                </a:highlight>
+                <a:latin typeface="Calibri"/>
+                <a:ea typeface="Calibri"/>
+                <a:cs typeface="Calibri"/>
+              </a:rPr>
+              <a:t>prevention</a:t>
+            </a:r>
+            <a:endParaRPr lang="de-DE" altLang="en-US" sz="1400" err="1">
+              <a:highlight>
+                <a:srgbClr val="00FF00"/>
+              </a:highlight>
+              <a:latin typeface="Calibri"/>
+              <a:cs typeface="Calibri"/>
+            </a:endParaRPr>
+          </a:p>
+          <a:p>
+            <a:r>
+              <a:rPr lang="de-DE" altLang="en-US" sz="1400" err="1">
+                <a:highlight>
+                  <a:srgbClr val="FFFF00"/>
+                </a:highlight>
+                <a:latin typeface="Calibri"/>
+                <a:cs typeface="Calibri"/>
+              </a:rPr>
+              <a:t>Recognize</a:t>
+            </a:r>
+            <a:r>
+              <a:rPr lang="de-DE" altLang="en-US" sz="1400">
+                <a:highlight>
+                  <a:srgbClr val="FFFF00"/>
+                </a:highlight>
+                <a:latin typeface="Calibri"/>
+                <a:cs typeface="Calibri"/>
+              </a:rPr>
+              <a:t> </a:t>
+            </a:r>
+            <a:r>
+              <a:rPr lang="de-DE" altLang="en-US" sz="1400" err="1">
+                <a:highlight>
+                  <a:srgbClr val="FFFF00"/>
+                </a:highlight>
+                <a:latin typeface="Calibri"/>
+                <a:cs typeface="Calibri"/>
+              </a:rPr>
+              <a:t>when</a:t>
+            </a:r>
+            <a:r>
+              <a:rPr lang="de-DE" altLang="en-US" sz="1400">
+                <a:highlight>
+                  <a:srgbClr val="FFFF00"/>
+                </a:highlight>
+                <a:latin typeface="Calibri"/>
+                <a:cs typeface="Calibri"/>
+              </a:rPr>
+              <a:t> </a:t>
+            </a:r>
+            <a:r>
+              <a:rPr lang="de-DE" altLang="en-US" sz="1400" err="1">
+                <a:highlight>
+                  <a:srgbClr val="FFFF00"/>
+                </a:highlight>
+                <a:latin typeface="Calibri"/>
+                <a:cs typeface="Calibri"/>
+              </a:rPr>
+              <a:t>MBots</a:t>
+            </a:r>
+            <a:r>
+              <a:rPr lang="de-DE" altLang="en-US" sz="1400">
+                <a:highlight>
+                  <a:srgbClr val="FFFF00"/>
+                </a:highlight>
+                <a:latin typeface="Calibri"/>
+                <a:cs typeface="Calibri"/>
+              </a:rPr>
+              <a:t> turn offline</a:t>
+            </a:r>
+            <a:endParaRPr lang="de-DE" altLang="en-US">
+              <a:highlight>
+                <a:srgbClr val="FF0000"/>
+              </a:highlight>
+              <a:latin typeface="Calibri" panose="020F0502020204030204" charset="0"/>
+              <a:cs typeface="Calibri" panose="020F0502020204030204" charset="0"/>
+            </a:endParaRPr>
+          </a:p>
+          <a:p>
+            <a:r>
+              <a:rPr lang="de-DE" altLang="en-US" sz="1400" err="1">
+                <a:highlight>
+                  <a:srgbClr val="FFFF00"/>
+                </a:highlight>
+                <a:latin typeface="Calibri"/>
+                <a:ea typeface="Calibri"/>
+                <a:cs typeface="Calibri"/>
+              </a:rPr>
+              <a:t>Make</a:t>
+            </a:r>
+            <a:r>
+              <a:rPr lang="de-DE" altLang="en-US" sz="1400">
+                <a:highlight>
+                  <a:srgbClr val="FFFF00"/>
+                </a:highlight>
+                <a:latin typeface="Calibri"/>
+                <a:ea typeface="Calibri"/>
+                <a:cs typeface="Calibri"/>
+              </a:rPr>
+              <a:t> </a:t>
+            </a:r>
+            <a:r>
+              <a:rPr lang="de-DE" altLang="en-US" sz="1400" err="1">
+                <a:highlight>
+                  <a:srgbClr val="FFFF00"/>
+                </a:highlight>
+                <a:latin typeface="Calibri"/>
+                <a:ea typeface="Calibri"/>
+                <a:cs typeface="Calibri"/>
+              </a:rPr>
+              <a:t>mbot</a:t>
+            </a:r>
+            <a:r>
+              <a:rPr lang="de-DE" altLang="en-US" sz="1400">
+                <a:highlight>
+                  <a:srgbClr val="FFFF00"/>
+                </a:highlight>
+                <a:latin typeface="Calibri"/>
+                <a:ea typeface="Calibri"/>
+                <a:cs typeface="Calibri"/>
+              </a:rPr>
+              <a:t> </a:t>
+            </a:r>
+            <a:r>
+              <a:rPr lang="de-DE" altLang="en-US" sz="1400" err="1">
+                <a:highlight>
+                  <a:srgbClr val="FFFF00"/>
+                </a:highlight>
+                <a:latin typeface="Calibri"/>
+                <a:ea typeface="Calibri"/>
+                <a:cs typeface="Calibri"/>
+              </a:rPr>
+              <a:t>drive</a:t>
+            </a:r>
+            <a:endParaRPr lang="de-DE" altLang="en-US" sz="1400" err="1">
+              <a:highlight>
+                <a:srgbClr val="FFFF00"/>
+              </a:highlight>
+              <a:latin typeface="Calibri" panose="020F0502020204030204" charset="0"/>
+              <a:ea typeface="Calibri"/>
+              <a:cs typeface="Calibri" panose="020F0502020204030204" charset="0"/>
+            </a:endParaRPr>
+          </a:p>
+          <a:p>
+            <a:endParaRPr lang="de-DE" altLang="en-US">
+              <a:highlight>
+                <a:srgbClr val="FF0000"/>
+              </a:highlight>
+              <a:latin typeface="Calibri" panose="020F0502020204030204" charset="0"/>
+              <a:ea typeface="Calibri" panose="020F0502020204030204" charset="0"/>
+              <a:cs typeface="Calibri" panose="020F0502020204030204" charset="0"/>
             </a:endParaRPr>
           </a:p>
         </p:txBody>
@@ -10905,14 +8250,11 @@
           <a:lstStyle/>
           <a:p>
             <a:r>
-              <a:rPr lang="de-DE" altLang="en-US">
+              <a:rPr lang="de-DE" altLang="en-US" err="1">
                 <a:cs typeface="+mj-lt"/>
               </a:rPr>
               <a:t>Sprint Review</a:t>
             </a:r>
-            <a:endParaRPr lang="de-DE" altLang="en-US" err="1">
-              <a:cs typeface="+mj-lt"/>
-            </a:endParaRPr>
           </a:p>
         </p:txBody>
       </p:sp>
@@ -11012,14 +8354,14 @@
           <p:nvPr>
             <p:extLst>
               <p:ext uri="{D42A27DB-BD31-4B8C-83A1-F6EECF244321}">
-                <p14:modId xmlns:p14="http://schemas.microsoft.com/office/powerpoint/2010/main" val="795947046"/>
+                <p14:modId xmlns:p14="http://schemas.microsoft.com/office/powerpoint/2010/main" val="2443307267"/>
               </p:ext>
             </p:extLst>
           </p:nvPr>
         </p:nvGraphicFramePr>
         <p:xfrm>
           <a:off x="683895" y="2132965"/>
-          <a:ext cx="7696200" cy="4669409"/>
+          <a:ext cx="7696200" cy="4500880"/>
         </p:xfrm>
         <a:graphic>
           <a:graphicData uri="http://schemas.openxmlformats.org/drawingml/2006/table">
@@ -11028,14 +8370,14 @@
                 <a:tableStyleId>{5C22544A-7EE6-4342-B048-85BDC9FD1C3A}</a:tableStyleId>
               </a:tblPr>
               <a:tblGrid>
-                <a:gridCol w="1138511">
+                <a:gridCol w="1437919">
                   <a:extLst>
                     <a:ext uri="{9D8B030D-6E8A-4147-A177-3AD203B41FA5}">
                       <a16:colId xmlns:a16="http://schemas.microsoft.com/office/drawing/2014/main" val="20000"/>
                     </a:ext>
                   </a:extLst>
                 </a:gridCol>
-                <a:gridCol w="1613223">
+                <a:gridCol w="1313815">
                   <a:extLst>
                     <a:ext uri="{9D8B030D-6E8A-4147-A177-3AD203B41FA5}">
                       <a16:colId xmlns:a16="http://schemas.microsoft.com/office/drawing/2014/main" val="20001"/>
@@ -11064,7 +8406,7 @@
                   </a:extLst>
                 </a:gridCol>
               </a:tblGrid>
-              <a:tr h="492854">
+              <a:tr h="444500">
                 <a:tc>
                   <a:txBody>
                     <a:bodyPr/>
@@ -11128,14 +8470,11 @@
                         <a:buNone/>
                       </a:pPr>
                       <a:r>
-                        <a:rPr lang="de-DE" altLang="en-US">
+                        <a:rPr lang="de-DE" altLang="en-US" err="1">
                           <a:latin typeface="Calibri"/>
                         </a:rPr>
                         <a:t>StoryPoints</a:t>
                       </a:r>
-                      <a:endParaRPr lang="de-DE" altLang="en-US" err="1">
-                        <a:latin typeface="Calibri"/>
-                      </a:endParaRPr>
                     </a:p>
                   </a:txBody>
                   <a:tcPr/>
@@ -11164,7 +8503,7 @@
                   </a:ext>
                 </a:extLst>
               </a:tr>
-              <a:tr h="392458">
+              <a:tr h="443865">
                 <a:tc>
                   <a:txBody>
                     <a:bodyPr/>
@@ -11177,113 +8516,7 @@
                         <a:rPr lang="de-DE" altLang="en-US">
                           <a:latin typeface="Calibri"/>
                         </a:rPr>
-                        <a:t>33</a:t>
-                      </a:r>
-                    </a:p>
-                  </a:txBody>
-                  <a:tcPr/>
-                </a:tc>
-                <a:tc>
-                  <a:txBody>
-                    <a:bodyPr/>
-                    <a:lstStyle/>
-                    <a:p>
-                      <a:pPr>
-                        <a:buNone/>
-                      </a:pPr>
-                      <a:r>
-                        <a:rPr lang="de-DE" altLang="en-US" sz="1350">
-                          <a:latin typeface="Calibri"/>
-                        </a:rPr>
-                        <a:t>David Legenjovic</a:t>
-                      </a:r>
-                      <a:endParaRPr lang="de-DE" altLang="en-US" sz="1350" err="1">
-                        <a:latin typeface="Calibri"/>
-                      </a:endParaRPr>
-                    </a:p>
-                  </a:txBody>
-                  <a:tcPr/>
-                </a:tc>
-                <a:tc>
-                  <a:txBody>
-                    <a:bodyPr/>
-                    <a:lstStyle/>
-                    <a:p>
-                      <a:r>
-                        <a:rPr lang="de-DE" sz="1350" b="0" i="0" kern="1200">
-                          <a:solidFill>
-                            <a:schemeClr val="dk1"/>
-                          </a:solidFill>
-                          <a:effectLst/>
-                          <a:latin typeface="+mn-lt"/>
-                          <a:ea typeface="+mn-ea"/>
-                          <a:cs typeface="+mn-cs"/>
-                        </a:rPr>
-                        <a:t>Socket Connection with Server</a:t>
-                      </a:r>
-                    </a:p>
-                  </a:txBody>
-                  <a:tcPr/>
-                </a:tc>
-                <a:tc>
-                  <a:txBody>
-                    <a:bodyPr/>
-                    <a:lstStyle/>
-                    <a:p>
-                      <a:pPr>
-                        <a:buNone/>
-                      </a:pPr>
-                      <a:r>
-                        <a:rPr lang="de-DE" altLang="en-US">
-                          <a:latin typeface="Calibri"/>
-                        </a:rPr>
-                        <a:t>6</a:t>
-                      </a:r>
-                    </a:p>
-                  </a:txBody>
-                  <a:tcPr/>
-                </a:tc>
-                <a:tc>
-                  <a:txBody>
-                    <a:bodyPr/>
-                    <a:lstStyle/>
-                    <a:p>
-                      <a:pPr>
-                        <a:buNone/>
-                      </a:pPr>
-                      <a:r>
-                        <a:rPr lang="de-DE" altLang="en-US">
-                          <a:highlight>
-                            <a:srgbClr val="00FF00"/>
-                          </a:highlight>
-                          <a:latin typeface="Calibri"/>
-                        </a:rPr>
-                        <a:t>erledigt</a:t>
-                      </a:r>
-                    </a:p>
-                  </a:txBody>
-                  <a:tcPr/>
-                </a:tc>
-                <a:extLst>
-                  <a:ext uri="{0D108BD9-81ED-4DB2-BD59-A6C34878D82A}">
-                    <a16:rowId xmlns:a16="http://schemas.microsoft.com/office/drawing/2014/main" val="10002"/>
-                  </a:ext>
-                </a:extLst>
-              </a:tr>
-              <a:tr h="520235">
-                <a:tc>
-                  <a:txBody>
-                    <a:bodyPr/>
-                    <a:lstStyle/>
-                    <a:p>
-                      <a:pPr>
-                        <a:buNone/>
-                      </a:pPr>
-                      <a:r>
-                        <a:rPr lang="de-DE" altLang="en-US">
-                          <a:latin typeface="Calibri"/>
-                        </a:rPr>
-                        <a:t>30</a:t>
+                        <a:t>21</a:t>
                       </a:r>
                     </a:p>
                   </a:txBody>
@@ -11323,8 +8556,17 @@
                         <a:rPr lang="en-US" altLang="en-US">
                           <a:latin typeface="+mn-lt"/>
                         </a:rPr>
-                        <a:t>Fix server bug relating client disconnections</a:t>
+                        <a:t>Write script that distributes commands along all </a:t>
                       </a:r>
+                      <a:r>
+                        <a:rPr lang="en-US" altLang="en-US" err="1">
+                          <a:latin typeface="+mn-lt"/>
+                        </a:rPr>
+                        <a:t>mbots</a:t>
+                      </a:r>
+                      <a:endParaRPr lang="en-US" altLang="en-US">
+                        <a:latin typeface="+mn-lt"/>
+                      </a:endParaRPr>
                     </a:p>
                   </a:txBody>
                   <a:tcPr/>
@@ -11342,6 +8584,125 @@
                           <a:latin typeface="Calibri"/>
                         </a:rPr>
                         <a:t>8</a:t>
+                      </a:r>
+                    </a:p>
+                  </a:txBody>
+                  <a:tcPr/>
+                </a:tc>
+                <a:tc>
+                  <a:txBody>
+                    <a:bodyPr/>
+                    <a:lstStyle/>
+                    <a:p>
+                      <a:pPr>
+                        <a:buNone/>
+                      </a:pPr>
+                      <a:r>
+                        <a:rPr lang="de-DE" altLang="en-US">
+                          <a:highlight>
+                            <a:srgbClr val="00FF00"/>
+                          </a:highlight>
+                          <a:latin typeface="Calibri"/>
+                        </a:rPr>
+                        <a:t>erledigt</a:t>
+                      </a:r>
+                    </a:p>
+                  </a:txBody>
+                  <a:tcPr/>
+                </a:tc>
+                <a:extLst>
+                  <a:ext uri="{0D108BD9-81ED-4DB2-BD59-A6C34878D82A}">
+                    <a16:rowId xmlns:a16="http://schemas.microsoft.com/office/drawing/2014/main" val="10002"/>
+                  </a:ext>
+                </a:extLst>
+              </a:tr>
+              <a:tr h="586740">
+                <a:tc>
+                  <a:txBody>
+                    <a:bodyPr/>
+                    <a:lstStyle/>
+                    <a:p>
+                      <a:pPr>
+                        <a:buNone/>
+                      </a:pPr>
+                      <a:r>
+                        <a:rPr lang="de-DE" altLang="en-US">
+                          <a:latin typeface="Calibri"/>
+                        </a:rPr>
+                        <a:t>28</a:t>
+                      </a:r>
+                    </a:p>
+                  </a:txBody>
+                  <a:tcPr/>
+                </a:tc>
+                <a:tc>
+                  <a:txBody>
+                    <a:bodyPr/>
+                    <a:lstStyle/>
+                    <a:p>
+                      <a:pPr>
+                        <a:buNone/>
+                      </a:pPr>
+                      <a:r>
+                        <a:rPr lang="de-DE" altLang="en-US" sz="1350">
+                          <a:latin typeface="Calibri"/>
+                          <a:sym typeface="+mn-ea"/>
+                        </a:rPr>
+                        <a:t>Jonas Maier</a:t>
+                      </a:r>
+                      <a:endParaRPr lang="de-DE" altLang="en-US">
+                        <a:latin typeface="Calibri"/>
+                      </a:endParaRPr>
+                    </a:p>
+                  </a:txBody>
+                  <a:tcPr/>
+                </a:tc>
+                <a:tc>
+                  <a:txBody>
+                    <a:bodyPr/>
+                    <a:lstStyle/>
+                    <a:p>
+                      <a:pPr>
+                        <a:buNone/>
+                      </a:pPr>
+                      <a:r>
+                        <a:rPr lang="en-US" altLang="en-US">
+                          <a:latin typeface="+mn-lt"/>
+                        </a:rPr>
+                        <a:t>Fix </a:t>
+                      </a:r>
+                      <a:r>
+                        <a:rPr lang="en-US" altLang="en-US" err="1">
+                          <a:latin typeface="+mn-lt"/>
+                        </a:rPr>
+                        <a:t>occuring</a:t>
+                      </a:r>
+                      <a:r>
+                        <a:rPr lang="en-US" altLang="en-US">
+                          <a:latin typeface="+mn-lt"/>
+                        </a:rPr>
+                        <a:t> bug with sending int[] to database then crashing</a:t>
+                      </a:r>
+                      <a:endParaRPr lang="de-DE" altLang="en-US">
+                        <a:latin typeface="Calibri"/>
+                      </a:endParaRPr>
+                    </a:p>
+                  </a:txBody>
+                  <a:tcPr/>
+                </a:tc>
+                <a:tc>
+                  <a:txBody>
+                    <a:bodyPr/>
+                    <a:lstStyle/>
+                    <a:p>
+                      <a:pPr>
+                        <a:buNone/>
+                      </a:pPr>
+                      <a:r>
+                        <a:rPr lang="de-DE" altLang="en-US">
+                          <a:latin typeface="Calibri"/>
+                        </a:rPr>
+                        <a:t>5</a:t>
                       </a:r>
                     </a:p>
                   </a:txBody>
@@ -11379,7 +8740,7 @@
                   </a:ext>
                 </a:extLst>
               </a:tr>
-              <a:tr h="392458">
+              <a:tr h="444500">
                 <a:tc>
                   <a:txBody>
                     <a:bodyPr/>
@@ -11392,7 +8753,7 @@
                         <a:rPr lang="de-DE" altLang="en-US">
                           <a:latin typeface="Calibri"/>
                         </a:rPr>
-                        <a:t>34</a:t>
+                        <a:t>23</a:t>
                       </a:r>
                     </a:p>
                   </a:txBody>
@@ -11435,7 +8796,31 @@
                           <a:ea typeface="+mn-ea"/>
                           <a:cs typeface="+mn-cs"/>
                         </a:rPr>
-                        <a:t>Add UDP server</a:t>
+                        <a:t>Write script that sends </a:t>
+                      </a:r>
+                      <a:r>
+                        <a:rPr lang="en-US" sz="1350" b="0" i="0" kern="1200" err="1">
+                          <a:solidFill>
+                            <a:schemeClr val="dk1"/>
+                          </a:solidFill>
+                          <a:effectLst/>
+                          <a:latin typeface="+mn-lt"/>
+                          <a:ea typeface="+mn-ea"/>
+                          <a:cs typeface="+mn-cs"/>
+                        </a:rPr>
+                        <a:t>sensordata</a:t>
+                      </a:r>
+                      <a:r>
+                        <a:rPr lang="en-US" sz="1350" b="0" i="0" kern="1200">
+                          <a:solidFill>
+                            <a:schemeClr val="dk1"/>
+                          </a:solidFill>
+                          <a:effectLst/>
+                          <a:latin typeface="+mn-lt"/>
+                          <a:ea typeface="+mn-ea"/>
+                          <a:cs typeface="+mn-cs"/>
+                        </a:rPr>
+                        <a:t> to client</a:t>
                       </a:r>
                     </a:p>
                   </a:txBody>
@@ -11486,7 +8871,7 @@
                   </a:ext>
                 </a:extLst>
               </a:tr>
-              <a:tr h="392458">
+              <a:tr h="444500">
                 <a:tc>
                   <a:txBody>
                     <a:bodyPr/>
@@ -11499,7 +8884,7 @@
                         <a:rPr lang="de-DE" altLang="en-US">
                           <a:latin typeface="Calibri"/>
                         </a:rPr>
-                        <a:t>37</a:t>
+                        <a:t>13</a:t>
                       </a:r>
                     </a:p>
                   </a:txBody>
@@ -11517,9 +8902,15 @@
                         <a:rPr lang="de-DE" altLang="en-US">
                           <a:latin typeface="Calibri"/>
                         </a:rPr>
-                        <a:t>David Legenjovic</a:t>
+                        <a:t>David </a:t>
                       </a:r>
-                      <a:endParaRPr lang="de-DE" altLang="en-US" err="1">
+                      <a:r>
+                        <a:rPr lang="de-DE" altLang="en-US" err="1">
+                          <a:latin typeface="Calibri"/>
+                        </a:rPr>
+                        <a:t>Legenjovic</a:t>
+                      </a:r>
+                      <a:endParaRPr lang="de-DE" altLang="en-US">
                         <a:latin typeface="Calibri"/>
                       </a:endParaRPr>
                     </a:p>
@@ -11531,21 +8922,6 @@
                     <a:bodyPr/>
                     <a:lstStyle/>
                     <a:p>
-                      <a:pPr marL="0" marR="0" lvl="0" indent="0" algn="l" rtl="0" eaLnBrk="1" fontAlgn="auto" latinLnBrk="0" hangingPunct="1">
-                        <a:lnSpc>
-                          <a:spcPct val="100000"/>
-                        </a:lnSpc>
-                        <a:spcBef>
-                          <a:spcPts val="0"/>
-                        </a:spcBef>
-                        <a:spcAft>
-                          <a:spcPts val="0"/>
-                        </a:spcAft>
-                        <a:buClrTx/>
-                        <a:buSzTx/>
-                        <a:buFontTx/>
-                        <a:buNone/>
-                      </a:pPr>
                       <a:r>
                         <a:rPr lang="en-US" sz="1350" b="0" i="0" kern="1200">
                           <a:solidFill>
@@ -11556,9 +8932,21 @@
                           <a:ea typeface="+mn-ea"/>
                           <a:cs typeface="+mn-cs"/>
                         </a:rPr>
-                        <a:t>Improve MBotDetailPage</a:t>
+                        <a:t>Send user input to the </a:t>
                       </a:r>
-                      <a:endParaRPr lang="en-US" sz="1350" b="0" i="0" kern="1200" err="1">
+                      <a:r>
+                        <a:rPr lang="en-US" sz="1350" b="0" i="0" kern="1200" err="1">
+                          <a:solidFill>
+                            <a:schemeClr val="dk1"/>
+                          </a:solidFill>
+                          <a:effectLst/>
+                          <a:latin typeface="+mn-lt"/>
+                          <a:ea typeface="+mn-ea"/>
+                          <a:cs typeface="+mn-cs"/>
+                        </a:rPr>
+                        <a:t>mbot</a:t>
+                      </a:r>
+                      <a:endParaRPr lang="en-US" sz="1350" b="0" i="0" kern="1200">
                         <a:solidFill>
                           <a:schemeClr val="dk1"/>
                         </a:solidFill>
@@ -11594,140 +8982,6 @@
                     <a:bodyPr/>
                     <a:lstStyle/>
                     <a:p>
-                      <a:pPr>
-                        <a:buNone/>
-                      </a:pPr>
-                      <a:r>
-                        <a:rPr lang="de-DE" altLang="en-US" sz="1350" kern="1200">
-                          <a:solidFill>
-                            <a:schemeClr val="dk1"/>
-                          </a:solidFill>
-                          <a:highlight>
-                            <a:srgbClr val="00FF00"/>
-                          </a:highlight>
-                          <a:latin typeface="Calibri"/>
-                          <a:ea typeface="+mn-ea"/>
-                          <a:cs typeface="+mn-cs"/>
-                        </a:rPr>
-                        <a:t>erledigt</a:t>
-                      </a:r>
-                    </a:p>
-                  </a:txBody>
-                  <a:tcPr/>
-                </a:tc>
-                <a:extLst>
-                  <a:ext uri="{0D108BD9-81ED-4DB2-BD59-A6C34878D82A}">
-                    <a16:rowId xmlns:a16="http://schemas.microsoft.com/office/drawing/2014/main" val="677710981"/>
-                  </a:ext>
-                </a:extLst>
-              </a:tr>
-              <a:tr h="711900">
-                <a:tc>
-                  <a:txBody>
-                    <a:bodyPr/>
-                    <a:lstStyle/>
-                    <a:p>
-                      <a:pPr>
-                        <a:buNone/>
-                      </a:pPr>
-                      <a:r>
-                        <a:rPr lang="de-DE" altLang="en-US">
-                          <a:latin typeface="Calibri"/>
-                        </a:rPr>
-                        <a:t>40</a:t>
-                      </a:r>
-                    </a:p>
-                  </a:txBody>
-                  <a:tcPr/>
-                </a:tc>
-                <a:tc>
-                  <a:txBody>
-                    <a:bodyPr/>
-                    <a:lstStyle/>
-                    <a:p>
-                      <a:pPr>
-                        <a:buNone/>
-                      </a:pPr>
-                      <a:r>
-                        <a:rPr lang="de-DE" altLang="en-US">
-                          <a:latin typeface="Calibri"/>
-                        </a:rPr>
-                        <a:t>Jonas Maier</a:t>
-                      </a:r>
-                    </a:p>
-                  </a:txBody>
-                  <a:tcPr/>
-                </a:tc>
-                <a:tc>
-                  <a:txBody>
-                    <a:bodyPr/>
-                    <a:lstStyle/>
-                    <a:p>
-                      <a:r>
-                        <a:rPr lang="en-US" sz="1350" b="0" i="0" kern="1200">
-                          <a:solidFill>
-                            <a:schemeClr val="dk1"/>
-                          </a:solidFill>
-                          <a:effectLst/>
-                          <a:latin typeface="+mn-lt"/>
-                          <a:ea typeface="+mn-ea"/>
-                          <a:cs typeface="+mn-cs"/>
-                        </a:rPr>
-                        <a:t>Additional information for data transfer</a:t>
-                      </a:r>
-                    </a:p>
-                  </a:txBody>
-                  <a:tcPr/>
-                </a:tc>
-                <a:tc>
-                  <a:txBody>
-                    <a:bodyPr/>
-                    <a:lstStyle/>
-                    <a:p>
-                      <a:pPr>
-                        <a:buNone/>
-                      </a:pPr>
-                      <a:r>
-                        <a:rPr lang="de-DE" altLang="en-US">
-                          <a:latin typeface="Calibri"/>
-                        </a:rPr>
-                        <a:t>3</a:t>
-                      </a:r>
-                    </a:p>
-                  </a:txBody>
-                  <a:tcPr/>
-                </a:tc>
-                <a:tc>
-                  <a:txBody>
-                    <a:bodyPr/>
-                    <a:lstStyle/>
-                    <a:p>
-                      <a:pPr lvl="0" algn="l">
-                        <a:lnSpc>
-                          <a:spcPct val="100000"/>
-                        </a:lnSpc>
-                        <a:spcBef>
-                          <a:spcPts val="0"/>
-                        </a:spcBef>
-                        <a:spcAft>
-                          <a:spcPts val="0"/>
-                        </a:spcAft>
-                        <a:buNone/>
-                      </a:pPr>
-                      <a:r>
-                        <a:rPr lang="de-DE" sz="1400" b="0" i="0" u="none" strike="noStrike" noProof="0">
-                          <a:solidFill>
-                            <a:srgbClr val="000000"/>
-                          </a:solidFill>
-                          <a:highlight>
-                            <a:srgbClr val="00FF00"/>
-                          </a:highlight>
-                          <a:latin typeface="Calibri"/>
-                        </a:rPr>
-                        <a:t>erledigt</a:t>
-                      </a:r>
-                    </a:p>
-                    <a:p>
                       <a:pPr marL="0" marR="0" lvl="0" indent="0" algn="l" defTabSz="685800">
                         <a:lnSpc>
                           <a:spcPct val="100000"/>
@@ -11742,14 +8996,23 @@
                         <a:tabLst/>
                         <a:defRPr/>
                       </a:pPr>
-                      <a:endParaRPr lang="de-DE" sz="1400" b="0" i="0" u="none" strike="noStrike" noProof="0">
-                        <a:solidFill>
-                          <a:srgbClr val="000000"/>
-                        </a:solidFill>
+                      <a:r>
+                        <a:rPr lang="de-DE" sz="1400" b="0" i="0" u="none" strike="noStrike" noProof="0">
+                          <a:solidFill>
+                            <a:srgbClr val="000000"/>
+                          </a:solidFill>
+                          <a:highlight>
+                            <a:srgbClr val="00FF00"/>
+                          </a:highlight>
+                          <a:latin typeface="Calibri"/>
+                        </a:rPr>
+                        <a:t>erledigt</a:t>
+                      </a:r>
+                      <a:endParaRPr lang="de-DE" altLang="en-US">
                         <a:highlight>
-                          <a:srgbClr val="00FF00"/>
+                          <a:srgbClr val="FF0000"/>
                         </a:highlight>
-                        <a:latin typeface="Calibri"/>
+                        <a:latin typeface="Calibri" panose="020F0502020204030204" charset="0"/>
                       </a:endParaRPr>
                     </a:p>
                     <a:p>
@@ -11772,79 +9035,7 @@
                   </a:ext>
                 </a:extLst>
               </a:tr>
-              <a:tr h="511108">
-                <a:tc>
-                  <a:txBody>
-                    <a:bodyPr/>
-                    <a:lstStyle/>
-                    <a:p>
-                      <a:pPr>
-                        <a:buNone/>
-                      </a:pPr>
-                      <a:r>
-                        <a:rPr lang="de-DE" altLang="en-US">
-                          <a:latin typeface="Calibri"/>
-                        </a:rPr>
-                        <a:t>38</a:t>
-                      </a:r>
-                    </a:p>
-                  </a:txBody>
-                  <a:tcPr/>
-                </a:tc>
-                <a:tc>
-                  <a:txBody>
-                    <a:bodyPr/>
-                    <a:lstStyle/>
-                    <a:p>
-                      <a:pPr>
-                        <a:buNone/>
-                      </a:pPr>
-                      <a:r>
-                        <a:rPr lang="de-DE" altLang="en-US">
-                          <a:latin typeface="Calibri"/>
-                        </a:rPr>
-                        <a:t>Jonas Maier</a:t>
-                      </a:r>
-                    </a:p>
-                  </a:txBody>
-                  <a:tcPr/>
-                </a:tc>
-                <a:tc>
-                  <a:txBody>
-                    <a:bodyPr/>
-                    <a:lstStyle/>
-                    <a:p>
-                      <a:pPr marL="0" marR="0" lvl="0" indent="0" algn="l" rtl="0" eaLnBrk="1" fontAlgn="auto" latinLnBrk="0" hangingPunct="1">
-                        <a:lnSpc>
-                          <a:spcPct val="100000"/>
-                        </a:lnSpc>
-                        <a:spcBef>
-                          <a:spcPts val="0"/>
-                        </a:spcBef>
-                        <a:spcAft>
-                          <a:spcPts val="0"/>
-                        </a:spcAft>
-                        <a:buClrTx/>
-                        <a:buSzTx/>
-                        <a:buFontTx/>
-                        <a:buNone/>
-                      </a:pPr>
-                      <a:r>
-                        <a:rPr lang="en-US" sz="1350" b="0" i="0" kern="1200">
-                          <a:solidFill>
-                            <a:schemeClr val="dk1"/>
-                          </a:solidFill>
-                          <a:effectLst/>
-                          <a:latin typeface="+mn-lt"/>
-                          <a:ea typeface="+mn-ea"/>
-                          <a:cs typeface="+mn-cs"/>
-                        </a:rPr>
-                        <a:t>Add error handling when server stops existing</a:t>
-                      </a:r>
-                    </a:p>
-                  </a:txBody>
-                  <a:tcPr/>
-                </a:tc>
+              <a:tr h="444500">
                 <a:tc>
                   <a:txBody>
                     <a:bodyPr/>
@@ -11868,42 +9059,25 @@
                     <a:bodyPr/>
                     <a:lstStyle/>
                     <a:p>
-                      <a:pPr lvl="0" algn="l">
-                        <a:lnSpc>
-                          <a:spcPct val="100000"/>
-                        </a:lnSpc>
-                        <a:spcBef>
-                          <a:spcPts val="0"/>
-                        </a:spcBef>
-                        <a:spcAft>
-                          <a:spcPts val="0"/>
-                        </a:spcAft>
+                      <a:pPr>
                         <a:buNone/>
                       </a:pPr>
                       <a:r>
-                        <a:rPr lang="de-DE" sz="1400" b="0" i="0" u="none" strike="noStrike" kern="1200" noProof="0">
-                          <a:solidFill>
-                            <a:srgbClr val="000000"/>
-                          </a:solidFill>
-                          <a:highlight>
-                            <a:srgbClr val="FFFF00"/>
-                          </a:highlight>
+                        <a:rPr lang="de-DE" altLang="en-US">
                           <a:latin typeface="Calibri"/>
                         </a:rPr>
-                        <a:t>Nicht fertig</a:t>
+                        <a:t>Daniel Jessner</a:t>
                       </a:r>
-                      <a:endParaRPr lang="de-DE" sz="1400" b="0" i="0" u="none" strike="noStrike" kern="1200" noProof="0">
-                        <a:solidFill>
-                          <a:srgbClr val="000000"/>
-                        </a:solidFill>
-                        <a:highlight>
-                          <a:srgbClr val="00FF00"/>
-                        </a:highlight>
-                        <a:latin typeface="Calibri"/>
-                      </a:endParaRPr>
                     </a:p>
+                  </a:txBody>
+                  <a:tcPr/>
+                </a:tc>
+                <a:tc>
+                  <a:txBody>
+                    <a:bodyPr/>
+                    <a:lstStyle/>
                     <a:p>
-                      <a:pPr marL="0" marR="0" lvl="0" indent="0" algn="l" defTabSz="685800">
+                      <a:pPr marL="0" marR="0" lvl="0" indent="0" algn="l" defTabSz="685800" rtl="0" eaLnBrk="1" fontAlgn="auto" latinLnBrk="0" hangingPunct="1">
                         <a:lnSpc>
                           <a:spcPct val="100000"/>
                         </a:lnSpc>
@@ -11920,7 +9094,77 @@
                         <a:tabLst/>
                         <a:defRPr/>
                       </a:pPr>
-                      <a:endParaRPr lang="de-DE" sz="1400" b="0" i="0" u="none" strike="noStrike" kern="1200" noProof="0">
+                      <a:r>
+                        <a:rPr lang="en-US" sz="1350" b="0" i="0" kern="1200">
+                          <a:solidFill>
+                            <a:schemeClr val="dk1"/>
+                          </a:solidFill>
+                          <a:effectLst/>
+                          <a:latin typeface="+mn-lt"/>
+                          <a:ea typeface="+mn-ea"/>
+                          <a:cs typeface="+mn-cs"/>
+                        </a:rPr>
+                        <a:t>Suicide Prevention</a:t>
+                      </a:r>
+                    </a:p>
+                  </a:txBody>
+                  <a:tcPr/>
+                </a:tc>
+                <a:tc>
+                  <a:txBody>
+                    <a:bodyPr/>
+                    <a:lstStyle/>
+                    <a:p>
+                      <a:pPr>
+                        <a:buNone/>
+                      </a:pPr>
+                      <a:r>
+                        <a:rPr lang="de-DE" altLang="en-US">
+                          <a:latin typeface="Calibri"/>
+                        </a:rPr>
+                        <a:t>1</a:t>
+                      </a:r>
+                    </a:p>
+                  </a:txBody>
+                  <a:tcPr/>
+                </a:tc>
+                <a:tc>
+                  <a:txBody>
+                    <a:bodyPr/>
+                    <a:lstStyle/>
+                    <a:p>
+                      <a:pPr marL="0" marR="0" lvl="0" indent="0" algn="l" defTabSz="685800" rtl="0" eaLnBrk="1" fontAlgn="auto" latinLnBrk="0" hangingPunct="1">
+                        <a:lnSpc>
+                          <a:spcPct val="100000"/>
+                        </a:lnSpc>
+                        <a:spcBef>
+                          <a:spcPts val="0"/>
+                        </a:spcBef>
+                        <a:spcAft>
+                          <a:spcPts val="0"/>
+                        </a:spcAft>
+                        <a:buClrTx/>
+                        <a:buSzTx/>
+                        <a:buFontTx/>
+                        <a:buNone/>
+                        <a:tabLst/>
+                        <a:defRPr/>
+                      </a:pPr>
+                      <a:r>
+                        <a:rPr lang="de-DE" sz="1400" b="0" i="0" u="none" strike="noStrike" kern="1200" noProof="0">
+                          <a:solidFill>
+                            <a:srgbClr val="000000"/>
+                          </a:solidFill>
+                          <a:highlight>
+                            <a:srgbClr val="00FF00"/>
+                          </a:highlight>
+                          <a:latin typeface="Calibri"/>
+                          <a:ea typeface="+mn-ea"/>
+                          <a:cs typeface="+mn-cs"/>
+                        </a:rPr>
+                        <a:t>erledigt</a:t>
+                      </a:r>
+                      <a:endParaRPr lang="de-DE" altLang="en-US" sz="1400" b="0" i="0" u="none" strike="noStrike" kern="1200">
                         <a:solidFill>
                           <a:srgbClr val="000000"/>
                         </a:solidFill>
@@ -11941,7 +9185,7 @@
                   </a:ext>
                 </a:extLst>
               </a:tr>
-              <a:tr h="511108">
+              <a:tr h="444500">
                 <a:tc>
                   <a:txBody>
                     <a:bodyPr/>
@@ -11954,7 +9198,7 @@
                         <a:rPr lang="de-DE" altLang="en-US">
                           <a:latin typeface="Calibri"/>
                         </a:rPr>
-                        <a:t>35</a:t>
+                        <a:t>32</a:t>
                       </a:r>
                     </a:p>
                   </a:txBody>
@@ -11972,7 +9216,7 @@
                         <a:rPr lang="de-DE" altLang="en-US">
                           <a:latin typeface="Calibri"/>
                         </a:rPr>
-                        <a:t>Jonas Maier</a:t>
+                        <a:t>Daniel Jessner</a:t>
                       </a:r>
                     </a:p>
                   </a:txBody>
@@ -11983,7 +9227,7 @@
                     <a:bodyPr/>
                     <a:lstStyle/>
                     <a:p>
-                      <a:pPr marL="0" marR="0" lvl="0" indent="0" algn="l" rtl="0" eaLnBrk="1" fontAlgn="auto" latinLnBrk="0" hangingPunct="1">
+                      <a:pPr marL="0" marR="0" lvl="0" indent="0" algn="l" defTabSz="685800" rtl="0" eaLnBrk="1" fontAlgn="auto" latinLnBrk="0" hangingPunct="1">
                         <a:lnSpc>
                           <a:spcPct val="100000"/>
                         </a:lnSpc>
@@ -11997,6 +9241,8 @@
                         <a:buSzTx/>
                         <a:buFontTx/>
                         <a:buNone/>
+                        <a:tabLst/>
+                        <a:defRPr/>
                       </a:pPr>
                       <a:r>
                         <a:rPr lang="en-US" sz="1350" b="0" i="0" kern="1200">
@@ -12008,8 +9254,29 @@
                           <a:ea typeface="+mn-ea"/>
                           <a:cs typeface="+mn-cs"/>
                         </a:rPr>
-                        <a:t>Fix database bug</a:t>
+                        <a:t>LED on </a:t>
                       </a:r>
+                      <a:r>
+                        <a:rPr lang="en-US" sz="1350" b="0" i="0" kern="1200" err="1">
+                          <a:solidFill>
+                            <a:schemeClr val="dk1"/>
+                          </a:solidFill>
+                          <a:effectLst/>
+                          <a:latin typeface="+mn-lt"/>
+                          <a:ea typeface="+mn-ea"/>
+                          <a:cs typeface="+mn-cs"/>
+                        </a:rPr>
+                        <a:t>MBot</a:t>
+                      </a:r>
+                      <a:endParaRPr lang="en-US" sz="1350" b="0" i="0" kern="1200">
+                        <a:solidFill>
+                          <a:schemeClr val="dk1"/>
+                        </a:solidFill>
+                        <a:effectLst/>
+                        <a:latin typeface="+mn-lt"/>
+                        <a:ea typeface="+mn-ea"/>
+                        <a:cs typeface="+mn-cs"/>
+                      </a:endParaRPr>
                     </a:p>
                   </a:txBody>
                   <a:tcPr/>
@@ -12026,7 +9293,7 @@
                         <a:rPr lang="de-DE" altLang="en-US">
                           <a:latin typeface="Calibri"/>
                         </a:rPr>
-                        <a:t>13</a:t>
+                        <a:t>1</a:t>
                       </a:r>
                     </a:p>
                   </a:txBody>
@@ -12037,16 +9304,7 @@
                     <a:bodyPr/>
                     <a:lstStyle/>
                     <a:p>
-                      <a:pPr lvl="0" algn="l">
-                        <a:lnSpc>
-                          <a:spcPct val="100000"/>
-                        </a:lnSpc>
-                        <a:spcBef>
-                          <a:spcPts val="0"/>
-                        </a:spcBef>
-                        <a:spcAft>
-                          <a:spcPts val="0"/>
-                        </a:spcAft>
+                      <a:pPr>
                         <a:buNone/>
                       </a:pPr>
                       <a:r>
@@ -12055,27 +9313,15 @@
                             <a:srgbClr val="000000"/>
                           </a:solidFill>
                           <a:highlight>
-                            <a:srgbClr val="FFFF00"/>
+                            <a:srgbClr val="00FF00"/>
                           </a:highlight>
                           <a:latin typeface="Calibri"/>
+                          <a:ea typeface="+mn-ea"/>
+                          <a:cs typeface="+mn-cs"/>
                         </a:rPr>
-                        <a:t>Nicht fertig</a:t>
+                        <a:t>erledigt</a:t>
                       </a:r>
-                      <a:endParaRPr lang="de-DE" sz="1400" b="0" i="0" u="none" strike="noStrike" kern="1200" noProof="0">
-                        <a:solidFill>
-                          <a:srgbClr val="000000"/>
-                        </a:solidFill>
-                        <a:highlight>
-                          <a:srgbClr val="00FF00"/>
-                        </a:highlight>
-                        <a:latin typeface="Calibri"/>
-                      </a:endParaRPr>
-                    </a:p>
-                    <a:p>
-                      <a:pPr lvl="0">
-                        <a:buNone/>
-                      </a:pPr>
-                      <a:endParaRPr lang="de-DE" sz="1400" b="0" i="0" u="none" strike="noStrike" kern="1200" noProof="0">
+                      <a:endParaRPr lang="de-DE" altLang="en-US" sz="1400" b="0" i="0" u="none" strike="noStrike" kern="1200">
                         <a:solidFill>
                           <a:srgbClr val="000000"/>
                         </a:solidFill>
@@ -12096,7 +9342,7 @@
                   </a:ext>
                 </a:extLst>
               </a:tr>
-              <a:tr h="693647">
+              <a:tr h="444500">
                 <a:tc>
                   <a:txBody>
                     <a:bodyPr/>
@@ -12138,7 +9384,7 @@
                     <a:bodyPr/>
                     <a:lstStyle/>
                     <a:p>
-                      <a:pPr marL="0" marR="0" lvl="0" indent="0" algn="l" rtl="0" eaLnBrk="1" fontAlgn="auto" latinLnBrk="0" hangingPunct="1">
+                      <a:pPr marL="0" marR="0" lvl="0" indent="0" algn="l" defTabSz="685800" rtl="0" eaLnBrk="1" fontAlgn="auto" latinLnBrk="0" hangingPunct="1">
                         <a:lnSpc>
                           <a:spcPct val="100000"/>
                         </a:lnSpc>
@@ -12152,6 +9398,8 @@
                         <a:buSzTx/>
                         <a:buFontTx/>
                         <a:buNone/>
+                        <a:tabLst/>
+                        <a:defRPr/>
                       </a:pPr>
                       <a:r>
                         <a:rPr lang="en-US" sz="1350" b="0" i="0" kern="1200">
@@ -12163,7 +9411,31 @@
                           <a:ea typeface="+mn-ea"/>
                           <a:cs typeface="+mn-cs"/>
                         </a:rPr>
-                        <a:t>Solve threading problem on micropython controller, optimize code</a:t>
+                        <a:t>Solve threading problem on </a:t>
+                      </a:r>
+                      <a:r>
+                        <a:rPr lang="en-US" sz="1350" b="0" i="0" kern="1200" err="1">
+                          <a:solidFill>
+                            <a:schemeClr val="dk1"/>
+                          </a:solidFill>
+                          <a:effectLst/>
+                          <a:latin typeface="+mn-lt"/>
+                          <a:ea typeface="+mn-ea"/>
+                          <a:cs typeface="+mn-cs"/>
+                        </a:rPr>
+                        <a:t>micropython</a:t>
+                      </a:r>
+                      <a:r>
+                        <a:rPr lang="en-US" sz="1350" b="0" i="0" kern="1200">
+                          <a:solidFill>
+                            <a:schemeClr val="dk1"/>
+                          </a:solidFill>
+                          <a:effectLst/>
+                          <a:latin typeface="+mn-lt"/>
+                          <a:ea typeface="+mn-ea"/>
+                          <a:cs typeface="+mn-cs"/>
+                        </a:rPr>
+                        <a:t> controller</a:t>
                       </a:r>
                     </a:p>
                   </a:txBody>
@@ -12239,6 +9511,174 @@
                   </a:ext>
                 </a:extLst>
               </a:tr>
+              <a:tr h="444500">
+                <a:tc>
+                  <a:txBody>
+                    <a:bodyPr/>
+                    <a:lstStyle/>
+                    <a:p>
+                      <a:pPr>
+                        <a:buNone/>
+                      </a:pPr>
+                      <a:r>
+                        <a:rPr lang="de-DE" altLang="en-US">
+                          <a:latin typeface="Calibri"/>
+                        </a:rPr>
+                        <a:t>30</a:t>
+                      </a:r>
+                    </a:p>
+                  </a:txBody>
+                  <a:tcPr/>
+                </a:tc>
+                <a:tc>
+                  <a:txBody>
+                    <a:bodyPr/>
+                    <a:lstStyle/>
+                    <a:p>
+                      <a:pPr>
+                        <a:buNone/>
+                      </a:pPr>
+                      <a:r>
+                        <a:rPr lang="de-DE" altLang="en-US">
+                          <a:latin typeface="Calibri"/>
+                        </a:rPr>
+                        <a:t>Jonas Maier</a:t>
+                      </a:r>
+                    </a:p>
+                  </a:txBody>
+                  <a:tcPr/>
+                </a:tc>
+                <a:tc>
+                  <a:txBody>
+                    <a:bodyPr/>
+                    <a:lstStyle/>
+                    <a:p>
+                      <a:pPr marL="0" marR="0" lvl="0" indent="0" algn="l" defTabSz="685800" rtl="0" eaLnBrk="1" fontAlgn="auto" latinLnBrk="0" hangingPunct="1">
+                        <a:lnSpc>
+                          <a:spcPct val="100000"/>
+                        </a:lnSpc>
+                        <a:spcBef>
+                          <a:spcPts val="0"/>
+                        </a:spcBef>
+                        <a:spcAft>
+                          <a:spcPts val="0"/>
+                        </a:spcAft>
+                        <a:buClrTx/>
+                        <a:buSzTx/>
+                        <a:buFontTx/>
+                        <a:buNone/>
+                        <a:tabLst/>
+                        <a:defRPr/>
+                      </a:pPr>
+                      <a:r>
+                        <a:rPr lang="en-US" sz="1350" b="0" i="0" kern="1200">
+                          <a:solidFill>
+                            <a:schemeClr val="dk1"/>
+                          </a:solidFill>
+                          <a:effectLst/>
+                          <a:latin typeface="+mn-lt"/>
+                          <a:ea typeface="+mn-ea"/>
+                          <a:cs typeface="+mn-cs"/>
+                        </a:rPr>
+                        <a:t>Fix bug when client disconnects but server </a:t>
+                      </a:r>
+                      <a:r>
+                        <a:rPr lang="en-US" sz="1350" b="0" i="0" kern="1200" err="1">
+                          <a:solidFill>
+                            <a:schemeClr val="dk1"/>
+                          </a:solidFill>
+                          <a:effectLst/>
+                          <a:latin typeface="+mn-lt"/>
+                          <a:ea typeface="+mn-ea"/>
+                          <a:cs typeface="+mn-cs"/>
+                        </a:rPr>
+                        <a:t>doesnt</a:t>
+                      </a:r>
+                      <a:r>
+                        <a:rPr lang="en-US" sz="1350" b="0" i="0" kern="1200">
+                          <a:solidFill>
+                            <a:schemeClr val="dk1"/>
+                          </a:solidFill>
+                          <a:effectLst/>
+                          <a:latin typeface="+mn-lt"/>
+                          <a:ea typeface="+mn-ea"/>
+                          <a:cs typeface="+mn-cs"/>
+                        </a:rPr>
+                        <a:t> </a:t>
+                      </a:r>
+                      <a:r>
+                        <a:rPr lang="en-US" sz="1350" b="0" i="0" kern="1200" err="1">
+                          <a:solidFill>
+                            <a:schemeClr val="dk1"/>
+                          </a:solidFill>
+                          <a:effectLst/>
+                          <a:latin typeface="+mn-lt"/>
+                          <a:ea typeface="+mn-ea"/>
+                          <a:cs typeface="+mn-cs"/>
+                        </a:rPr>
+                        <a:t>recognice</a:t>
+                      </a:r>
+                      <a:r>
+                        <a:rPr lang="en-US" sz="1350" b="0" i="0" kern="1200">
+                          <a:solidFill>
+                            <a:schemeClr val="dk1"/>
+                          </a:solidFill>
+                          <a:effectLst/>
+                          <a:latin typeface="+mn-lt"/>
+                          <a:ea typeface="+mn-ea"/>
+                          <a:cs typeface="+mn-cs"/>
+                        </a:rPr>
+                        <a:t> it</a:t>
+                      </a:r>
+                    </a:p>
+                  </a:txBody>
+                  <a:tcPr/>
+                </a:tc>
+                <a:tc>
+                  <a:txBody>
+                    <a:bodyPr/>
+                    <a:lstStyle/>
+                    <a:p>
+                      <a:pPr>
+                        <a:buNone/>
+                      </a:pPr>
+                      <a:r>
+                        <a:rPr lang="de-DE" altLang="en-US">
+                          <a:latin typeface="Calibri"/>
+                        </a:rPr>
+                        <a:t>5</a:t>
+                      </a:r>
+                    </a:p>
+                  </a:txBody>
+                  <a:tcPr/>
+                </a:tc>
+                <a:tc>
+                  <a:txBody>
+                    <a:bodyPr/>
+                    <a:lstStyle/>
+                    <a:p>
+                      <a:pPr>
+                        <a:buNone/>
+                      </a:pPr>
+                      <a:r>
+                        <a:rPr lang="de-DE" altLang="en-US">
+                          <a:highlight>
+                            <a:srgbClr val="FFFF00"/>
+                          </a:highlight>
+                          <a:latin typeface="Calibri"/>
+                        </a:rPr>
+                        <a:t>Nicht fertig</a:t>
+                      </a:r>
+                    </a:p>
+                  </a:txBody>
+                  <a:tcPr/>
+                </a:tc>
+                <a:extLst>
+                  <a:ext uri="{0D108BD9-81ED-4DB2-BD59-A6C34878D82A}">
+                    <a16:rowId xmlns:a16="http://schemas.microsoft.com/office/drawing/2014/main" val="4064498177"/>
+                  </a:ext>
+                </a:extLst>
+              </a:tr>
             </a:tbl>
           </a:graphicData>
         </a:graphic>
@@ -12287,7 +9727,19 @@
               <a:rPr lang="de-DE" altLang="en-US">
                 <a:latin typeface="Calibri" panose="020F0502020204030204" charset="0"/>
               </a:rPr>
-              <a:t>Sprint Burndown-Chart</a:t>
+              <a:t>Sprint </a:t>
+            </a:r>
+            <a:r>
+              <a:rPr lang="de-DE" altLang="en-US" err="1">
+                <a:latin typeface="Calibri" panose="020F0502020204030204" charset="0"/>
+              </a:rPr>
+              <a:t>Burndown</a:t>
+            </a:r>
+            <a:r>
+              <a:rPr lang="de-DE" altLang="en-US">
+                <a:latin typeface="Calibri" panose="020F0502020204030204" charset="0"/>
+              </a:rPr>
+              <a:t>-Chart</a:t>
             </a:r>
           </a:p>
         </p:txBody>
@@ -12333,7 +9785,7 @@
                 <a:latin typeface="Calibri"/>
                 <a:cs typeface="Calibri"/>
               </a:rPr>
-              <a:t>: 56</a:t>
+              <a:t>: 41</a:t>
             </a:r>
           </a:p>
           <a:p>
@@ -12356,7 +9808,7 @@
                 <a:latin typeface="Calibri"/>
                 <a:cs typeface="Calibri"/>
               </a:rPr>
-              <a:t>: 30</a:t>
+              <a:t>: 28</a:t>
             </a:r>
             <a:endParaRPr lang="de-DE" sz="1400">
               <a:latin typeface="Calibri"/>
@@ -12384,7 +9836,7 @@
                 <a:latin typeface="Calibri"/>
                 <a:cs typeface="Calibri"/>
               </a:rPr>
-              <a:t>:   26</a:t>
+              <a:t>:   13</a:t>
             </a:r>
             <a:endParaRPr lang="de-DE" sz="1400">
               <a:latin typeface="Calibri" panose="020F0502020204030204" charset="0"/>
@@ -12430,7 +9882,7 @@
                 <a:cs typeface="Calibri"/>
                 <a:sym typeface="+mn-ea"/>
               </a:rPr>
-              <a:t> Backlog: 35</a:t>
+              <a:t> Backlog: 89-9-39-41+21=21</a:t>
             </a:r>
             <a:endParaRPr lang="de-DE" sz="1400">
               <a:latin typeface="Calibri"/>
@@ -12508,7 +9960,7 @@
           <p:nvPr>
             <p:extLst>
               <p:ext uri="{D42A27DB-BD31-4B8C-83A1-F6EECF244321}">
-                <p14:modId xmlns:p14="http://schemas.microsoft.com/office/powerpoint/2010/main" val="3515393563"/>
+                <p14:modId xmlns:p14="http://schemas.microsoft.com/office/powerpoint/2010/main" val="3020880871"/>
               </p:ext>
             </p:extLst>
           </p:nvPr>
@@ -12564,11 +10016,14 @@
           <a:lstStyle/>
           <a:p>
             <a:r>
-              <a:rPr lang="de-DE" altLang="en-US">
+              <a:rPr lang="de-DE" altLang="en-US" err="1">
                 <a:latin typeface="Calibri" panose="020F0502020204030204" charset="0"/>
               </a:rPr>
               <a:t>Sprint Velocity</a:t>
             </a:r>
+            <a:endParaRPr lang="de-DE" altLang="en-US">
+              <a:latin typeface="Calibri" panose="020F0502020204030204" charset="0"/>
+            </a:endParaRPr>
           </a:p>
         </p:txBody>
       </p:sp>
@@ -12598,7 +10053,7 @@
               <a:rPr lang="de-DE" sz="1400">
                 <a:latin typeface="Calibri" panose="020F0502020204030204" charset="0"/>
               </a:rPr>
-              <a:t>Velocity Sprint 4:	30</a:t>
+              <a:t>Velocity Sprint 3:	28</a:t>
             </a:r>
           </a:p>
         </p:txBody>
@@ -12667,7 +10122,7 @@
           <p:nvPr>
             <p:extLst>
               <p:ext uri="{D42A27DB-BD31-4B8C-83A1-F6EECF244321}">
-                <p14:modId xmlns:p14="http://schemas.microsoft.com/office/powerpoint/2010/main" val="1786507258"/>
+                <p14:modId xmlns:p14="http://schemas.microsoft.com/office/powerpoint/2010/main" val="3829315010"/>
               </p:ext>
             </p:extLst>
           </p:nvPr>
@@ -12738,6 +10193,173 @@
       </p:sp>
       <p:sp>
         <p:nvSpPr>
+          <p:cNvPr id="5" name="TextBox 4"/>
+          <p:cNvSpPr txBox="1"/>
+          <p:nvPr/>
+        </p:nvSpPr>
+        <p:spPr>
+          <a:xfrm>
+            <a:off x="539750" y="1484630"/>
+            <a:ext cx="7945755" cy="2246769"/>
+          </a:xfrm>
+          <a:prstGeom prst="rect">
+            <a:avLst/>
+          </a:prstGeom>
+          <a:noFill/>
+        </p:spPr>
+        <p:txBody>
+          <a:bodyPr wrap="square" lIns="91440" tIns="45720" rIns="91440" bIns="45720" rtlCol="0" anchor="t">
+            <a:spAutoFit/>
+          </a:bodyPr>
+          <a:lstStyle/>
+          <a:p>
+            <a:endParaRPr lang="de-DE" sz="1400">
+              <a:solidFill>
+                <a:srgbClr val="000000"/>
+              </a:solidFill>
+              <a:latin typeface="Calibri"/>
+              <a:ea typeface="Calibri"/>
+              <a:cs typeface="Calibri"/>
+            </a:endParaRPr>
+          </a:p>
+          <a:p>
+            <a:r>
+              <a:rPr lang="de-DE" sz="1400">
+                <a:latin typeface="Calibri"/>
+                <a:ea typeface="Calibri"/>
+                <a:cs typeface="Calibri"/>
+              </a:rPr>
+              <a:t>David </a:t>
+            </a:r>
+            <a:r>
+              <a:rPr lang="de-DE" sz="1400" err="1">
+                <a:latin typeface="Calibri"/>
+                <a:ea typeface="Calibri"/>
+                <a:cs typeface="Calibri"/>
+              </a:rPr>
+              <a:t>Legenjovic</a:t>
+            </a:r>
+            <a:r>
+              <a:rPr lang="de-DE" sz="1400">
+                <a:latin typeface="Calibri"/>
+                <a:ea typeface="Calibri"/>
+                <a:cs typeface="Calibri"/>
+              </a:rPr>
+              <a:t>:</a:t>
+            </a:r>
+          </a:p>
+          <a:p>
+            <a:r>
+              <a:rPr lang="de-DE" sz="1400">
+                <a:latin typeface="Calibri"/>
+                <a:ea typeface="Calibri"/>
+                <a:cs typeface="Calibri"/>
+              </a:rPr>
+              <a:t>	Joystick hinzugefügt</a:t>
+            </a:r>
+          </a:p>
+          <a:p>
+            <a:r>
+              <a:rPr lang="de-DE" sz="1400">
+                <a:latin typeface="Calibri"/>
+                <a:ea typeface="Calibri"/>
+                <a:cs typeface="Calibri"/>
+              </a:rPr>
+              <a:t>	Fahren mit WASD</a:t>
+            </a:r>
+          </a:p>
+          <a:p>
+            <a:endParaRPr lang="de-DE" sz="1400">
+              <a:latin typeface="Calibri" panose="020F0502020204030204" charset="0"/>
+            </a:endParaRPr>
+          </a:p>
+          <a:p>
+            <a:r>
+              <a:rPr lang="de-DE" sz="1400">
+                <a:latin typeface="Calibri"/>
+                <a:cs typeface="Calibri"/>
+              </a:rPr>
+              <a:t>Daniel Jessner:</a:t>
+            </a:r>
+            <a:endParaRPr lang="de-DE" sz="1400">
+              <a:latin typeface="Calibri"/>
+              <a:ea typeface="Calibri"/>
+              <a:cs typeface="Calibri"/>
+            </a:endParaRPr>
+          </a:p>
+          <a:p>
+            <a:r>
+              <a:rPr lang="de-DE" sz="1400">
+                <a:latin typeface="Calibri"/>
+                <a:ea typeface="Calibri"/>
+                <a:cs typeface="Calibri"/>
+              </a:rPr>
+              <a:t>                      </a:t>
+            </a:r>
+            <a:r>
+              <a:rPr lang="de-DE" sz="1400" err="1">
+                <a:latin typeface="Calibri"/>
+                <a:ea typeface="Calibri"/>
+                <a:cs typeface="Calibri"/>
+              </a:rPr>
+              <a:t>Mbot</a:t>
+            </a:r>
+            <a:r>
+              <a:rPr lang="de-DE" sz="1400">
+                <a:latin typeface="Calibri"/>
+                <a:ea typeface="Calibri"/>
+                <a:cs typeface="Calibri"/>
+              </a:rPr>
+              <a:t> fahren</a:t>
+            </a:r>
+          </a:p>
+          <a:p>
+            <a:r>
+              <a:rPr lang="de-DE" sz="1400">
+                <a:latin typeface="Calibri"/>
+                <a:ea typeface="Calibri"/>
+                <a:cs typeface="Calibri"/>
+              </a:rPr>
+              <a:t>          </a:t>
+            </a:r>
+          </a:p>
+          <a:p>
+            <a:r>
+              <a:rPr lang="de-DE" sz="1400">
+                <a:latin typeface="Calibri"/>
+                <a:ea typeface="Calibri"/>
+                <a:cs typeface="Calibri"/>
+              </a:rPr>
+              <a:t>Jonas Maier:</a:t>
+            </a:r>
+          </a:p>
+          <a:p>
+            <a:r>
+              <a:rPr lang="de-DE" sz="1400">
+                <a:latin typeface="Calibri"/>
+                <a:ea typeface="Calibri"/>
+                <a:cs typeface="Calibri"/>
+              </a:rPr>
+              <a:t>	Server sendet User Inputs zum </a:t>
+            </a:r>
+            <a:r>
+              <a:rPr lang="de-DE" sz="1400" err="1">
+                <a:latin typeface="Calibri"/>
+                <a:ea typeface="Calibri"/>
+                <a:cs typeface="Calibri"/>
+              </a:rPr>
+              <a:t>MBot</a:t>
+            </a:r>
+            <a:endParaRPr lang="de-DE" sz="1400">
+              <a:latin typeface="Calibri"/>
+              <a:ea typeface="Calibri"/>
+              <a:cs typeface="Calibri" panose="020F0502020204030204" charset="0"/>
+            </a:endParaRPr>
+          </a:p>
+        </p:txBody>
+      </p:sp>
+      <p:sp>
+        <p:nvSpPr>
           <p:cNvPr id="8" name="Footer Placeholder 7"/>
           <p:cNvSpPr>
             <a:spLocks noGrp="1"/>
@@ -12787,53 +10409,6 @@
           </a:p>
         </p:txBody>
       </p:sp>
-      <p:pic>
-        <p:nvPicPr>
-          <p:cNvPr id="1026" name="Picture 2" descr="Demo - Kostenlose computer-Icons">
-            <a:extLst>
-              <a:ext uri="{FF2B5EF4-FFF2-40B4-BE49-F238E27FC236}">
-                <a16:creationId xmlns:a16="http://schemas.microsoft.com/office/drawing/2014/main" id="{943AA8B8-2747-1EFE-453F-8BED8C8D5D07}"/>
-              </a:ext>
-            </a:extLst>
-          </p:cNvPr>
-          <p:cNvPicPr>
-            <a:picLocks noChangeAspect="1" noChangeArrowheads="1"/>
-          </p:cNvPicPr>
-          <p:nvPr/>
-        </p:nvPicPr>
-        <p:blipFill>
-          <a:blip r:embed="rId2">
-            <a:extLst>
-              <a:ext uri="{28A0092B-C50C-407E-A947-70E740481C1C}">
-                <a14:useLocalDpi xmlns:a14="http://schemas.microsoft.com/office/drawing/2010/main" val="0"/>
-              </a:ext>
-            </a:extLst>
-          </a:blip>
-          <a:srcRect/>
-          <a:stretch>
-            <a:fillRect/>
-          </a:stretch>
-        </p:blipFill>
-        <p:spPr bwMode="auto">
-          <a:xfrm>
-            <a:off x="2133600" y="1406236"/>
-            <a:ext cx="4876800" cy="4876800"/>
-          </a:xfrm>
-          <a:prstGeom prst="rect">
-            <a:avLst/>
-          </a:prstGeom>
-          <a:noFill/>
-          <a:extLst>
-            <a:ext uri="{909E8E84-426E-40DD-AFC4-6F175D3DCCD1}">
-              <a14:hiddenFill xmlns:a14="http://schemas.microsoft.com/office/drawing/2010/main">
-                <a:solidFill>
-                  <a:srgbClr val="FFFFFF"/>
-                </a:solidFill>
-              </a14:hiddenFill>
-            </a:ext>
-          </a:extLst>
-        </p:spPr>
-      </p:pic>
     </p:spTree>
   </p:cSld>
   <p:clrMapOvr>
